--- a/Adventures in Chess.pptx
+++ b/Adventures in Chess.pptx
@@ -5,7 +5,7 @@
     <p:sldMasterId id="2147483714" r:id="rId1"/>
   </p:sldMasterIdLst>
   <p:notesMasterIdLst>
-    <p:notesMasterId r:id="rId23"/>
+    <p:notesMasterId r:id="rId34"/>
   </p:notesMasterIdLst>
   <p:sldIdLst>
     <p:sldId id="256" r:id="rId2"/>
@@ -28,7 +28,18 @@
     <p:sldId id="283" r:id="rId19"/>
     <p:sldId id="284" r:id="rId20"/>
     <p:sldId id="285" r:id="rId21"/>
-    <p:sldId id="286" r:id="rId22"/>
+    <p:sldId id="288" r:id="rId22"/>
+    <p:sldId id="289" r:id="rId23"/>
+    <p:sldId id="286" r:id="rId24"/>
+    <p:sldId id="290" r:id="rId25"/>
+    <p:sldId id="291" r:id="rId26"/>
+    <p:sldId id="297" r:id="rId27"/>
+    <p:sldId id="292" r:id="rId28"/>
+    <p:sldId id="293" r:id="rId29"/>
+    <p:sldId id="294" r:id="rId30"/>
+    <p:sldId id="295" r:id="rId31"/>
+    <p:sldId id="296" r:id="rId32"/>
+    <p:sldId id="298" r:id="rId33"/>
   </p:sldIdLst>
   <p:sldSz cx="12192000" cy="6858000"/>
   <p:notesSz cx="6858000" cy="9144000"/>
@@ -16260,7 +16271,7 @@
                   <a:srgbClr val="FFFFFF"/>
                 </a:solidFill>
               </a:rPr>
-              <a:t>Check if the absolute value of the row and col move distance is not more than one</a:t>
+              <a:t>Check if the move distance of the row and column is not more than one</a:t>
             </a:r>
           </a:p>
           <a:p>
@@ -16288,7 +16299,7 @@
                   <a:srgbClr val="FFFFFF"/>
                 </a:solidFill>
               </a:rPr>
-              <a:t>If there is no piece there great</a:t>
+              <a:t>If there is no piece there it’s good</a:t>
             </a:r>
           </a:p>
           <a:p>
@@ -25852,7 +25863,7 @@
         <p:spPr>
           <a:xfrm>
             <a:off x="426617" y="2600392"/>
-            <a:ext cx="5296058" cy="1408611"/>
+            <a:ext cx="5296058" cy="1503945"/>
           </a:xfrm>
           <a:prstGeom prst="rect">
             <a:avLst/>
@@ -25898,8 +25909,8 @@
         </p:nvSpPr>
         <p:spPr>
           <a:xfrm>
-            <a:off x="555341" y="4006821"/>
-            <a:ext cx="4464764" cy="622849"/>
+            <a:off x="555341" y="4078565"/>
+            <a:ext cx="4464764" cy="551105"/>
           </a:xfrm>
           <a:prstGeom prst="rect">
             <a:avLst/>
@@ -28492,84 +28503,21 @@
                                   </p:childTnLst>
                                 </p:cTn>
                               </p:par>
-                            </p:childTnLst>
-                          </p:cTn>
-                        </p:par>
-                      </p:childTnLst>
-                    </p:cTn>
-                  </p:par>
-                  <p:par>
-                    <p:cTn id="157" fill="hold">
-                      <p:stCondLst>
-                        <p:cond delay="indefinite"/>
-                      </p:stCondLst>
-                      <p:childTnLst>
-                        <p:par>
-                          <p:cTn id="158" fill="hold">
-                            <p:stCondLst>
-                              <p:cond delay="0"/>
-                            </p:stCondLst>
-                            <p:childTnLst>
                               <p:par>
-                                <p:cTn id="159" presetID="1" presetClass="exit" presetSubtype="0" fill="hold" grpId="0" nodeType="clickEffect">
+                                <p:cTn id="157" presetID="53" presetClass="entr" presetSubtype="16" fill="hold" nodeType="withEffect">
                                   <p:stCondLst>
                                     <p:cond delay="0"/>
                                   </p:stCondLst>
                                   <p:childTnLst>
                                     <p:set>
                                       <p:cBhvr>
-                                        <p:cTn id="160" dur="1" fill="hold">
+                                        <p:cTn id="158" dur="1" fill="hold">
                                           <p:stCondLst>
                                             <p:cond delay="0"/>
                                           </p:stCondLst>
                                         </p:cTn>
                                         <p:tgtEl>
-                                          <p:spTgt spid="56"/>
-                                        </p:tgtEl>
-                                        <p:attrNameLst>
-                                          <p:attrName>style.visibility</p:attrName>
-                                        </p:attrNameLst>
-                                      </p:cBhvr>
-                                      <p:to>
-                                        <p:strVal val="hidden"/>
-                                      </p:to>
-                                    </p:set>
-                                  </p:childTnLst>
-                                </p:cTn>
-                              </p:par>
-                            </p:childTnLst>
-                          </p:cTn>
-                        </p:par>
-                      </p:childTnLst>
-                    </p:cTn>
-                  </p:par>
-                  <p:par>
-                    <p:cTn id="161" fill="hold">
-                      <p:stCondLst>
-                        <p:cond delay="indefinite"/>
-                      </p:stCondLst>
-                      <p:childTnLst>
-                        <p:par>
-                          <p:cTn id="162" fill="hold">
-                            <p:stCondLst>
-                              <p:cond delay="0"/>
-                            </p:stCondLst>
-                            <p:childTnLst>
-                              <p:par>
-                                <p:cTn id="163" presetID="53" presetClass="entr" presetSubtype="16" fill="hold" nodeType="clickEffect">
-                                  <p:stCondLst>
-                                    <p:cond delay="0"/>
-                                  </p:stCondLst>
-                                  <p:childTnLst>
-                                    <p:set>
-                                      <p:cBhvr>
-                                        <p:cTn id="164" dur="1" fill="hold">
-                                          <p:stCondLst>
-                                            <p:cond delay="0"/>
-                                          </p:stCondLst>
-                                        </p:cTn>
-                                        <p:tgtEl>
-                                          <p:spTgt spid="44"/>
+                                          <p:spTgt spid="59"/>
                                         </p:tgtEl>
                                         <p:attrNameLst>
                                           <p:attrName>style.visibility</p:attrName>
@@ -28581,9 +28529,9 @@
                                     </p:set>
                                     <p:anim calcmode="lin" valueType="num">
                                       <p:cBhvr>
-                                        <p:cTn id="165" dur="500" fill="hold"/>
-                                        <p:tgtEl>
-                                          <p:spTgt spid="44"/>
+                                        <p:cTn id="159" dur="500" fill="hold"/>
+                                        <p:tgtEl>
+                                          <p:spTgt spid="59"/>
                                         </p:tgtEl>
                                         <p:attrNameLst>
                                           <p:attrName>ppt_w</p:attrName>
@@ -28604,9 +28552,9 @@
                                     </p:anim>
                                     <p:anim calcmode="lin" valueType="num">
                                       <p:cBhvr>
-                                        <p:cTn id="166" dur="500" fill="hold"/>
-                                        <p:tgtEl>
-                                          <p:spTgt spid="44"/>
+                                        <p:cTn id="160" dur="500" fill="hold"/>
+                                        <p:tgtEl>
+                                          <p:spTgt spid="59"/>
                                         </p:tgtEl>
                                         <p:attrNameLst>
                                           <p:attrName>ppt_h</p:attrName>
@@ -28627,9 +28575,9 @@
                                     </p:anim>
                                     <p:animEffect transition="in" filter="fade">
                                       <p:cBhvr>
-                                        <p:cTn id="167" dur="500"/>
-                                        <p:tgtEl>
-                                          <p:spTgt spid="44"/>
+                                        <p:cTn id="161" dur="500"/>
+                                        <p:tgtEl>
+                                          <p:spTgt spid="59"/>
                                         </p:tgtEl>
                                       </p:cBhvr>
                                     </p:animEffect>
@@ -28637,20 +28585,20 @@
                                 </p:cTn>
                               </p:par>
                               <p:par>
-                                <p:cTn id="168" presetID="53" presetClass="entr" presetSubtype="16" fill="hold" nodeType="withEffect">
+                                <p:cTn id="162" presetID="53" presetClass="entr" presetSubtype="16" fill="hold" nodeType="withEffect">
                                   <p:stCondLst>
                                     <p:cond delay="0"/>
                                   </p:stCondLst>
                                   <p:childTnLst>
                                     <p:set>
                                       <p:cBhvr>
-                                        <p:cTn id="169" dur="1" fill="hold">
+                                        <p:cTn id="163" dur="1" fill="hold">
                                           <p:stCondLst>
                                             <p:cond delay="0"/>
                                           </p:stCondLst>
                                         </p:cTn>
                                         <p:tgtEl>
-                                          <p:spTgt spid="39"/>
+                                          <p:spTgt spid="60"/>
                                         </p:tgtEl>
                                         <p:attrNameLst>
                                           <p:attrName>style.visibility</p:attrName>
@@ -28662,9 +28610,9 @@
                                     </p:set>
                                     <p:anim calcmode="lin" valueType="num">
                                       <p:cBhvr>
-                                        <p:cTn id="170" dur="500" fill="hold"/>
-                                        <p:tgtEl>
-                                          <p:spTgt spid="39"/>
+                                        <p:cTn id="164" dur="500" fill="hold"/>
+                                        <p:tgtEl>
+                                          <p:spTgt spid="60"/>
                                         </p:tgtEl>
                                         <p:attrNameLst>
                                           <p:attrName>ppt_w</p:attrName>
@@ -28685,9 +28633,9 @@
                                     </p:anim>
                                     <p:anim calcmode="lin" valueType="num">
                                       <p:cBhvr>
-                                        <p:cTn id="171" dur="500" fill="hold"/>
-                                        <p:tgtEl>
-                                          <p:spTgt spid="39"/>
+                                        <p:cTn id="165" dur="500" fill="hold"/>
+                                        <p:tgtEl>
+                                          <p:spTgt spid="60"/>
                                         </p:tgtEl>
                                         <p:attrNameLst>
                                           <p:attrName>ppt_h</p:attrName>
@@ -28708,30 +28656,75 @@
                                     </p:anim>
                                     <p:animEffect transition="in" filter="fade">
                                       <p:cBhvr>
-                                        <p:cTn id="172" dur="500"/>
-                                        <p:tgtEl>
-                                          <p:spTgt spid="39"/>
+                                        <p:cTn id="166" dur="500"/>
+                                        <p:tgtEl>
+                                          <p:spTgt spid="60"/>
                                         </p:tgtEl>
                                       </p:cBhvr>
                                     </p:animEffect>
                                   </p:childTnLst>
                                 </p:cTn>
                               </p:par>
+                            </p:childTnLst>
+                          </p:cTn>
+                        </p:par>
+                      </p:childTnLst>
+                    </p:cTn>
+                  </p:par>
+                  <p:par>
+                    <p:cTn id="167" fill="hold">
+                      <p:stCondLst>
+                        <p:cond delay="indefinite"/>
+                      </p:stCondLst>
+                      <p:childTnLst>
+                        <p:par>
+                          <p:cTn id="168" fill="hold">
+                            <p:stCondLst>
+                              <p:cond delay="0"/>
+                            </p:stCondLst>
+                            <p:childTnLst>
                               <p:par>
-                                <p:cTn id="173" presetID="53" presetClass="entr" presetSubtype="16" fill="hold" nodeType="withEffect">
+                                <p:cTn id="169" presetID="1" presetClass="exit" presetSubtype="0" fill="hold" grpId="0" nodeType="clickEffect">
                                   <p:stCondLst>
                                     <p:cond delay="0"/>
                                   </p:stCondLst>
                                   <p:childTnLst>
                                     <p:set>
                                       <p:cBhvr>
-                                        <p:cTn id="174" dur="1" fill="hold">
+                                        <p:cTn id="170" dur="1" fill="hold">
                                           <p:stCondLst>
                                             <p:cond delay="0"/>
                                           </p:stCondLst>
                                         </p:cTn>
                                         <p:tgtEl>
-                                          <p:spTgt spid="40"/>
+                                          <p:spTgt spid="56"/>
+                                        </p:tgtEl>
+                                        <p:attrNameLst>
+                                          <p:attrName>style.visibility</p:attrName>
+                                        </p:attrNameLst>
+                                      </p:cBhvr>
+                                      <p:to>
+                                        <p:strVal val="hidden"/>
+                                      </p:to>
+                                    </p:set>
+                                  </p:childTnLst>
+                                </p:cTn>
+                              </p:par>
+                              <p:par>
+                                <p:cTn id="171" presetID="53" presetClass="entr" presetSubtype="16" fill="hold" nodeType="withEffect">
+                                  <p:stCondLst>
+                                    <p:cond delay="0"/>
+                                  </p:stCondLst>
+                                  <p:childTnLst>
+                                    <p:set>
+                                      <p:cBhvr>
+                                        <p:cTn id="172" dur="1" fill="hold">
+                                          <p:stCondLst>
+                                            <p:cond delay="0"/>
+                                          </p:stCondLst>
+                                        </p:cTn>
+                                        <p:tgtEl>
+                                          <p:spTgt spid="44"/>
                                         </p:tgtEl>
                                         <p:attrNameLst>
                                           <p:attrName>style.visibility</p:attrName>
@@ -28743,9 +28736,9 @@
                                     </p:set>
                                     <p:anim calcmode="lin" valueType="num">
                                       <p:cBhvr>
-                                        <p:cTn id="175" dur="500" fill="hold"/>
-                                        <p:tgtEl>
-                                          <p:spTgt spid="40"/>
+                                        <p:cTn id="173" dur="500" fill="hold"/>
+                                        <p:tgtEl>
+                                          <p:spTgt spid="44"/>
                                         </p:tgtEl>
                                         <p:attrNameLst>
                                           <p:attrName>ppt_w</p:attrName>
@@ -28766,9 +28759,9 @@
                                     </p:anim>
                                     <p:anim calcmode="lin" valueType="num">
                                       <p:cBhvr>
-                                        <p:cTn id="176" dur="500" fill="hold"/>
-                                        <p:tgtEl>
-                                          <p:spTgt spid="40"/>
+                                        <p:cTn id="174" dur="500" fill="hold"/>
+                                        <p:tgtEl>
+                                          <p:spTgt spid="44"/>
                                         </p:tgtEl>
                                         <p:attrNameLst>
                                           <p:attrName>ppt_h</p:attrName>
@@ -28789,9 +28782,9 @@
                                     </p:anim>
                                     <p:animEffect transition="in" filter="fade">
                                       <p:cBhvr>
-                                        <p:cTn id="177" dur="500"/>
-                                        <p:tgtEl>
-                                          <p:spTgt spid="40"/>
+                                        <p:cTn id="175" dur="500"/>
+                                        <p:tgtEl>
+                                          <p:spTgt spid="44"/>
                                         </p:tgtEl>
                                       </p:cBhvr>
                                     </p:animEffect>
@@ -28799,20 +28792,20 @@
                                 </p:cTn>
                               </p:par>
                               <p:par>
-                                <p:cTn id="178" presetID="53" presetClass="entr" presetSubtype="16" fill="hold" nodeType="withEffect">
+                                <p:cTn id="176" presetID="53" presetClass="entr" presetSubtype="16" fill="hold" nodeType="withEffect">
                                   <p:stCondLst>
                                     <p:cond delay="0"/>
                                   </p:stCondLst>
                                   <p:childTnLst>
                                     <p:set>
                                       <p:cBhvr>
-                                        <p:cTn id="179" dur="1" fill="hold">
+                                        <p:cTn id="177" dur="1" fill="hold">
                                           <p:stCondLst>
                                             <p:cond delay="0"/>
                                           </p:stCondLst>
                                         </p:cTn>
                                         <p:tgtEl>
-                                          <p:spTgt spid="45"/>
+                                          <p:spTgt spid="39"/>
                                         </p:tgtEl>
                                         <p:attrNameLst>
                                           <p:attrName>style.visibility</p:attrName>
@@ -28824,9 +28817,9 @@
                                     </p:set>
                                     <p:anim calcmode="lin" valueType="num">
                                       <p:cBhvr>
-                                        <p:cTn id="180" dur="500" fill="hold"/>
-                                        <p:tgtEl>
-                                          <p:spTgt spid="45"/>
+                                        <p:cTn id="178" dur="500" fill="hold"/>
+                                        <p:tgtEl>
+                                          <p:spTgt spid="39"/>
                                         </p:tgtEl>
                                         <p:attrNameLst>
                                           <p:attrName>ppt_w</p:attrName>
@@ -28847,9 +28840,9 @@
                                     </p:anim>
                                     <p:anim calcmode="lin" valueType="num">
                                       <p:cBhvr>
-                                        <p:cTn id="181" dur="500" fill="hold"/>
-                                        <p:tgtEl>
-                                          <p:spTgt spid="45"/>
+                                        <p:cTn id="179" dur="500" fill="hold"/>
+                                        <p:tgtEl>
+                                          <p:spTgt spid="39"/>
                                         </p:tgtEl>
                                         <p:attrNameLst>
                                           <p:attrName>ppt_h</p:attrName>
@@ -28870,7 +28863,169 @@
                                     </p:anim>
                                     <p:animEffect transition="in" filter="fade">
                                       <p:cBhvr>
-                                        <p:cTn id="182" dur="500"/>
+                                        <p:cTn id="180" dur="500"/>
+                                        <p:tgtEl>
+                                          <p:spTgt spid="39"/>
+                                        </p:tgtEl>
+                                      </p:cBhvr>
+                                    </p:animEffect>
+                                  </p:childTnLst>
+                                </p:cTn>
+                              </p:par>
+                              <p:par>
+                                <p:cTn id="181" presetID="53" presetClass="entr" presetSubtype="16" fill="hold" nodeType="withEffect">
+                                  <p:stCondLst>
+                                    <p:cond delay="0"/>
+                                  </p:stCondLst>
+                                  <p:childTnLst>
+                                    <p:set>
+                                      <p:cBhvr>
+                                        <p:cTn id="182" dur="1" fill="hold">
+                                          <p:stCondLst>
+                                            <p:cond delay="0"/>
+                                          </p:stCondLst>
+                                        </p:cTn>
+                                        <p:tgtEl>
+                                          <p:spTgt spid="40"/>
+                                        </p:tgtEl>
+                                        <p:attrNameLst>
+                                          <p:attrName>style.visibility</p:attrName>
+                                        </p:attrNameLst>
+                                      </p:cBhvr>
+                                      <p:to>
+                                        <p:strVal val="visible"/>
+                                      </p:to>
+                                    </p:set>
+                                    <p:anim calcmode="lin" valueType="num">
+                                      <p:cBhvr>
+                                        <p:cTn id="183" dur="500" fill="hold"/>
+                                        <p:tgtEl>
+                                          <p:spTgt spid="40"/>
+                                        </p:tgtEl>
+                                        <p:attrNameLst>
+                                          <p:attrName>ppt_w</p:attrName>
+                                        </p:attrNameLst>
+                                      </p:cBhvr>
+                                      <p:tavLst>
+                                        <p:tav tm="0">
+                                          <p:val>
+                                            <p:fltVal val="0"/>
+                                          </p:val>
+                                        </p:tav>
+                                        <p:tav tm="100000">
+                                          <p:val>
+                                            <p:strVal val="#ppt_w"/>
+                                          </p:val>
+                                        </p:tav>
+                                      </p:tavLst>
+                                    </p:anim>
+                                    <p:anim calcmode="lin" valueType="num">
+                                      <p:cBhvr>
+                                        <p:cTn id="184" dur="500" fill="hold"/>
+                                        <p:tgtEl>
+                                          <p:spTgt spid="40"/>
+                                        </p:tgtEl>
+                                        <p:attrNameLst>
+                                          <p:attrName>ppt_h</p:attrName>
+                                        </p:attrNameLst>
+                                      </p:cBhvr>
+                                      <p:tavLst>
+                                        <p:tav tm="0">
+                                          <p:val>
+                                            <p:fltVal val="0"/>
+                                          </p:val>
+                                        </p:tav>
+                                        <p:tav tm="100000">
+                                          <p:val>
+                                            <p:strVal val="#ppt_h"/>
+                                          </p:val>
+                                        </p:tav>
+                                      </p:tavLst>
+                                    </p:anim>
+                                    <p:animEffect transition="in" filter="fade">
+                                      <p:cBhvr>
+                                        <p:cTn id="185" dur="500"/>
+                                        <p:tgtEl>
+                                          <p:spTgt spid="40"/>
+                                        </p:tgtEl>
+                                      </p:cBhvr>
+                                    </p:animEffect>
+                                  </p:childTnLst>
+                                </p:cTn>
+                              </p:par>
+                              <p:par>
+                                <p:cTn id="186" presetID="53" presetClass="entr" presetSubtype="16" fill="hold" nodeType="withEffect">
+                                  <p:stCondLst>
+                                    <p:cond delay="0"/>
+                                  </p:stCondLst>
+                                  <p:childTnLst>
+                                    <p:set>
+                                      <p:cBhvr>
+                                        <p:cTn id="187" dur="1" fill="hold">
+                                          <p:stCondLst>
+                                            <p:cond delay="0"/>
+                                          </p:stCondLst>
+                                        </p:cTn>
+                                        <p:tgtEl>
+                                          <p:spTgt spid="45"/>
+                                        </p:tgtEl>
+                                        <p:attrNameLst>
+                                          <p:attrName>style.visibility</p:attrName>
+                                        </p:attrNameLst>
+                                      </p:cBhvr>
+                                      <p:to>
+                                        <p:strVal val="visible"/>
+                                      </p:to>
+                                    </p:set>
+                                    <p:anim calcmode="lin" valueType="num">
+                                      <p:cBhvr>
+                                        <p:cTn id="188" dur="500" fill="hold"/>
+                                        <p:tgtEl>
+                                          <p:spTgt spid="45"/>
+                                        </p:tgtEl>
+                                        <p:attrNameLst>
+                                          <p:attrName>ppt_w</p:attrName>
+                                        </p:attrNameLst>
+                                      </p:cBhvr>
+                                      <p:tavLst>
+                                        <p:tav tm="0">
+                                          <p:val>
+                                            <p:fltVal val="0"/>
+                                          </p:val>
+                                        </p:tav>
+                                        <p:tav tm="100000">
+                                          <p:val>
+                                            <p:strVal val="#ppt_w"/>
+                                          </p:val>
+                                        </p:tav>
+                                      </p:tavLst>
+                                    </p:anim>
+                                    <p:anim calcmode="lin" valueType="num">
+                                      <p:cBhvr>
+                                        <p:cTn id="189" dur="500" fill="hold"/>
+                                        <p:tgtEl>
+                                          <p:spTgt spid="45"/>
+                                        </p:tgtEl>
+                                        <p:attrNameLst>
+                                          <p:attrName>ppt_h</p:attrName>
+                                        </p:attrNameLst>
+                                      </p:cBhvr>
+                                      <p:tavLst>
+                                        <p:tav tm="0">
+                                          <p:val>
+                                            <p:fltVal val="0"/>
+                                          </p:val>
+                                        </p:tav>
+                                        <p:tav tm="100000">
+                                          <p:val>
+                                            <p:strVal val="#ppt_h"/>
+                                          </p:val>
+                                        </p:tav>
+                                      </p:tavLst>
+                                    </p:anim>
+                                    <p:animEffect transition="in" filter="fade">
+                                      <p:cBhvr>
+                                        <p:cTn id="190" dur="500"/>
                                         <p:tgtEl>
                                           <p:spTgt spid="45"/>
                                         </p:tgtEl>
@@ -29201,13 +29356,13 @@
         </p:nvSpPr>
         <p:spPr>
           <a:xfrm>
-            <a:off x="5591695" y="1402080"/>
-            <a:ext cx="5320696" cy="4053840"/>
+            <a:off x="5724526" y="1204913"/>
+            <a:ext cx="5621253" cy="4522470"/>
           </a:xfrm>
         </p:spPr>
         <p:txBody>
           <a:bodyPr anchor="ctr">
-            <a:normAutofit lnSpcReduction="10000"/>
+            <a:normAutofit/>
           </a:bodyPr>
           <a:lstStyle/>
           <a:p>
@@ -29230,7 +29385,7 @@
             <a:pPr lvl="2"/>
             <a:r>
               <a:rPr lang="en-US" dirty="0"/>
-              <a:t>Pros:  for inCheck just loop over and see if any whites can kill the black king</a:t>
+              <a:t>Pros:  for inCheck just loop over and see if any pieces  can kill the other king</a:t>
             </a:r>
           </a:p>
           <a:p>
@@ -29254,7 +29409,14 @@
             <a:pPr lvl="2"/>
             <a:r>
               <a:rPr lang="en-US" dirty="0"/>
-              <a:t>Pros -</a:t>
+              <a:t>Pros – Again, makes inCheck easier</a:t>
+            </a:r>
+          </a:p>
+          <a:p>
+            <a:pPr lvl="2"/>
+            <a:r>
+              <a:rPr lang="en-US" dirty="0"/>
+              <a:t>Cons – Displaying the board requires an even bigger loop</a:t>
             </a:r>
           </a:p>
           <a:p>
@@ -29278,7 +29440,7 @@
             <a:pPr lvl="2"/>
             <a:r>
               <a:rPr lang="en-US" dirty="0"/>
-              <a:t>Cons: O(n^2) for inCheck method</a:t>
+              <a:t>Cons: O(n^2) for inCheck method – need to loop to find the king, then loop to find opposing pieces</a:t>
             </a:r>
           </a:p>
         </p:txBody>
@@ -29293,6 +29455,649 @@
   <p:clrMapOvr>
     <a:masterClrMapping/>
   </p:clrMapOvr>
+  <p:timing>
+    <p:tnLst>
+      <p:par>
+        <p:cTn id="1" dur="indefinite" restart="never" nodeType="tmRoot">
+          <p:childTnLst>
+            <p:seq concurrent="1" nextAc="seek">
+              <p:cTn id="2" dur="indefinite" nodeType="mainSeq">
+                <p:childTnLst>
+                  <p:par>
+                    <p:cTn id="3" fill="hold">
+                      <p:stCondLst>
+                        <p:cond delay="indefinite"/>
+                      </p:stCondLst>
+                      <p:childTnLst>
+                        <p:par>
+                          <p:cTn id="4" fill="hold">
+                            <p:stCondLst>
+                              <p:cond delay="0"/>
+                            </p:stCondLst>
+                            <p:childTnLst>
+                              <p:par>
+                                <p:cTn id="5" presetID="10" presetClass="entr" presetSubtype="0" fill="hold" grpId="0" nodeType="clickEffect">
+                                  <p:stCondLst>
+                                    <p:cond delay="0"/>
+                                  </p:stCondLst>
+                                  <p:childTnLst>
+                                    <p:set>
+                                      <p:cBhvr>
+                                        <p:cTn id="6" dur="1" fill="hold">
+                                          <p:stCondLst>
+                                            <p:cond delay="0"/>
+                                          </p:stCondLst>
+                                        </p:cTn>
+                                        <p:tgtEl>
+                                          <p:spTgt spid="3">
+                                            <p:txEl>
+                                              <p:pRg st="0" end="0"/>
+                                            </p:txEl>
+                                          </p:spTgt>
+                                        </p:tgtEl>
+                                        <p:attrNameLst>
+                                          <p:attrName>style.visibility</p:attrName>
+                                        </p:attrNameLst>
+                                      </p:cBhvr>
+                                      <p:to>
+                                        <p:strVal val="visible"/>
+                                      </p:to>
+                                    </p:set>
+                                    <p:animEffect transition="in" filter="fade">
+                                      <p:cBhvr>
+                                        <p:cTn id="7" dur="500"/>
+                                        <p:tgtEl>
+                                          <p:spTgt spid="3">
+                                            <p:txEl>
+                                              <p:pRg st="0" end="0"/>
+                                            </p:txEl>
+                                          </p:spTgt>
+                                        </p:tgtEl>
+                                      </p:cBhvr>
+                                    </p:animEffect>
+                                  </p:childTnLst>
+                                </p:cTn>
+                              </p:par>
+                            </p:childTnLst>
+                          </p:cTn>
+                        </p:par>
+                      </p:childTnLst>
+                    </p:cTn>
+                  </p:par>
+                  <p:par>
+                    <p:cTn id="8" fill="hold">
+                      <p:stCondLst>
+                        <p:cond delay="indefinite"/>
+                      </p:stCondLst>
+                      <p:childTnLst>
+                        <p:par>
+                          <p:cTn id="9" fill="hold">
+                            <p:stCondLst>
+                              <p:cond delay="0"/>
+                            </p:stCondLst>
+                            <p:childTnLst>
+                              <p:par>
+                                <p:cTn id="10" presetID="10" presetClass="entr" presetSubtype="0" fill="hold" grpId="0" nodeType="clickEffect">
+                                  <p:stCondLst>
+                                    <p:cond delay="0"/>
+                                  </p:stCondLst>
+                                  <p:childTnLst>
+                                    <p:set>
+                                      <p:cBhvr>
+                                        <p:cTn id="11" dur="1" fill="hold">
+                                          <p:stCondLst>
+                                            <p:cond delay="0"/>
+                                          </p:stCondLst>
+                                        </p:cTn>
+                                        <p:tgtEl>
+                                          <p:spTgt spid="3">
+                                            <p:txEl>
+                                              <p:pRg st="1" end="1"/>
+                                            </p:txEl>
+                                          </p:spTgt>
+                                        </p:tgtEl>
+                                        <p:attrNameLst>
+                                          <p:attrName>style.visibility</p:attrName>
+                                        </p:attrNameLst>
+                                      </p:cBhvr>
+                                      <p:to>
+                                        <p:strVal val="visible"/>
+                                      </p:to>
+                                    </p:set>
+                                    <p:animEffect transition="in" filter="fade">
+                                      <p:cBhvr>
+                                        <p:cTn id="12" dur="500"/>
+                                        <p:tgtEl>
+                                          <p:spTgt spid="3">
+                                            <p:txEl>
+                                              <p:pRg st="1" end="1"/>
+                                            </p:txEl>
+                                          </p:spTgt>
+                                        </p:tgtEl>
+                                      </p:cBhvr>
+                                    </p:animEffect>
+                                  </p:childTnLst>
+                                </p:cTn>
+                              </p:par>
+                            </p:childTnLst>
+                          </p:cTn>
+                        </p:par>
+                      </p:childTnLst>
+                    </p:cTn>
+                  </p:par>
+                  <p:par>
+                    <p:cTn id="13" fill="hold">
+                      <p:stCondLst>
+                        <p:cond delay="indefinite"/>
+                      </p:stCondLst>
+                      <p:childTnLst>
+                        <p:par>
+                          <p:cTn id="14" fill="hold">
+                            <p:stCondLst>
+                              <p:cond delay="0"/>
+                            </p:stCondLst>
+                            <p:childTnLst>
+                              <p:par>
+                                <p:cTn id="15" presetID="10" presetClass="entr" presetSubtype="0" fill="hold" grpId="0" nodeType="clickEffect">
+                                  <p:stCondLst>
+                                    <p:cond delay="0"/>
+                                  </p:stCondLst>
+                                  <p:childTnLst>
+                                    <p:set>
+                                      <p:cBhvr>
+                                        <p:cTn id="16" dur="1" fill="hold">
+                                          <p:stCondLst>
+                                            <p:cond delay="0"/>
+                                          </p:stCondLst>
+                                        </p:cTn>
+                                        <p:tgtEl>
+                                          <p:spTgt spid="3">
+                                            <p:txEl>
+                                              <p:pRg st="2" end="2"/>
+                                            </p:txEl>
+                                          </p:spTgt>
+                                        </p:tgtEl>
+                                        <p:attrNameLst>
+                                          <p:attrName>style.visibility</p:attrName>
+                                        </p:attrNameLst>
+                                      </p:cBhvr>
+                                      <p:to>
+                                        <p:strVal val="visible"/>
+                                      </p:to>
+                                    </p:set>
+                                    <p:animEffect transition="in" filter="fade">
+                                      <p:cBhvr>
+                                        <p:cTn id="17" dur="500"/>
+                                        <p:tgtEl>
+                                          <p:spTgt spid="3">
+                                            <p:txEl>
+                                              <p:pRg st="2" end="2"/>
+                                            </p:txEl>
+                                          </p:spTgt>
+                                        </p:tgtEl>
+                                      </p:cBhvr>
+                                    </p:animEffect>
+                                  </p:childTnLst>
+                                </p:cTn>
+                              </p:par>
+                            </p:childTnLst>
+                          </p:cTn>
+                        </p:par>
+                      </p:childTnLst>
+                    </p:cTn>
+                  </p:par>
+                  <p:par>
+                    <p:cTn id="18" fill="hold">
+                      <p:stCondLst>
+                        <p:cond delay="indefinite"/>
+                      </p:stCondLst>
+                      <p:childTnLst>
+                        <p:par>
+                          <p:cTn id="19" fill="hold">
+                            <p:stCondLst>
+                              <p:cond delay="0"/>
+                            </p:stCondLst>
+                            <p:childTnLst>
+                              <p:par>
+                                <p:cTn id="20" presetID="10" presetClass="entr" presetSubtype="0" fill="hold" grpId="0" nodeType="clickEffect">
+                                  <p:stCondLst>
+                                    <p:cond delay="0"/>
+                                  </p:stCondLst>
+                                  <p:childTnLst>
+                                    <p:set>
+                                      <p:cBhvr>
+                                        <p:cTn id="21" dur="1" fill="hold">
+                                          <p:stCondLst>
+                                            <p:cond delay="0"/>
+                                          </p:stCondLst>
+                                        </p:cTn>
+                                        <p:tgtEl>
+                                          <p:spTgt spid="3">
+                                            <p:txEl>
+                                              <p:pRg st="3" end="3"/>
+                                            </p:txEl>
+                                          </p:spTgt>
+                                        </p:tgtEl>
+                                        <p:attrNameLst>
+                                          <p:attrName>style.visibility</p:attrName>
+                                        </p:attrNameLst>
+                                      </p:cBhvr>
+                                      <p:to>
+                                        <p:strVal val="visible"/>
+                                      </p:to>
+                                    </p:set>
+                                    <p:animEffect transition="in" filter="fade">
+                                      <p:cBhvr>
+                                        <p:cTn id="22" dur="500"/>
+                                        <p:tgtEl>
+                                          <p:spTgt spid="3">
+                                            <p:txEl>
+                                              <p:pRg st="3" end="3"/>
+                                            </p:txEl>
+                                          </p:spTgt>
+                                        </p:tgtEl>
+                                      </p:cBhvr>
+                                    </p:animEffect>
+                                  </p:childTnLst>
+                                </p:cTn>
+                              </p:par>
+                            </p:childTnLst>
+                          </p:cTn>
+                        </p:par>
+                      </p:childTnLst>
+                    </p:cTn>
+                  </p:par>
+                  <p:par>
+                    <p:cTn id="23" fill="hold">
+                      <p:stCondLst>
+                        <p:cond delay="indefinite"/>
+                      </p:stCondLst>
+                      <p:childTnLst>
+                        <p:par>
+                          <p:cTn id="24" fill="hold">
+                            <p:stCondLst>
+                              <p:cond delay="0"/>
+                            </p:stCondLst>
+                            <p:childTnLst>
+                              <p:par>
+                                <p:cTn id="25" presetID="10" presetClass="entr" presetSubtype="0" fill="hold" grpId="0" nodeType="clickEffect">
+                                  <p:stCondLst>
+                                    <p:cond delay="0"/>
+                                  </p:stCondLst>
+                                  <p:childTnLst>
+                                    <p:set>
+                                      <p:cBhvr>
+                                        <p:cTn id="26" dur="1" fill="hold">
+                                          <p:stCondLst>
+                                            <p:cond delay="0"/>
+                                          </p:stCondLst>
+                                        </p:cTn>
+                                        <p:tgtEl>
+                                          <p:spTgt spid="3">
+                                            <p:txEl>
+                                              <p:pRg st="4" end="4"/>
+                                            </p:txEl>
+                                          </p:spTgt>
+                                        </p:tgtEl>
+                                        <p:attrNameLst>
+                                          <p:attrName>style.visibility</p:attrName>
+                                        </p:attrNameLst>
+                                      </p:cBhvr>
+                                      <p:to>
+                                        <p:strVal val="visible"/>
+                                      </p:to>
+                                    </p:set>
+                                    <p:animEffect transition="in" filter="fade">
+                                      <p:cBhvr>
+                                        <p:cTn id="27" dur="500"/>
+                                        <p:tgtEl>
+                                          <p:spTgt spid="3">
+                                            <p:txEl>
+                                              <p:pRg st="4" end="4"/>
+                                            </p:txEl>
+                                          </p:spTgt>
+                                        </p:tgtEl>
+                                      </p:cBhvr>
+                                    </p:animEffect>
+                                  </p:childTnLst>
+                                </p:cTn>
+                              </p:par>
+                            </p:childTnLst>
+                          </p:cTn>
+                        </p:par>
+                      </p:childTnLst>
+                    </p:cTn>
+                  </p:par>
+                  <p:par>
+                    <p:cTn id="28" fill="hold">
+                      <p:stCondLst>
+                        <p:cond delay="indefinite"/>
+                      </p:stCondLst>
+                      <p:childTnLst>
+                        <p:par>
+                          <p:cTn id="29" fill="hold">
+                            <p:stCondLst>
+                              <p:cond delay="0"/>
+                            </p:stCondLst>
+                            <p:childTnLst>
+                              <p:par>
+                                <p:cTn id="30" presetID="10" presetClass="entr" presetSubtype="0" fill="hold" grpId="0" nodeType="clickEffect">
+                                  <p:stCondLst>
+                                    <p:cond delay="0"/>
+                                  </p:stCondLst>
+                                  <p:childTnLst>
+                                    <p:set>
+                                      <p:cBhvr>
+                                        <p:cTn id="31" dur="1" fill="hold">
+                                          <p:stCondLst>
+                                            <p:cond delay="0"/>
+                                          </p:stCondLst>
+                                        </p:cTn>
+                                        <p:tgtEl>
+                                          <p:spTgt spid="3">
+                                            <p:txEl>
+                                              <p:pRg st="5" end="5"/>
+                                            </p:txEl>
+                                          </p:spTgt>
+                                        </p:tgtEl>
+                                        <p:attrNameLst>
+                                          <p:attrName>style.visibility</p:attrName>
+                                        </p:attrNameLst>
+                                      </p:cBhvr>
+                                      <p:to>
+                                        <p:strVal val="visible"/>
+                                      </p:to>
+                                    </p:set>
+                                    <p:animEffect transition="in" filter="fade">
+                                      <p:cBhvr>
+                                        <p:cTn id="32" dur="500"/>
+                                        <p:tgtEl>
+                                          <p:spTgt spid="3">
+                                            <p:txEl>
+                                              <p:pRg st="5" end="5"/>
+                                            </p:txEl>
+                                          </p:spTgt>
+                                        </p:tgtEl>
+                                      </p:cBhvr>
+                                    </p:animEffect>
+                                  </p:childTnLst>
+                                </p:cTn>
+                              </p:par>
+                            </p:childTnLst>
+                          </p:cTn>
+                        </p:par>
+                      </p:childTnLst>
+                    </p:cTn>
+                  </p:par>
+                  <p:par>
+                    <p:cTn id="33" fill="hold">
+                      <p:stCondLst>
+                        <p:cond delay="indefinite"/>
+                      </p:stCondLst>
+                      <p:childTnLst>
+                        <p:par>
+                          <p:cTn id="34" fill="hold">
+                            <p:stCondLst>
+                              <p:cond delay="0"/>
+                            </p:stCondLst>
+                            <p:childTnLst>
+                              <p:par>
+                                <p:cTn id="35" presetID="10" presetClass="entr" presetSubtype="0" fill="hold" grpId="0" nodeType="clickEffect">
+                                  <p:stCondLst>
+                                    <p:cond delay="0"/>
+                                  </p:stCondLst>
+                                  <p:childTnLst>
+                                    <p:set>
+                                      <p:cBhvr>
+                                        <p:cTn id="36" dur="1" fill="hold">
+                                          <p:stCondLst>
+                                            <p:cond delay="0"/>
+                                          </p:stCondLst>
+                                        </p:cTn>
+                                        <p:tgtEl>
+                                          <p:spTgt spid="3">
+                                            <p:txEl>
+                                              <p:pRg st="6" end="6"/>
+                                            </p:txEl>
+                                          </p:spTgt>
+                                        </p:tgtEl>
+                                        <p:attrNameLst>
+                                          <p:attrName>style.visibility</p:attrName>
+                                        </p:attrNameLst>
+                                      </p:cBhvr>
+                                      <p:to>
+                                        <p:strVal val="visible"/>
+                                      </p:to>
+                                    </p:set>
+                                    <p:animEffect transition="in" filter="fade">
+                                      <p:cBhvr>
+                                        <p:cTn id="37" dur="500"/>
+                                        <p:tgtEl>
+                                          <p:spTgt spid="3">
+                                            <p:txEl>
+                                              <p:pRg st="6" end="6"/>
+                                            </p:txEl>
+                                          </p:spTgt>
+                                        </p:tgtEl>
+                                      </p:cBhvr>
+                                    </p:animEffect>
+                                  </p:childTnLst>
+                                </p:cTn>
+                              </p:par>
+                            </p:childTnLst>
+                          </p:cTn>
+                        </p:par>
+                      </p:childTnLst>
+                    </p:cTn>
+                  </p:par>
+                  <p:par>
+                    <p:cTn id="38" fill="hold">
+                      <p:stCondLst>
+                        <p:cond delay="indefinite"/>
+                      </p:stCondLst>
+                      <p:childTnLst>
+                        <p:par>
+                          <p:cTn id="39" fill="hold">
+                            <p:stCondLst>
+                              <p:cond delay="0"/>
+                            </p:stCondLst>
+                            <p:childTnLst>
+                              <p:par>
+                                <p:cTn id="40" presetID="10" presetClass="entr" presetSubtype="0" fill="hold" grpId="0" nodeType="clickEffect">
+                                  <p:stCondLst>
+                                    <p:cond delay="0"/>
+                                  </p:stCondLst>
+                                  <p:childTnLst>
+                                    <p:set>
+                                      <p:cBhvr>
+                                        <p:cTn id="41" dur="1" fill="hold">
+                                          <p:stCondLst>
+                                            <p:cond delay="0"/>
+                                          </p:stCondLst>
+                                        </p:cTn>
+                                        <p:tgtEl>
+                                          <p:spTgt spid="3">
+                                            <p:txEl>
+                                              <p:pRg st="7" end="7"/>
+                                            </p:txEl>
+                                          </p:spTgt>
+                                        </p:tgtEl>
+                                        <p:attrNameLst>
+                                          <p:attrName>style.visibility</p:attrName>
+                                        </p:attrNameLst>
+                                      </p:cBhvr>
+                                      <p:to>
+                                        <p:strVal val="visible"/>
+                                      </p:to>
+                                    </p:set>
+                                    <p:animEffect transition="in" filter="fade">
+                                      <p:cBhvr>
+                                        <p:cTn id="42" dur="500"/>
+                                        <p:tgtEl>
+                                          <p:spTgt spid="3">
+                                            <p:txEl>
+                                              <p:pRg st="7" end="7"/>
+                                            </p:txEl>
+                                          </p:spTgt>
+                                        </p:tgtEl>
+                                      </p:cBhvr>
+                                    </p:animEffect>
+                                  </p:childTnLst>
+                                </p:cTn>
+                              </p:par>
+                            </p:childTnLst>
+                          </p:cTn>
+                        </p:par>
+                      </p:childTnLst>
+                    </p:cTn>
+                  </p:par>
+                  <p:par>
+                    <p:cTn id="43" fill="hold">
+                      <p:stCondLst>
+                        <p:cond delay="indefinite"/>
+                      </p:stCondLst>
+                      <p:childTnLst>
+                        <p:par>
+                          <p:cTn id="44" fill="hold">
+                            <p:stCondLst>
+                              <p:cond delay="0"/>
+                            </p:stCondLst>
+                            <p:childTnLst>
+                              <p:par>
+                                <p:cTn id="45" presetID="10" presetClass="entr" presetSubtype="0" fill="hold" grpId="0" nodeType="clickEffect">
+                                  <p:stCondLst>
+                                    <p:cond delay="0"/>
+                                  </p:stCondLst>
+                                  <p:childTnLst>
+                                    <p:set>
+                                      <p:cBhvr>
+                                        <p:cTn id="46" dur="1" fill="hold">
+                                          <p:stCondLst>
+                                            <p:cond delay="0"/>
+                                          </p:stCondLst>
+                                        </p:cTn>
+                                        <p:tgtEl>
+                                          <p:spTgt spid="3">
+                                            <p:txEl>
+                                              <p:pRg st="8" end="8"/>
+                                            </p:txEl>
+                                          </p:spTgt>
+                                        </p:tgtEl>
+                                        <p:attrNameLst>
+                                          <p:attrName>style.visibility</p:attrName>
+                                        </p:attrNameLst>
+                                      </p:cBhvr>
+                                      <p:to>
+                                        <p:strVal val="visible"/>
+                                      </p:to>
+                                    </p:set>
+                                    <p:animEffect transition="in" filter="fade">
+                                      <p:cBhvr>
+                                        <p:cTn id="47" dur="500"/>
+                                        <p:tgtEl>
+                                          <p:spTgt spid="3">
+                                            <p:txEl>
+                                              <p:pRg st="8" end="8"/>
+                                            </p:txEl>
+                                          </p:spTgt>
+                                        </p:tgtEl>
+                                      </p:cBhvr>
+                                    </p:animEffect>
+                                  </p:childTnLst>
+                                </p:cTn>
+                              </p:par>
+                            </p:childTnLst>
+                          </p:cTn>
+                        </p:par>
+                      </p:childTnLst>
+                    </p:cTn>
+                  </p:par>
+                  <p:par>
+                    <p:cTn id="48" fill="hold">
+                      <p:stCondLst>
+                        <p:cond delay="indefinite"/>
+                      </p:stCondLst>
+                      <p:childTnLst>
+                        <p:par>
+                          <p:cTn id="49" fill="hold">
+                            <p:stCondLst>
+                              <p:cond delay="0"/>
+                            </p:stCondLst>
+                            <p:childTnLst>
+                              <p:par>
+                                <p:cTn id="50" presetID="10" presetClass="entr" presetSubtype="0" fill="hold" grpId="0" nodeType="clickEffect">
+                                  <p:stCondLst>
+                                    <p:cond delay="0"/>
+                                  </p:stCondLst>
+                                  <p:childTnLst>
+                                    <p:set>
+                                      <p:cBhvr>
+                                        <p:cTn id="51" dur="1" fill="hold">
+                                          <p:stCondLst>
+                                            <p:cond delay="0"/>
+                                          </p:stCondLst>
+                                        </p:cTn>
+                                        <p:tgtEl>
+                                          <p:spTgt spid="3">
+                                            <p:txEl>
+                                              <p:pRg st="9" end="9"/>
+                                            </p:txEl>
+                                          </p:spTgt>
+                                        </p:tgtEl>
+                                        <p:attrNameLst>
+                                          <p:attrName>style.visibility</p:attrName>
+                                        </p:attrNameLst>
+                                      </p:cBhvr>
+                                      <p:to>
+                                        <p:strVal val="visible"/>
+                                      </p:to>
+                                    </p:set>
+                                    <p:animEffect transition="in" filter="fade">
+                                      <p:cBhvr>
+                                        <p:cTn id="52" dur="500"/>
+                                        <p:tgtEl>
+                                          <p:spTgt spid="3">
+                                            <p:txEl>
+                                              <p:pRg st="9" end="9"/>
+                                            </p:txEl>
+                                          </p:spTgt>
+                                        </p:tgtEl>
+                                      </p:cBhvr>
+                                    </p:animEffect>
+                                  </p:childTnLst>
+                                </p:cTn>
+                              </p:par>
+                            </p:childTnLst>
+                          </p:cTn>
+                        </p:par>
+                      </p:childTnLst>
+                    </p:cTn>
+                  </p:par>
+                </p:childTnLst>
+              </p:cTn>
+              <p:prevCondLst>
+                <p:cond evt="onPrev" delay="0">
+                  <p:tgtEl>
+                    <p:sldTgt/>
+                  </p:tgtEl>
+                </p:cond>
+              </p:prevCondLst>
+              <p:nextCondLst>
+                <p:cond evt="onNext" delay="0">
+                  <p:tgtEl>
+                    <p:sldTgt/>
+                  </p:tgtEl>
+                </p:cond>
+              </p:nextCondLst>
+            </p:seq>
+          </p:childTnLst>
+        </p:cTn>
+      </p:par>
+    </p:tnLst>
+    <p:bldLst>
+      <p:bldP spid="3" grpId="0" build="p"/>
+    </p:bldLst>
+  </p:timing>
 </p:sld>
 </file>
 
@@ -31415,10 +32220,134 @@
       </p:grpSpPr>
       <p:sp>
         <p:nvSpPr>
-          <p:cNvPr id="10" name="Rectangle 9">
+          <p:cNvPr id="2" name="Title 1">
             <a:extLst>
               <a:ext uri="{FF2B5EF4-FFF2-40B4-BE49-F238E27FC236}">
-                <a16:creationId xmlns:a16="http://schemas.microsoft.com/office/drawing/2014/main" id="{C966A4D4-049A-4389-B407-0E7091A07C8D}"/>
+                <a16:creationId xmlns:a16="http://schemas.microsoft.com/office/drawing/2014/main" id="{42219E91-50AA-4F9F-B19E-FC1CD51ABA5F}"/>
+              </a:ext>
+            </a:extLst>
+          </p:cNvPr>
+          <p:cNvSpPr>
+            <a:spLocks noGrp="1"/>
+          </p:cNvSpPr>
+          <p:nvPr>
+            <p:ph type="title"/>
+          </p:nvPr>
+        </p:nvSpPr>
+        <p:spPr>
+          <a:xfrm>
+            <a:off x="804672" y="964692"/>
+            <a:ext cx="3066937" cy="1188720"/>
+          </a:xfrm>
+        </p:spPr>
+        <p:txBody>
+          <a:bodyPr>
+            <a:normAutofit/>
+          </a:bodyPr>
+          <a:lstStyle/>
+          <a:p>
+            <a:r>
+              <a:rPr lang="en-US" dirty="0"/>
+              <a:t>The  board</a:t>
+            </a:r>
+          </a:p>
+        </p:txBody>
+      </p:sp>
+      <p:sp>
+        <p:nvSpPr>
+          <p:cNvPr id="3" name="Content Placeholder 2">
+            <a:extLst>
+              <a:ext uri="{FF2B5EF4-FFF2-40B4-BE49-F238E27FC236}">
+                <a16:creationId xmlns:a16="http://schemas.microsoft.com/office/drawing/2014/main" id="{2948A8ED-3829-455C-BC57-44CCBB4F268B}"/>
+              </a:ext>
+            </a:extLst>
+          </p:cNvPr>
+          <p:cNvSpPr>
+            <a:spLocks noGrp="1"/>
+          </p:cNvSpPr>
+          <p:nvPr>
+            <p:ph idx="1"/>
+          </p:nvPr>
+        </p:nvSpPr>
+        <p:spPr>
+          <a:xfrm>
+            <a:off x="803244" y="2638044"/>
+            <a:ext cx="3063765" cy="3263206"/>
+          </a:xfrm>
+        </p:spPr>
+        <p:txBody>
+          <a:bodyPr>
+            <a:normAutofit/>
+          </a:bodyPr>
+          <a:lstStyle/>
+          <a:p>
+            <a:pPr>
+              <a:lnSpc>
+                <a:spcPct val="90000"/>
+              </a:lnSpc>
+            </a:pPr>
+            <a:r>
+              <a:rPr lang="en-US" dirty="0"/>
+              <a:t>Solution?</a:t>
+            </a:r>
+          </a:p>
+          <a:p>
+            <a:pPr lvl="1">
+              <a:lnSpc>
+                <a:spcPct val="90000"/>
+              </a:lnSpc>
+            </a:pPr>
+            <a:r>
+              <a:rPr lang="en-US" dirty="0"/>
+              <a:t>Use all three!</a:t>
+            </a:r>
+          </a:p>
+          <a:p>
+            <a:pPr lvl="1">
+              <a:lnSpc>
+                <a:spcPct val="90000"/>
+              </a:lnSpc>
+            </a:pPr>
+            <a:endParaRPr lang="en-US" dirty="0"/>
+          </a:p>
+          <a:p>
+            <a:pPr>
+              <a:lnSpc>
+                <a:spcPct val="90000"/>
+              </a:lnSpc>
+            </a:pPr>
+            <a:r>
+              <a:rPr lang="en-US" dirty="0"/>
+              <a:t>Originally all the board variables were kept in the main class</a:t>
+            </a:r>
+          </a:p>
+          <a:p>
+            <a:pPr>
+              <a:lnSpc>
+                <a:spcPct val="90000"/>
+              </a:lnSpc>
+            </a:pPr>
+            <a:r>
+              <a:rPr lang="en-US" dirty="0"/>
+              <a:t>Now everything is handled in a </a:t>
+            </a:r>
+            <a:r>
+              <a:rPr lang="en-US" dirty="0" err="1"/>
+              <a:t>ChessBoard</a:t>
+            </a:r>
+            <a:r>
+              <a:rPr lang="en-US" dirty="0"/>
+              <a:t> class which holds all the pieces, arrays, variables, etc.</a:t>
+            </a:r>
+          </a:p>
+        </p:txBody>
+      </p:sp>
+      <p:sp>
+        <p:nvSpPr>
+          <p:cNvPr id="19" name="Rectangle 18">
+            <a:extLst>
+              <a:ext uri="{FF2B5EF4-FFF2-40B4-BE49-F238E27FC236}">
+                <a16:creationId xmlns:a16="http://schemas.microsoft.com/office/drawing/2014/main" id="{6515FC82-3453-4CBE-8895-4CCFF339529E}"/>
               </a:ext>
               <a:ext uri="{C183D7F6-B498-43B3-948B-1728B52AA6E4}">
                 <adec:decorative xmlns:adec="http://schemas.microsoft.com/office/drawing/2017/decorative" val="1"/>
@@ -31438,164 +32367,8 @@
         </p:nvSpPr>
         <p:spPr>
           <a:xfrm>
-            <a:off x="0" y="-2"/>
-            <a:ext cx="6072915" cy="6858002"/>
-          </a:xfrm>
-          <a:prstGeom prst="rect">
-            <a:avLst/>
-          </a:prstGeom>
-          <a:solidFill>
-            <a:schemeClr val="accent2"/>
-          </a:solidFill>
-          <a:ln>
-            <a:noFill/>
-          </a:ln>
-        </p:spPr>
-        <p:style>
-          <a:lnRef idx="2">
-            <a:schemeClr val="accent1">
-              <a:shade val="50000"/>
-            </a:schemeClr>
-          </a:lnRef>
-          <a:fillRef idx="1">
-            <a:schemeClr val="accent1"/>
-          </a:fillRef>
-          <a:effectRef idx="0">
-            <a:schemeClr val="accent1"/>
-          </a:effectRef>
-          <a:fontRef idx="minor">
-            <a:schemeClr val="lt1"/>
-          </a:fontRef>
-        </p:style>
-        <p:txBody>
-          <a:bodyPr rtlCol="0" anchor="ctr"/>
-          <a:lstStyle/>
-          <a:p>
-            <a:pPr algn="ctr"/>
-            <a:endParaRPr lang="en-US" dirty="0"/>
-          </a:p>
-        </p:txBody>
-      </p:sp>
-      <p:sp>
-        <p:nvSpPr>
-          <p:cNvPr id="2" name="Title 1">
-            <a:extLst>
-              <a:ext uri="{FF2B5EF4-FFF2-40B4-BE49-F238E27FC236}">
-                <a16:creationId xmlns:a16="http://schemas.microsoft.com/office/drawing/2014/main" id="{42219E91-50AA-4F9F-B19E-FC1CD51ABA5F}"/>
-              </a:ext>
-            </a:extLst>
-          </p:cNvPr>
-          <p:cNvSpPr>
-            <a:spLocks noGrp="1"/>
-          </p:cNvSpPr>
-          <p:nvPr>
-            <p:ph type="title"/>
-          </p:nvPr>
-        </p:nvSpPr>
-        <p:spPr>
-          <a:xfrm>
-            <a:off x="804672" y="1290025"/>
-            <a:ext cx="4475892" cy="1188720"/>
-          </a:xfrm>
-          <a:solidFill>
-            <a:srgbClr val="FFFFFF"/>
-          </a:solidFill>
-          <a:ln>
-            <a:solidFill>
-              <a:srgbClr val="404040"/>
-            </a:solidFill>
-          </a:ln>
-        </p:spPr>
-        <p:txBody>
-          <a:bodyPr>
-            <a:normAutofit/>
-          </a:bodyPr>
-          <a:lstStyle/>
-          <a:p>
-            <a:r>
-              <a:rPr lang="en-US" dirty="0"/>
-              <a:t>The board</a:t>
-            </a:r>
-          </a:p>
-        </p:txBody>
-      </p:sp>
-      <p:sp>
-        <p:nvSpPr>
-          <p:cNvPr id="3" name="Content Placeholder 2">
-            <a:extLst>
-              <a:ext uri="{FF2B5EF4-FFF2-40B4-BE49-F238E27FC236}">
-                <a16:creationId xmlns:a16="http://schemas.microsoft.com/office/drawing/2014/main" id="{2948A8ED-3829-455C-BC57-44CCBB4F268B}"/>
-              </a:ext>
-            </a:extLst>
-          </p:cNvPr>
-          <p:cNvSpPr>
-            <a:spLocks noGrp="1"/>
-          </p:cNvSpPr>
-          <p:nvPr>
-            <p:ph idx="1"/>
-          </p:nvPr>
-        </p:nvSpPr>
-        <p:spPr>
-          <a:xfrm>
-            <a:off x="804672" y="2858703"/>
-            <a:ext cx="4475892" cy="3042547"/>
-          </a:xfrm>
-        </p:spPr>
-        <p:txBody>
-          <a:bodyPr>
-            <a:normAutofit/>
-          </a:bodyPr>
-          <a:lstStyle/>
-          <a:p>
-            <a:r>
-              <a:rPr lang="en-US" dirty="0">
-                <a:solidFill>
-                  <a:srgbClr val="FFFFFF"/>
-                </a:solidFill>
-              </a:rPr>
-              <a:t>Solution?</a:t>
-            </a:r>
-          </a:p>
-          <a:p>
-            <a:pPr lvl="1"/>
-            <a:r>
-              <a:rPr lang="en-US" dirty="0">
-                <a:solidFill>
-                  <a:srgbClr val="FFFFFF"/>
-                </a:solidFill>
-              </a:rPr>
-              <a:t>Use all three!</a:t>
-            </a:r>
-          </a:p>
-        </p:txBody>
-      </p:sp>
-      <p:sp>
-        <p:nvSpPr>
-          <p:cNvPr id="12" name="Rectangle 11">
-            <a:extLst>
-              <a:ext uri="{FF2B5EF4-FFF2-40B4-BE49-F238E27FC236}">
-                <a16:creationId xmlns:a16="http://schemas.microsoft.com/office/drawing/2014/main" id="{B5899359-8523-4D4D-B568-3FDFAF9821C7}"/>
-              </a:ext>
-              <a:ext uri="{C183D7F6-B498-43B3-948B-1728B52AA6E4}">
-                <adec:decorative xmlns:adec="http://schemas.microsoft.com/office/drawing/2017/decorative" val="1"/>
-              </a:ext>
-            </a:extLst>
-          </p:cNvPr>
-          <p:cNvSpPr>
-            <a:spLocks noGrp="1" noRot="1" noChangeAspect="1" noMove="1" noResize="1" noEditPoints="1" noAdjustHandles="1" noChangeArrowheads="1" noChangeShapeType="1" noTextEdit="1"/>
-          </p:cNvSpPr>
-          <p:nvPr>
-            <p:extLst>
-              <p:ext uri="{386F3935-93C4-4BCD-93E2-E3B085C9AB24}">
-                <p16:designElem xmlns:p16="http://schemas.microsoft.com/office/powerpoint/2015/main" val="1"/>
-              </p:ext>
-            </p:extLst>
-          </p:nvPr>
-        </p:nvSpPr>
-        <p:spPr>
-          <a:xfrm>
-            <a:off x="6733032" y="640080"/>
-            <a:ext cx="4818888" cy="5261170"/>
+            <a:off x="4494182" y="964692"/>
+            <a:ext cx="6885432" cy="4936558"/>
           </a:xfrm>
           <a:prstGeom prst="rect">
             <a:avLst/>
@@ -31635,10 +32408,10 @@
       </p:sp>
       <p:sp>
         <p:nvSpPr>
-          <p:cNvPr id="14" name="Rectangle 13">
+          <p:cNvPr id="21" name="Rectangle 20">
             <a:extLst>
               <a:ext uri="{FF2B5EF4-FFF2-40B4-BE49-F238E27FC236}">
-                <a16:creationId xmlns:a16="http://schemas.microsoft.com/office/drawing/2014/main" id="{2E9C9585-DA89-4D7E-BCDF-576461A1A2D9}"/>
+                <a16:creationId xmlns:a16="http://schemas.microsoft.com/office/drawing/2014/main" id="{C5FD847B-65C0-4027-8DFC-70CB424514F8}"/>
               </a:ext>
               <a:ext uri="{C183D7F6-B498-43B3-948B-1728B52AA6E4}">
                 <adec:decorative xmlns:adec="http://schemas.microsoft.com/office/drawing/2017/decorative" val="1"/>
@@ -31658,8 +32431,8 @@
         </p:nvSpPr>
         <p:spPr>
           <a:xfrm>
-            <a:off x="6877586" y="806357"/>
-            <a:ext cx="4511266" cy="4928616"/>
+            <a:off x="4657802" y="1128683"/>
+            <a:ext cx="6558192" cy="4608576"/>
           </a:xfrm>
           <a:prstGeom prst="rect">
             <a:avLst/>
@@ -31692,7 +32465,7 @@
           <a:lstStyle/>
           <a:p>
             <a:pPr algn="ctr"/>
-            <a:endParaRPr lang="en-US" dirty="0"/>
+            <a:endParaRPr lang="en-US"/>
           </a:p>
         </p:txBody>
       </p:sp>
@@ -31724,8 +32497,8 @@
         </p:blipFill>
         <p:spPr>
           <a:xfrm>
-            <a:off x="7064692" y="2787115"/>
-            <a:ext cx="4159568" cy="967100"/>
+            <a:off x="4823366" y="2709074"/>
+            <a:ext cx="6227064" cy="1447793"/>
           </a:xfrm>
           <a:prstGeom prst="rect">
             <a:avLst/>
@@ -31742,10 +32515,5139 @@
   <p:clrMapOvr>
     <a:masterClrMapping/>
   </p:clrMapOvr>
+  <p:timing>
+    <p:tnLst>
+      <p:par>
+        <p:cTn id="1" dur="indefinite" restart="never" nodeType="tmRoot">
+          <p:childTnLst>
+            <p:seq concurrent="1" nextAc="seek">
+              <p:cTn id="2" dur="indefinite" nodeType="mainSeq">
+                <p:childTnLst>
+                  <p:par>
+                    <p:cTn id="3" fill="hold">
+                      <p:stCondLst>
+                        <p:cond delay="indefinite"/>
+                      </p:stCondLst>
+                      <p:childTnLst>
+                        <p:par>
+                          <p:cTn id="4" fill="hold">
+                            <p:stCondLst>
+                              <p:cond delay="0"/>
+                            </p:stCondLst>
+                            <p:childTnLst>
+                              <p:par>
+                                <p:cTn id="5" presetID="10" presetClass="entr" presetSubtype="0" fill="hold" nodeType="clickEffect">
+                                  <p:stCondLst>
+                                    <p:cond delay="0"/>
+                                  </p:stCondLst>
+                                  <p:childTnLst>
+                                    <p:set>
+                                      <p:cBhvr>
+                                        <p:cTn id="6" dur="1" fill="hold">
+                                          <p:stCondLst>
+                                            <p:cond delay="0"/>
+                                          </p:stCondLst>
+                                        </p:cTn>
+                                        <p:tgtEl>
+                                          <p:spTgt spid="3">
+                                            <p:txEl>
+                                              <p:pRg st="0" end="0"/>
+                                            </p:txEl>
+                                          </p:spTgt>
+                                        </p:tgtEl>
+                                        <p:attrNameLst>
+                                          <p:attrName>style.visibility</p:attrName>
+                                        </p:attrNameLst>
+                                      </p:cBhvr>
+                                      <p:to>
+                                        <p:strVal val="visible"/>
+                                      </p:to>
+                                    </p:set>
+                                    <p:animEffect transition="in" filter="fade">
+                                      <p:cBhvr>
+                                        <p:cTn id="7" dur="500"/>
+                                        <p:tgtEl>
+                                          <p:spTgt spid="3">
+                                            <p:txEl>
+                                              <p:pRg st="0" end="0"/>
+                                            </p:txEl>
+                                          </p:spTgt>
+                                        </p:tgtEl>
+                                      </p:cBhvr>
+                                    </p:animEffect>
+                                  </p:childTnLst>
+                                </p:cTn>
+                              </p:par>
+                            </p:childTnLst>
+                          </p:cTn>
+                        </p:par>
+                      </p:childTnLst>
+                    </p:cTn>
+                  </p:par>
+                  <p:par>
+                    <p:cTn id="8" fill="hold">
+                      <p:stCondLst>
+                        <p:cond delay="indefinite"/>
+                      </p:stCondLst>
+                      <p:childTnLst>
+                        <p:par>
+                          <p:cTn id="9" fill="hold">
+                            <p:stCondLst>
+                              <p:cond delay="0"/>
+                            </p:stCondLst>
+                            <p:childTnLst>
+                              <p:par>
+                                <p:cTn id="10" presetID="10" presetClass="entr" presetSubtype="0" fill="hold" nodeType="clickEffect">
+                                  <p:stCondLst>
+                                    <p:cond delay="0"/>
+                                  </p:stCondLst>
+                                  <p:childTnLst>
+                                    <p:set>
+                                      <p:cBhvr>
+                                        <p:cTn id="11" dur="1" fill="hold">
+                                          <p:stCondLst>
+                                            <p:cond delay="0"/>
+                                          </p:stCondLst>
+                                        </p:cTn>
+                                        <p:tgtEl>
+                                          <p:spTgt spid="3">
+                                            <p:txEl>
+                                              <p:pRg st="1" end="1"/>
+                                            </p:txEl>
+                                          </p:spTgt>
+                                        </p:tgtEl>
+                                        <p:attrNameLst>
+                                          <p:attrName>style.visibility</p:attrName>
+                                        </p:attrNameLst>
+                                      </p:cBhvr>
+                                      <p:to>
+                                        <p:strVal val="visible"/>
+                                      </p:to>
+                                    </p:set>
+                                    <p:animEffect transition="in" filter="fade">
+                                      <p:cBhvr>
+                                        <p:cTn id="12" dur="500"/>
+                                        <p:tgtEl>
+                                          <p:spTgt spid="3">
+                                            <p:txEl>
+                                              <p:pRg st="1" end="1"/>
+                                            </p:txEl>
+                                          </p:spTgt>
+                                        </p:tgtEl>
+                                      </p:cBhvr>
+                                    </p:animEffect>
+                                  </p:childTnLst>
+                                </p:cTn>
+                              </p:par>
+                              <p:par>
+                                <p:cTn id="13" presetID="1" presetClass="entr" presetSubtype="0" fill="hold" nodeType="withEffect">
+                                  <p:stCondLst>
+                                    <p:cond delay="0"/>
+                                  </p:stCondLst>
+                                  <p:childTnLst>
+                                    <p:set>
+                                      <p:cBhvr>
+                                        <p:cTn id="14" dur="1" fill="hold">
+                                          <p:stCondLst>
+                                            <p:cond delay="0"/>
+                                          </p:stCondLst>
+                                        </p:cTn>
+                                        <p:tgtEl>
+                                          <p:spTgt spid="5"/>
+                                        </p:tgtEl>
+                                        <p:attrNameLst>
+                                          <p:attrName>style.visibility</p:attrName>
+                                        </p:attrNameLst>
+                                      </p:cBhvr>
+                                      <p:to>
+                                        <p:strVal val="visible"/>
+                                      </p:to>
+                                    </p:set>
+                                  </p:childTnLst>
+                                </p:cTn>
+                              </p:par>
+                            </p:childTnLst>
+                          </p:cTn>
+                        </p:par>
+                      </p:childTnLst>
+                    </p:cTn>
+                  </p:par>
+                  <p:par>
+                    <p:cTn id="15" fill="hold">
+                      <p:stCondLst>
+                        <p:cond delay="indefinite"/>
+                      </p:stCondLst>
+                      <p:childTnLst>
+                        <p:par>
+                          <p:cTn id="16" fill="hold">
+                            <p:stCondLst>
+                              <p:cond delay="0"/>
+                            </p:stCondLst>
+                            <p:childTnLst>
+                              <p:par>
+                                <p:cTn id="17" presetID="10" presetClass="entr" presetSubtype="0" fill="hold" nodeType="clickEffect">
+                                  <p:stCondLst>
+                                    <p:cond delay="0"/>
+                                  </p:stCondLst>
+                                  <p:childTnLst>
+                                    <p:set>
+                                      <p:cBhvr>
+                                        <p:cTn id="18" dur="1" fill="hold">
+                                          <p:stCondLst>
+                                            <p:cond delay="0"/>
+                                          </p:stCondLst>
+                                        </p:cTn>
+                                        <p:tgtEl>
+                                          <p:spTgt spid="3">
+                                            <p:txEl>
+                                              <p:pRg st="3" end="3"/>
+                                            </p:txEl>
+                                          </p:spTgt>
+                                        </p:tgtEl>
+                                        <p:attrNameLst>
+                                          <p:attrName>style.visibility</p:attrName>
+                                        </p:attrNameLst>
+                                      </p:cBhvr>
+                                      <p:to>
+                                        <p:strVal val="visible"/>
+                                      </p:to>
+                                    </p:set>
+                                    <p:animEffect transition="in" filter="fade">
+                                      <p:cBhvr>
+                                        <p:cTn id="19" dur="500"/>
+                                        <p:tgtEl>
+                                          <p:spTgt spid="3">
+                                            <p:txEl>
+                                              <p:pRg st="3" end="3"/>
+                                            </p:txEl>
+                                          </p:spTgt>
+                                        </p:tgtEl>
+                                      </p:cBhvr>
+                                    </p:animEffect>
+                                  </p:childTnLst>
+                                </p:cTn>
+                              </p:par>
+                            </p:childTnLst>
+                          </p:cTn>
+                        </p:par>
+                      </p:childTnLst>
+                    </p:cTn>
+                  </p:par>
+                  <p:par>
+                    <p:cTn id="20" fill="hold">
+                      <p:stCondLst>
+                        <p:cond delay="indefinite"/>
+                      </p:stCondLst>
+                      <p:childTnLst>
+                        <p:par>
+                          <p:cTn id="21" fill="hold">
+                            <p:stCondLst>
+                              <p:cond delay="0"/>
+                            </p:stCondLst>
+                            <p:childTnLst>
+                              <p:par>
+                                <p:cTn id="22" presetID="10" presetClass="entr" presetSubtype="0" fill="hold" nodeType="clickEffect">
+                                  <p:stCondLst>
+                                    <p:cond delay="0"/>
+                                  </p:stCondLst>
+                                  <p:childTnLst>
+                                    <p:set>
+                                      <p:cBhvr>
+                                        <p:cTn id="23" dur="1" fill="hold">
+                                          <p:stCondLst>
+                                            <p:cond delay="0"/>
+                                          </p:stCondLst>
+                                        </p:cTn>
+                                        <p:tgtEl>
+                                          <p:spTgt spid="3">
+                                            <p:txEl>
+                                              <p:pRg st="4" end="4"/>
+                                            </p:txEl>
+                                          </p:spTgt>
+                                        </p:tgtEl>
+                                        <p:attrNameLst>
+                                          <p:attrName>style.visibility</p:attrName>
+                                        </p:attrNameLst>
+                                      </p:cBhvr>
+                                      <p:to>
+                                        <p:strVal val="visible"/>
+                                      </p:to>
+                                    </p:set>
+                                    <p:animEffect transition="in" filter="fade">
+                                      <p:cBhvr>
+                                        <p:cTn id="24" dur="500"/>
+                                        <p:tgtEl>
+                                          <p:spTgt spid="3">
+                                            <p:txEl>
+                                              <p:pRg st="4" end="4"/>
+                                            </p:txEl>
+                                          </p:spTgt>
+                                        </p:tgtEl>
+                                      </p:cBhvr>
+                                    </p:animEffect>
+                                  </p:childTnLst>
+                                </p:cTn>
+                              </p:par>
+                            </p:childTnLst>
+                          </p:cTn>
+                        </p:par>
+                      </p:childTnLst>
+                    </p:cTn>
+                  </p:par>
+                </p:childTnLst>
+              </p:cTn>
+              <p:prevCondLst>
+                <p:cond evt="onPrev" delay="0">
+                  <p:tgtEl>
+                    <p:sldTgt/>
+                  </p:tgtEl>
+                </p:cond>
+              </p:prevCondLst>
+              <p:nextCondLst>
+                <p:cond evt="onNext" delay="0">
+                  <p:tgtEl>
+                    <p:sldTgt/>
+                  </p:tgtEl>
+                </p:cond>
+              </p:nextCondLst>
+            </p:seq>
+          </p:childTnLst>
+        </p:cTn>
+      </p:par>
+    </p:tnLst>
+  </p:timing>
 </p:sld>
 </file>
 
 <file path=ppt/slides/slide21.xml><?xml version="1.0" encoding="utf-8"?>
+<p:sld xmlns:a="http://schemas.openxmlformats.org/drawingml/2006/main" xmlns:r="http://schemas.openxmlformats.org/officeDocument/2006/relationships" xmlns:p="http://schemas.openxmlformats.org/presentationml/2006/main">
+  <p:cSld>
+    <p:bg>
+      <p:bgPr>
+        <a:solidFill>
+          <a:schemeClr val="bg1"/>
+        </a:solidFill>
+        <a:effectLst/>
+      </p:bgPr>
+    </p:bg>
+    <p:spTree>
+      <p:nvGrpSpPr>
+        <p:cNvPr id="1" name=""/>
+        <p:cNvGrpSpPr/>
+        <p:nvPr/>
+      </p:nvGrpSpPr>
+      <p:grpSpPr>
+        <a:xfrm>
+          <a:off x="0" y="0"/>
+          <a:ext cx="0" cy="0"/>
+          <a:chOff x="0" y="0"/>
+          <a:chExt cx="0" cy="0"/>
+        </a:xfrm>
+      </p:grpSpPr>
+      <p:sp>
+        <p:nvSpPr>
+          <p:cNvPr id="8" name="Rectangle 7">
+            <a:extLst>
+              <a:ext uri="{FF2B5EF4-FFF2-40B4-BE49-F238E27FC236}">
+                <a16:creationId xmlns:a16="http://schemas.microsoft.com/office/drawing/2014/main" id="{C33976D1-3430-450C-A978-87A9A6E8E71F}"/>
+              </a:ext>
+              <a:ext uri="{C183D7F6-B498-43B3-948B-1728B52AA6E4}">
+                <adec:decorative xmlns:adec="http://schemas.microsoft.com/office/drawing/2017/decorative" val="1"/>
+              </a:ext>
+            </a:extLst>
+          </p:cNvPr>
+          <p:cNvSpPr>
+            <a:spLocks noGrp="1" noRot="1" noChangeAspect="1" noMove="1" noResize="1" noEditPoints="1" noAdjustHandles="1" noChangeArrowheads="1" noChangeShapeType="1" noTextEdit="1"/>
+          </p:cNvSpPr>
+          <p:nvPr>
+            <p:extLst>
+              <p:ext uri="{386F3935-93C4-4BCD-93E2-E3B085C9AB24}">
+                <p16:designElem xmlns:p16="http://schemas.microsoft.com/office/powerpoint/2015/main" val="1"/>
+              </p:ext>
+            </p:extLst>
+          </p:nvPr>
+        </p:nvSpPr>
+        <p:spPr>
+          <a:xfrm>
+            <a:off x="0" y="0"/>
+            <a:ext cx="12192000" cy="6858000"/>
+          </a:xfrm>
+          <a:prstGeom prst="rect">
+            <a:avLst/>
+          </a:prstGeom>
+          <a:solidFill>
+            <a:schemeClr val="accent2"/>
+          </a:solidFill>
+          <a:ln>
+            <a:noFill/>
+          </a:ln>
+        </p:spPr>
+        <p:style>
+          <a:lnRef idx="2">
+            <a:schemeClr val="accent1">
+              <a:shade val="50000"/>
+            </a:schemeClr>
+          </a:lnRef>
+          <a:fillRef idx="1">
+            <a:schemeClr val="accent1"/>
+          </a:fillRef>
+          <a:effectRef idx="0">
+            <a:schemeClr val="accent1"/>
+          </a:effectRef>
+          <a:fontRef idx="minor">
+            <a:schemeClr val="lt1"/>
+          </a:fontRef>
+        </p:style>
+        <p:txBody>
+          <a:bodyPr rtlCol="0" anchor="ctr"/>
+          <a:lstStyle/>
+          <a:p>
+            <a:pPr algn="ctr"/>
+            <a:endParaRPr lang="en-US"/>
+          </a:p>
+        </p:txBody>
+      </p:sp>
+      <p:sp>
+        <p:nvSpPr>
+          <p:cNvPr id="10" name="Rectangle 9">
+            <a:extLst>
+              <a:ext uri="{FF2B5EF4-FFF2-40B4-BE49-F238E27FC236}">
+                <a16:creationId xmlns:a16="http://schemas.microsoft.com/office/drawing/2014/main" id="{7D6AAC78-7D86-415A-ADC1-2B474807960C}"/>
+              </a:ext>
+              <a:ext uri="{C183D7F6-B498-43B3-948B-1728B52AA6E4}">
+                <adec:decorative xmlns:adec="http://schemas.microsoft.com/office/drawing/2017/decorative" val="1"/>
+              </a:ext>
+            </a:extLst>
+          </p:cNvPr>
+          <p:cNvSpPr>
+            <a:spLocks noGrp="1" noRot="1" noChangeAspect="1" noMove="1" noResize="1" noEditPoints="1" noAdjustHandles="1" noChangeArrowheads="1" noChangeShapeType="1" noTextEdit="1"/>
+          </p:cNvSpPr>
+          <p:nvPr>
+            <p:extLst>
+              <p:ext uri="{386F3935-93C4-4BCD-93E2-E3B085C9AB24}">
+                <p16:designElem xmlns:p16="http://schemas.microsoft.com/office/powerpoint/2015/main" val="1"/>
+              </p:ext>
+            </p:extLst>
+          </p:nvPr>
+        </p:nvSpPr>
+        <p:spPr>
+          <a:xfrm>
+            <a:off x="1249680" y="1248156"/>
+            <a:ext cx="9692640" cy="4361688"/>
+          </a:xfrm>
+          <a:prstGeom prst="rect">
+            <a:avLst/>
+          </a:prstGeom>
+          <a:solidFill>
+            <a:srgbClr val="FFFFFF"/>
+          </a:solidFill>
+          <a:ln>
+            <a:noFill/>
+          </a:ln>
+        </p:spPr>
+        <p:style>
+          <a:lnRef idx="2">
+            <a:schemeClr val="accent1">
+              <a:shade val="50000"/>
+            </a:schemeClr>
+          </a:lnRef>
+          <a:fillRef idx="1">
+            <a:schemeClr val="accent1"/>
+          </a:fillRef>
+          <a:effectRef idx="0">
+            <a:schemeClr val="accent1"/>
+          </a:effectRef>
+          <a:fontRef idx="minor">
+            <a:schemeClr val="lt1"/>
+          </a:fontRef>
+        </p:style>
+        <p:txBody>
+          <a:bodyPr rtlCol="0" anchor="ctr"/>
+          <a:lstStyle/>
+          <a:p>
+            <a:pPr algn="ctr"/>
+            <a:endParaRPr lang="en-US"/>
+          </a:p>
+        </p:txBody>
+      </p:sp>
+      <p:sp>
+        <p:nvSpPr>
+          <p:cNvPr id="12" name="Rectangle 11">
+            <a:extLst>
+              <a:ext uri="{FF2B5EF4-FFF2-40B4-BE49-F238E27FC236}">
+                <a16:creationId xmlns:a16="http://schemas.microsoft.com/office/drawing/2014/main" id="{F2A658D9-F185-44F1-BA33-D50320D1D078}"/>
+              </a:ext>
+              <a:ext uri="{C183D7F6-B498-43B3-948B-1728B52AA6E4}">
+                <adec:decorative xmlns:adec="http://schemas.microsoft.com/office/drawing/2017/decorative" val="1"/>
+              </a:ext>
+            </a:extLst>
+          </p:cNvPr>
+          <p:cNvSpPr>
+            <a:spLocks noGrp="1" noRot="1" noChangeAspect="1" noMove="1" noResize="1" noEditPoints="1" noAdjustHandles="1" noChangeArrowheads="1" noChangeShapeType="1" noTextEdit="1"/>
+          </p:cNvSpPr>
+          <p:nvPr>
+            <p:extLst>
+              <p:ext uri="{386F3935-93C4-4BCD-93E2-E3B085C9AB24}">
+                <p16:designElem xmlns:p16="http://schemas.microsoft.com/office/powerpoint/2015/main" val="1"/>
+              </p:ext>
+            </p:extLst>
+          </p:nvPr>
+        </p:nvSpPr>
+        <p:spPr>
+          <a:xfrm>
+            <a:off x="1062228" y="1060704"/>
+            <a:ext cx="10067544" cy="4736592"/>
+          </a:xfrm>
+          <a:prstGeom prst="rect">
+            <a:avLst/>
+          </a:prstGeom>
+          <a:noFill/>
+          <a:ln w="31750" cap="sq">
+            <a:solidFill>
+              <a:srgbClr val="FFFFFF"/>
+            </a:solidFill>
+            <a:miter lim="800000"/>
+          </a:ln>
+        </p:spPr>
+        <p:style>
+          <a:lnRef idx="2">
+            <a:schemeClr val="accent1">
+              <a:shade val="50000"/>
+            </a:schemeClr>
+          </a:lnRef>
+          <a:fillRef idx="1">
+            <a:schemeClr val="accent1"/>
+          </a:fillRef>
+          <a:effectRef idx="0">
+            <a:schemeClr val="accent1"/>
+          </a:effectRef>
+          <a:fontRef idx="minor">
+            <a:schemeClr val="lt1"/>
+          </a:fontRef>
+        </p:style>
+        <p:txBody>
+          <a:bodyPr rtlCol="0" anchor="ctr"/>
+          <a:lstStyle/>
+          <a:p>
+            <a:pPr algn="ctr"/>
+            <a:endParaRPr lang="en-US"/>
+          </a:p>
+        </p:txBody>
+      </p:sp>
+      <p:sp>
+        <p:nvSpPr>
+          <p:cNvPr id="2" name="Title 1">
+            <a:extLst>
+              <a:ext uri="{FF2B5EF4-FFF2-40B4-BE49-F238E27FC236}">
+                <a16:creationId xmlns:a16="http://schemas.microsoft.com/office/drawing/2014/main" id="{009518BB-6EE3-48C1-A104-CBFA69A9FD56}"/>
+              </a:ext>
+            </a:extLst>
+          </p:cNvPr>
+          <p:cNvSpPr>
+            <a:spLocks noGrp="1"/>
+          </p:cNvSpPr>
+          <p:nvPr>
+            <p:ph type="title"/>
+          </p:nvPr>
+        </p:nvSpPr>
+        <p:spPr>
+          <a:xfrm>
+            <a:off x="2231136" y="467418"/>
+            <a:ext cx="7729728" cy="1188720"/>
+          </a:xfrm>
+        </p:spPr>
+        <p:txBody>
+          <a:bodyPr>
+            <a:normAutofit/>
+          </a:bodyPr>
+          <a:lstStyle/>
+          <a:p>
+            <a:r>
+              <a:rPr lang="en-US" dirty="0"/>
+              <a:t>Board  Set  up</a:t>
+            </a:r>
+          </a:p>
+        </p:txBody>
+      </p:sp>
+      <p:sp>
+        <p:nvSpPr>
+          <p:cNvPr id="3" name="Content Placeholder 2">
+            <a:extLst>
+              <a:ext uri="{FF2B5EF4-FFF2-40B4-BE49-F238E27FC236}">
+                <a16:creationId xmlns:a16="http://schemas.microsoft.com/office/drawing/2014/main" id="{D775C12E-52D6-4C53-8426-A3493ECC11DF}"/>
+              </a:ext>
+            </a:extLst>
+          </p:cNvPr>
+          <p:cNvSpPr>
+            <a:spLocks noGrp="1"/>
+          </p:cNvSpPr>
+          <p:nvPr>
+            <p:ph idx="1"/>
+          </p:nvPr>
+        </p:nvSpPr>
+        <p:spPr>
+          <a:xfrm>
+            <a:off x="1706062" y="2291262"/>
+            <a:ext cx="8779512" cy="2879256"/>
+          </a:xfrm>
+        </p:spPr>
+        <p:txBody>
+          <a:bodyPr>
+            <a:normAutofit/>
+          </a:bodyPr>
+          <a:lstStyle/>
+          <a:p>
+            <a:r>
+              <a:rPr lang="en-US" dirty="0">
+                <a:solidFill>
+                  <a:srgbClr val="404040"/>
+                </a:solidFill>
+              </a:rPr>
+              <a:t>Regular game is hardcoded in</a:t>
+            </a:r>
+          </a:p>
+          <a:p>
+            <a:r>
+              <a:rPr lang="en-US" dirty="0">
+                <a:solidFill>
+                  <a:srgbClr val="404040"/>
+                </a:solidFill>
+              </a:rPr>
+              <a:t>Random game has three steps:</a:t>
+            </a:r>
+          </a:p>
+          <a:p>
+            <a:pPr marL="571500" lvl="1" indent="-342900">
+              <a:buFont typeface="+mj-lt"/>
+              <a:buAutoNum type="arabicPeriod"/>
+            </a:pPr>
+            <a:r>
+              <a:rPr lang="en-US" dirty="0">
+                <a:solidFill>
+                  <a:srgbClr val="404040"/>
+                </a:solidFill>
+              </a:rPr>
+              <a:t>Places a king somewhere in the starting area</a:t>
+            </a:r>
+          </a:p>
+          <a:p>
+            <a:pPr marL="571500" lvl="1" indent="-342900">
+              <a:buFont typeface="+mj-lt"/>
+              <a:buAutoNum type="arabicPeriod"/>
+            </a:pPr>
+            <a:r>
+              <a:rPr lang="en-US" dirty="0">
+                <a:solidFill>
+                  <a:srgbClr val="404040"/>
+                </a:solidFill>
+              </a:rPr>
+              <a:t>Loops over started area and places a random piece</a:t>
+            </a:r>
+          </a:p>
+          <a:p>
+            <a:pPr marL="571500" lvl="1" indent="-342900">
+              <a:buFont typeface="+mj-lt"/>
+              <a:buAutoNum type="arabicPeriod"/>
+            </a:pPr>
+            <a:r>
+              <a:rPr lang="en-US" dirty="0">
+                <a:solidFill>
+                  <a:srgbClr val="404040"/>
+                </a:solidFill>
+              </a:rPr>
+              <a:t>Loops over finished side and copies it for the other player</a:t>
+            </a:r>
+          </a:p>
+          <a:p>
+            <a:endParaRPr lang="en-US" dirty="0">
+              <a:solidFill>
+                <a:srgbClr val="404040"/>
+              </a:solidFill>
+            </a:endParaRPr>
+          </a:p>
+          <a:p>
+            <a:r>
+              <a:rPr lang="en-US" dirty="0">
+                <a:solidFill>
+                  <a:srgbClr val="404040"/>
+                </a:solidFill>
+              </a:rPr>
+              <a:t>Loops over board and adds pieces to their respective </a:t>
+            </a:r>
+            <a:r>
+              <a:rPr lang="en-US" dirty="0" err="1">
+                <a:solidFill>
+                  <a:srgbClr val="404040"/>
+                </a:solidFill>
+              </a:rPr>
+              <a:t>ArrayList</a:t>
+            </a:r>
+            <a:endParaRPr lang="en-US" dirty="0">
+              <a:solidFill>
+                <a:srgbClr val="404040"/>
+              </a:solidFill>
+            </a:endParaRPr>
+          </a:p>
+        </p:txBody>
+      </p:sp>
+    </p:spTree>
+    <p:extLst>
+      <p:ext uri="{BB962C8B-B14F-4D97-AF65-F5344CB8AC3E}">
+        <p14:creationId xmlns:p14="http://schemas.microsoft.com/office/powerpoint/2010/main" val="98054000"/>
+      </p:ext>
+    </p:extLst>
+  </p:cSld>
+  <p:clrMapOvr>
+    <a:masterClrMapping/>
+  </p:clrMapOvr>
+  <p:timing>
+    <p:tnLst>
+      <p:par>
+        <p:cTn id="1" dur="indefinite" restart="never" nodeType="tmRoot">
+          <p:childTnLst>
+            <p:seq concurrent="1" nextAc="seek">
+              <p:cTn id="2" dur="indefinite" nodeType="mainSeq">
+                <p:childTnLst>
+                  <p:par>
+                    <p:cTn id="3" fill="hold">
+                      <p:stCondLst>
+                        <p:cond delay="indefinite"/>
+                      </p:stCondLst>
+                      <p:childTnLst>
+                        <p:par>
+                          <p:cTn id="4" fill="hold">
+                            <p:stCondLst>
+                              <p:cond delay="0"/>
+                            </p:stCondLst>
+                            <p:childTnLst>
+                              <p:par>
+                                <p:cTn id="5" presetID="10" presetClass="entr" presetSubtype="0" fill="hold" grpId="0" nodeType="clickEffect">
+                                  <p:stCondLst>
+                                    <p:cond delay="0"/>
+                                  </p:stCondLst>
+                                  <p:childTnLst>
+                                    <p:set>
+                                      <p:cBhvr>
+                                        <p:cTn id="6" dur="1" fill="hold">
+                                          <p:stCondLst>
+                                            <p:cond delay="0"/>
+                                          </p:stCondLst>
+                                        </p:cTn>
+                                        <p:tgtEl>
+                                          <p:spTgt spid="3">
+                                            <p:txEl>
+                                              <p:pRg st="0" end="0"/>
+                                            </p:txEl>
+                                          </p:spTgt>
+                                        </p:tgtEl>
+                                        <p:attrNameLst>
+                                          <p:attrName>style.visibility</p:attrName>
+                                        </p:attrNameLst>
+                                      </p:cBhvr>
+                                      <p:to>
+                                        <p:strVal val="visible"/>
+                                      </p:to>
+                                    </p:set>
+                                    <p:animEffect transition="in" filter="fade">
+                                      <p:cBhvr>
+                                        <p:cTn id="7" dur="500"/>
+                                        <p:tgtEl>
+                                          <p:spTgt spid="3">
+                                            <p:txEl>
+                                              <p:pRg st="0" end="0"/>
+                                            </p:txEl>
+                                          </p:spTgt>
+                                        </p:tgtEl>
+                                      </p:cBhvr>
+                                    </p:animEffect>
+                                  </p:childTnLst>
+                                </p:cTn>
+                              </p:par>
+                            </p:childTnLst>
+                          </p:cTn>
+                        </p:par>
+                      </p:childTnLst>
+                    </p:cTn>
+                  </p:par>
+                  <p:par>
+                    <p:cTn id="8" fill="hold">
+                      <p:stCondLst>
+                        <p:cond delay="indefinite"/>
+                      </p:stCondLst>
+                      <p:childTnLst>
+                        <p:par>
+                          <p:cTn id="9" fill="hold">
+                            <p:stCondLst>
+                              <p:cond delay="0"/>
+                            </p:stCondLst>
+                            <p:childTnLst>
+                              <p:par>
+                                <p:cTn id="10" presetID="10" presetClass="entr" presetSubtype="0" fill="hold" grpId="0" nodeType="clickEffect">
+                                  <p:stCondLst>
+                                    <p:cond delay="0"/>
+                                  </p:stCondLst>
+                                  <p:childTnLst>
+                                    <p:set>
+                                      <p:cBhvr>
+                                        <p:cTn id="11" dur="1" fill="hold">
+                                          <p:stCondLst>
+                                            <p:cond delay="0"/>
+                                          </p:stCondLst>
+                                        </p:cTn>
+                                        <p:tgtEl>
+                                          <p:spTgt spid="3">
+                                            <p:txEl>
+                                              <p:pRg st="1" end="1"/>
+                                            </p:txEl>
+                                          </p:spTgt>
+                                        </p:tgtEl>
+                                        <p:attrNameLst>
+                                          <p:attrName>style.visibility</p:attrName>
+                                        </p:attrNameLst>
+                                      </p:cBhvr>
+                                      <p:to>
+                                        <p:strVal val="visible"/>
+                                      </p:to>
+                                    </p:set>
+                                    <p:animEffect transition="in" filter="fade">
+                                      <p:cBhvr>
+                                        <p:cTn id="12" dur="500"/>
+                                        <p:tgtEl>
+                                          <p:spTgt spid="3">
+                                            <p:txEl>
+                                              <p:pRg st="1" end="1"/>
+                                            </p:txEl>
+                                          </p:spTgt>
+                                        </p:tgtEl>
+                                      </p:cBhvr>
+                                    </p:animEffect>
+                                  </p:childTnLst>
+                                </p:cTn>
+                              </p:par>
+                            </p:childTnLst>
+                          </p:cTn>
+                        </p:par>
+                      </p:childTnLst>
+                    </p:cTn>
+                  </p:par>
+                  <p:par>
+                    <p:cTn id="13" fill="hold">
+                      <p:stCondLst>
+                        <p:cond delay="indefinite"/>
+                      </p:stCondLst>
+                      <p:childTnLst>
+                        <p:par>
+                          <p:cTn id="14" fill="hold">
+                            <p:stCondLst>
+                              <p:cond delay="0"/>
+                            </p:stCondLst>
+                            <p:childTnLst>
+                              <p:par>
+                                <p:cTn id="15" presetID="10" presetClass="entr" presetSubtype="0" fill="hold" grpId="0" nodeType="clickEffect">
+                                  <p:stCondLst>
+                                    <p:cond delay="0"/>
+                                  </p:stCondLst>
+                                  <p:childTnLst>
+                                    <p:set>
+                                      <p:cBhvr>
+                                        <p:cTn id="16" dur="1" fill="hold">
+                                          <p:stCondLst>
+                                            <p:cond delay="0"/>
+                                          </p:stCondLst>
+                                        </p:cTn>
+                                        <p:tgtEl>
+                                          <p:spTgt spid="3">
+                                            <p:txEl>
+                                              <p:pRg st="2" end="2"/>
+                                            </p:txEl>
+                                          </p:spTgt>
+                                        </p:tgtEl>
+                                        <p:attrNameLst>
+                                          <p:attrName>style.visibility</p:attrName>
+                                        </p:attrNameLst>
+                                      </p:cBhvr>
+                                      <p:to>
+                                        <p:strVal val="visible"/>
+                                      </p:to>
+                                    </p:set>
+                                    <p:animEffect transition="in" filter="fade">
+                                      <p:cBhvr>
+                                        <p:cTn id="17" dur="500"/>
+                                        <p:tgtEl>
+                                          <p:spTgt spid="3">
+                                            <p:txEl>
+                                              <p:pRg st="2" end="2"/>
+                                            </p:txEl>
+                                          </p:spTgt>
+                                        </p:tgtEl>
+                                      </p:cBhvr>
+                                    </p:animEffect>
+                                  </p:childTnLst>
+                                </p:cTn>
+                              </p:par>
+                            </p:childTnLst>
+                          </p:cTn>
+                        </p:par>
+                      </p:childTnLst>
+                    </p:cTn>
+                  </p:par>
+                  <p:par>
+                    <p:cTn id="18" fill="hold">
+                      <p:stCondLst>
+                        <p:cond delay="indefinite"/>
+                      </p:stCondLst>
+                      <p:childTnLst>
+                        <p:par>
+                          <p:cTn id="19" fill="hold">
+                            <p:stCondLst>
+                              <p:cond delay="0"/>
+                            </p:stCondLst>
+                            <p:childTnLst>
+                              <p:par>
+                                <p:cTn id="20" presetID="10" presetClass="entr" presetSubtype="0" fill="hold" grpId="0" nodeType="clickEffect">
+                                  <p:stCondLst>
+                                    <p:cond delay="0"/>
+                                  </p:stCondLst>
+                                  <p:childTnLst>
+                                    <p:set>
+                                      <p:cBhvr>
+                                        <p:cTn id="21" dur="1" fill="hold">
+                                          <p:stCondLst>
+                                            <p:cond delay="0"/>
+                                          </p:stCondLst>
+                                        </p:cTn>
+                                        <p:tgtEl>
+                                          <p:spTgt spid="3">
+                                            <p:txEl>
+                                              <p:pRg st="3" end="3"/>
+                                            </p:txEl>
+                                          </p:spTgt>
+                                        </p:tgtEl>
+                                        <p:attrNameLst>
+                                          <p:attrName>style.visibility</p:attrName>
+                                        </p:attrNameLst>
+                                      </p:cBhvr>
+                                      <p:to>
+                                        <p:strVal val="visible"/>
+                                      </p:to>
+                                    </p:set>
+                                    <p:animEffect transition="in" filter="fade">
+                                      <p:cBhvr>
+                                        <p:cTn id="22" dur="500"/>
+                                        <p:tgtEl>
+                                          <p:spTgt spid="3">
+                                            <p:txEl>
+                                              <p:pRg st="3" end="3"/>
+                                            </p:txEl>
+                                          </p:spTgt>
+                                        </p:tgtEl>
+                                      </p:cBhvr>
+                                    </p:animEffect>
+                                  </p:childTnLst>
+                                </p:cTn>
+                              </p:par>
+                            </p:childTnLst>
+                          </p:cTn>
+                        </p:par>
+                      </p:childTnLst>
+                    </p:cTn>
+                  </p:par>
+                  <p:par>
+                    <p:cTn id="23" fill="hold">
+                      <p:stCondLst>
+                        <p:cond delay="indefinite"/>
+                      </p:stCondLst>
+                      <p:childTnLst>
+                        <p:par>
+                          <p:cTn id="24" fill="hold">
+                            <p:stCondLst>
+                              <p:cond delay="0"/>
+                            </p:stCondLst>
+                            <p:childTnLst>
+                              <p:par>
+                                <p:cTn id="25" presetID="10" presetClass="entr" presetSubtype="0" fill="hold" grpId="0" nodeType="clickEffect">
+                                  <p:stCondLst>
+                                    <p:cond delay="0"/>
+                                  </p:stCondLst>
+                                  <p:childTnLst>
+                                    <p:set>
+                                      <p:cBhvr>
+                                        <p:cTn id="26" dur="1" fill="hold">
+                                          <p:stCondLst>
+                                            <p:cond delay="0"/>
+                                          </p:stCondLst>
+                                        </p:cTn>
+                                        <p:tgtEl>
+                                          <p:spTgt spid="3">
+                                            <p:txEl>
+                                              <p:pRg st="4" end="4"/>
+                                            </p:txEl>
+                                          </p:spTgt>
+                                        </p:tgtEl>
+                                        <p:attrNameLst>
+                                          <p:attrName>style.visibility</p:attrName>
+                                        </p:attrNameLst>
+                                      </p:cBhvr>
+                                      <p:to>
+                                        <p:strVal val="visible"/>
+                                      </p:to>
+                                    </p:set>
+                                    <p:animEffect transition="in" filter="fade">
+                                      <p:cBhvr>
+                                        <p:cTn id="27" dur="500"/>
+                                        <p:tgtEl>
+                                          <p:spTgt spid="3">
+                                            <p:txEl>
+                                              <p:pRg st="4" end="4"/>
+                                            </p:txEl>
+                                          </p:spTgt>
+                                        </p:tgtEl>
+                                      </p:cBhvr>
+                                    </p:animEffect>
+                                  </p:childTnLst>
+                                </p:cTn>
+                              </p:par>
+                            </p:childTnLst>
+                          </p:cTn>
+                        </p:par>
+                      </p:childTnLst>
+                    </p:cTn>
+                  </p:par>
+                  <p:par>
+                    <p:cTn id="28" fill="hold">
+                      <p:stCondLst>
+                        <p:cond delay="indefinite"/>
+                      </p:stCondLst>
+                      <p:childTnLst>
+                        <p:par>
+                          <p:cTn id="29" fill="hold">
+                            <p:stCondLst>
+                              <p:cond delay="0"/>
+                            </p:stCondLst>
+                            <p:childTnLst>
+                              <p:par>
+                                <p:cTn id="30" presetID="10" presetClass="entr" presetSubtype="0" fill="hold" grpId="0" nodeType="clickEffect">
+                                  <p:stCondLst>
+                                    <p:cond delay="0"/>
+                                  </p:stCondLst>
+                                  <p:childTnLst>
+                                    <p:set>
+                                      <p:cBhvr>
+                                        <p:cTn id="31" dur="1" fill="hold">
+                                          <p:stCondLst>
+                                            <p:cond delay="0"/>
+                                          </p:stCondLst>
+                                        </p:cTn>
+                                        <p:tgtEl>
+                                          <p:spTgt spid="3">
+                                            <p:txEl>
+                                              <p:pRg st="6" end="6"/>
+                                            </p:txEl>
+                                          </p:spTgt>
+                                        </p:tgtEl>
+                                        <p:attrNameLst>
+                                          <p:attrName>style.visibility</p:attrName>
+                                        </p:attrNameLst>
+                                      </p:cBhvr>
+                                      <p:to>
+                                        <p:strVal val="visible"/>
+                                      </p:to>
+                                    </p:set>
+                                    <p:animEffect transition="in" filter="fade">
+                                      <p:cBhvr>
+                                        <p:cTn id="32" dur="500"/>
+                                        <p:tgtEl>
+                                          <p:spTgt spid="3">
+                                            <p:txEl>
+                                              <p:pRg st="6" end="6"/>
+                                            </p:txEl>
+                                          </p:spTgt>
+                                        </p:tgtEl>
+                                      </p:cBhvr>
+                                    </p:animEffect>
+                                  </p:childTnLst>
+                                </p:cTn>
+                              </p:par>
+                            </p:childTnLst>
+                          </p:cTn>
+                        </p:par>
+                      </p:childTnLst>
+                    </p:cTn>
+                  </p:par>
+                </p:childTnLst>
+              </p:cTn>
+              <p:prevCondLst>
+                <p:cond evt="onPrev" delay="0">
+                  <p:tgtEl>
+                    <p:sldTgt/>
+                  </p:tgtEl>
+                </p:cond>
+              </p:prevCondLst>
+              <p:nextCondLst>
+                <p:cond evt="onNext" delay="0">
+                  <p:tgtEl>
+                    <p:sldTgt/>
+                  </p:tgtEl>
+                </p:cond>
+              </p:nextCondLst>
+            </p:seq>
+          </p:childTnLst>
+        </p:cTn>
+      </p:par>
+    </p:tnLst>
+    <p:bldLst>
+      <p:bldP spid="3" grpId="0" build="p"/>
+    </p:bldLst>
+  </p:timing>
+</p:sld>
+</file>
+
+<file path=ppt/slides/slide22.xml><?xml version="1.0" encoding="utf-8"?>
+<p:sld xmlns:a="http://schemas.openxmlformats.org/drawingml/2006/main" xmlns:r="http://schemas.openxmlformats.org/officeDocument/2006/relationships" xmlns:p="http://schemas.openxmlformats.org/presentationml/2006/main">
+  <p:cSld>
+    <p:bg>
+      <p:bgPr>
+        <a:solidFill>
+          <a:schemeClr val="bg1">
+            <a:lumMod val="95000"/>
+          </a:schemeClr>
+        </a:solidFill>
+        <a:effectLst/>
+      </p:bgPr>
+    </p:bg>
+    <p:spTree>
+      <p:nvGrpSpPr>
+        <p:cNvPr id="1" name=""/>
+        <p:cNvGrpSpPr/>
+        <p:nvPr/>
+      </p:nvGrpSpPr>
+      <p:grpSpPr>
+        <a:xfrm>
+          <a:off x="0" y="0"/>
+          <a:ext cx="0" cy="0"/>
+          <a:chOff x="0" y="0"/>
+          <a:chExt cx="0" cy="0"/>
+        </a:xfrm>
+      </p:grpSpPr>
+      <p:sp>
+        <p:nvSpPr>
+          <p:cNvPr id="2" name="Title 1">
+            <a:extLst>
+              <a:ext uri="{FF2B5EF4-FFF2-40B4-BE49-F238E27FC236}">
+                <a16:creationId xmlns:a16="http://schemas.microsoft.com/office/drawing/2014/main" id="{009518BB-6EE3-48C1-A104-CBFA69A9FD56}"/>
+              </a:ext>
+            </a:extLst>
+          </p:cNvPr>
+          <p:cNvSpPr>
+            <a:spLocks noGrp="1"/>
+          </p:cNvSpPr>
+          <p:nvPr>
+            <p:ph type="title"/>
+          </p:nvPr>
+        </p:nvSpPr>
+        <p:spPr>
+          <a:xfrm>
+            <a:off x="804672" y="964692"/>
+            <a:ext cx="3066937" cy="1188720"/>
+          </a:xfrm>
+        </p:spPr>
+        <p:txBody>
+          <a:bodyPr vert="horz" lIns="274320" tIns="182880" rIns="274320" bIns="182880" rtlCol="0" anchorCtr="1">
+            <a:normAutofit/>
+          </a:bodyPr>
+          <a:lstStyle/>
+          <a:p>
+            <a:r>
+              <a:rPr lang="en-US" dirty="0"/>
+              <a:t>Moving </a:t>
+            </a:r>
+            <a:br>
+              <a:rPr lang="en-US" dirty="0"/>
+            </a:br>
+            <a:r>
+              <a:rPr lang="en-US" dirty="0"/>
+              <a:t>a  piece</a:t>
+            </a:r>
+          </a:p>
+        </p:txBody>
+      </p:sp>
+      <p:sp>
+        <p:nvSpPr>
+          <p:cNvPr id="3" name="Content Placeholder 2">
+            <a:extLst>
+              <a:ext uri="{FF2B5EF4-FFF2-40B4-BE49-F238E27FC236}">
+                <a16:creationId xmlns:a16="http://schemas.microsoft.com/office/drawing/2014/main" id="{D775C12E-52D6-4C53-8426-A3493ECC11DF}"/>
+              </a:ext>
+            </a:extLst>
+          </p:cNvPr>
+          <p:cNvSpPr>
+            <a:spLocks noGrp="1"/>
+          </p:cNvSpPr>
+          <p:nvPr>
+            <p:ph idx="1"/>
+          </p:nvPr>
+        </p:nvSpPr>
+        <p:spPr>
+          <a:xfrm>
+            <a:off x="803244" y="2638044"/>
+            <a:ext cx="3063765" cy="3263206"/>
+          </a:xfrm>
+        </p:spPr>
+        <p:txBody>
+          <a:bodyPr vert="horz" lIns="91440" tIns="45720" rIns="91440" bIns="45720" rtlCol="0">
+            <a:normAutofit/>
+          </a:bodyPr>
+          <a:lstStyle/>
+          <a:p>
+            <a:pPr marL="0" indent="0">
+              <a:buNone/>
+            </a:pPr>
+            <a:r>
+              <a:rPr lang="en-US" kern="1200" dirty="0">
+                <a:latin typeface="+mn-lt"/>
+                <a:ea typeface="+mn-ea"/>
+                <a:cs typeface="+mn-cs"/>
+              </a:rPr>
+              <a:t>A few variables must be changed when moving a piece</a:t>
+            </a:r>
+          </a:p>
+          <a:p>
+            <a:pPr marL="0" indent="0">
+              <a:buNone/>
+            </a:pPr>
+            <a:r>
+              <a:rPr lang="en-US" dirty="0"/>
+              <a:t>The moving piece must update it’s internal row and column</a:t>
+            </a:r>
+          </a:p>
+          <a:p>
+            <a:pPr marL="0" indent="0">
+              <a:buNone/>
+            </a:pPr>
+            <a:r>
+              <a:rPr lang="en-US" dirty="0"/>
+              <a:t>We need to move the piece in the 2D array</a:t>
+            </a:r>
+          </a:p>
+          <a:p>
+            <a:pPr marL="0" indent="0">
+              <a:buNone/>
+            </a:pPr>
+            <a:r>
+              <a:rPr lang="en-US" dirty="0"/>
+              <a:t>We must remove the attacked piece from it’s respective </a:t>
+            </a:r>
+            <a:r>
+              <a:rPr lang="en-US" dirty="0" err="1"/>
+              <a:t>ArrayList</a:t>
+            </a:r>
+            <a:endParaRPr lang="en-US" dirty="0"/>
+          </a:p>
+          <a:p>
+            <a:pPr marL="0" indent="0">
+              <a:buNone/>
+            </a:pPr>
+            <a:endParaRPr lang="en-US" dirty="0"/>
+          </a:p>
+        </p:txBody>
+      </p:sp>
+      <p:sp>
+        <p:nvSpPr>
+          <p:cNvPr id="33" name="Rectangle 32">
+            <a:extLst>
+              <a:ext uri="{FF2B5EF4-FFF2-40B4-BE49-F238E27FC236}">
+                <a16:creationId xmlns:a16="http://schemas.microsoft.com/office/drawing/2014/main" id="{6515FC82-3453-4CBE-8895-4CCFF339529E}"/>
+              </a:ext>
+              <a:ext uri="{C183D7F6-B498-43B3-948B-1728B52AA6E4}">
+                <adec:decorative xmlns:adec="http://schemas.microsoft.com/office/drawing/2017/decorative" val="1"/>
+              </a:ext>
+            </a:extLst>
+          </p:cNvPr>
+          <p:cNvSpPr>
+            <a:spLocks noGrp="1" noRot="1" noChangeAspect="1" noMove="1" noResize="1" noEditPoints="1" noAdjustHandles="1" noChangeArrowheads="1" noChangeShapeType="1" noTextEdit="1"/>
+          </p:cNvSpPr>
+          <p:nvPr>
+            <p:extLst>
+              <p:ext uri="{386F3935-93C4-4BCD-93E2-E3B085C9AB24}">
+                <p16:designElem xmlns:p16="http://schemas.microsoft.com/office/powerpoint/2015/main" val="1"/>
+              </p:ext>
+            </p:extLst>
+          </p:nvPr>
+        </p:nvSpPr>
+        <p:spPr>
+          <a:xfrm>
+            <a:off x="4494182" y="964692"/>
+            <a:ext cx="6885432" cy="4936558"/>
+          </a:xfrm>
+          <a:prstGeom prst="rect">
+            <a:avLst/>
+          </a:prstGeom>
+          <a:noFill/>
+          <a:ln w="31750" cap="sq">
+            <a:solidFill>
+              <a:srgbClr val="FFFFFF"/>
+            </a:solidFill>
+            <a:miter lim="800000"/>
+          </a:ln>
+        </p:spPr>
+        <p:style>
+          <a:lnRef idx="2">
+            <a:schemeClr val="accent1">
+              <a:shade val="50000"/>
+            </a:schemeClr>
+          </a:lnRef>
+          <a:fillRef idx="1">
+            <a:schemeClr val="accent1"/>
+          </a:fillRef>
+          <a:effectRef idx="0">
+            <a:schemeClr val="accent1"/>
+          </a:effectRef>
+          <a:fontRef idx="minor">
+            <a:schemeClr val="lt1"/>
+          </a:fontRef>
+        </p:style>
+        <p:txBody>
+          <a:bodyPr rtlCol="0" anchor="ctr"/>
+          <a:lstStyle/>
+          <a:p>
+            <a:pPr algn="ctr"/>
+            <a:endParaRPr lang="en-US" dirty="0"/>
+          </a:p>
+        </p:txBody>
+      </p:sp>
+      <p:sp>
+        <p:nvSpPr>
+          <p:cNvPr id="35" name="Rectangle 34">
+            <a:extLst>
+              <a:ext uri="{FF2B5EF4-FFF2-40B4-BE49-F238E27FC236}">
+                <a16:creationId xmlns:a16="http://schemas.microsoft.com/office/drawing/2014/main" id="{C5FD847B-65C0-4027-8DFC-70CB424514F8}"/>
+              </a:ext>
+              <a:ext uri="{C183D7F6-B498-43B3-948B-1728B52AA6E4}">
+                <adec:decorative xmlns:adec="http://schemas.microsoft.com/office/drawing/2017/decorative" val="1"/>
+              </a:ext>
+            </a:extLst>
+          </p:cNvPr>
+          <p:cNvSpPr>
+            <a:spLocks noGrp="1" noRot="1" noChangeAspect="1" noMove="1" noResize="1" noEditPoints="1" noAdjustHandles="1" noChangeArrowheads="1" noChangeShapeType="1" noTextEdit="1"/>
+          </p:cNvSpPr>
+          <p:nvPr>
+            <p:extLst>
+              <p:ext uri="{386F3935-93C4-4BCD-93E2-E3B085C9AB24}">
+                <p16:designElem xmlns:p16="http://schemas.microsoft.com/office/powerpoint/2015/main" val="1"/>
+              </p:ext>
+            </p:extLst>
+          </p:nvPr>
+        </p:nvSpPr>
+        <p:spPr>
+          <a:xfrm>
+            <a:off x="4657802" y="1128683"/>
+            <a:ext cx="6558192" cy="4608576"/>
+          </a:xfrm>
+          <a:prstGeom prst="rect">
+            <a:avLst/>
+          </a:prstGeom>
+          <a:solidFill>
+            <a:schemeClr val="bg1"/>
+          </a:solidFill>
+          <a:ln>
+            <a:noFill/>
+          </a:ln>
+        </p:spPr>
+        <p:style>
+          <a:lnRef idx="2">
+            <a:schemeClr val="accent1">
+              <a:shade val="50000"/>
+            </a:schemeClr>
+          </a:lnRef>
+          <a:fillRef idx="1">
+            <a:schemeClr val="accent1"/>
+          </a:fillRef>
+          <a:effectRef idx="0">
+            <a:schemeClr val="accent1"/>
+          </a:effectRef>
+          <a:fontRef idx="minor">
+            <a:schemeClr val="lt1"/>
+          </a:fontRef>
+        </p:style>
+        <p:txBody>
+          <a:bodyPr rtlCol="0" anchor="ctr"/>
+          <a:lstStyle/>
+          <a:p>
+            <a:pPr algn="ctr"/>
+            <a:endParaRPr lang="en-US"/>
+          </a:p>
+        </p:txBody>
+      </p:sp>
+      <p:pic>
+        <p:nvPicPr>
+          <p:cNvPr id="7" name="Picture 6" descr="A screenshot of text&#10;&#10;Description automatically generated">
+            <a:extLst>
+              <a:ext uri="{FF2B5EF4-FFF2-40B4-BE49-F238E27FC236}">
+                <a16:creationId xmlns:a16="http://schemas.microsoft.com/office/drawing/2014/main" id="{7617E602-1AE6-4E57-915E-1611FD3095EF}"/>
+              </a:ext>
+            </a:extLst>
+          </p:cNvPr>
+          <p:cNvPicPr>
+            <a:picLocks noChangeAspect="1"/>
+          </p:cNvPicPr>
+          <p:nvPr/>
+        </p:nvPicPr>
+        <p:blipFill>
+          <a:blip r:embed="rId2">
+            <a:extLst>
+              <a:ext uri="{28A0092B-C50C-407E-A947-70E740481C1C}">
+                <a14:useLocalDpi xmlns:a14="http://schemas.microsoft.com/office/drawing/2010/main" val="0"/>
+              </a:ext>
+            </a:extLst>
+          </a:blip>
+          <a:stretch>
+            <a:fillRect/>
+          </a:stretch>
+        </p:blipFill>
+        <p:spPr>
+          <a:xfrm>
+            <a:off x="4823366" y="1946260"/>
+            <a:ext cx="6227064" cy="2973422"/>
+          </a:xfrm>
+          <a:prstGeom prst="rect">
+            <a:avLst/>
+          </a:prstGeom>
+        </p:spPr>
+      </p:pic>
+      <p:sp>
+        <p:nvSpPr>
+          <p:cNvPr id="25" name="Rectangle 24">
+            <a:extLst>
+              <a:ext uri="{FF2B5EF4-FFF2-40B4-BE49-F238E27FC236}">
+                <a16:creationId xmlns:a16="http://schemas.microsoft.com/office/drawing/2014/main" id="{F961122F-4B8F-4F74-A663-85B66C41530A}"/>
+              </a:ext>
+            </a:extLst>
+          </p:cNvPr>
+          <p:cNvSpPr/>
+          <p:nvPr/>
+        </p:nvSpPr>
+        <p:spPr>
+          <a:xfrm>
+            <a:off x="5288869" y="2990357"/>
+            <a:ext cx="5193113" cy="236938"/>
+          </a:xfrm>
+          <a:prstGeom prst="rect">
+            <a:avLst/>
+          </a:prstGeom>
+          <a:ln>
+            <a:noFill/>
+          </a:ln>
+        </p:spPr>
+        <p:style>
+          <a:lnRef idx="2">
+            <a:schemeClr val="dk1"/>
+          </a:lnRef>
+          <a:fillRef idx="1">
+            <a:schemeClr val="lt1"/>
+          </a:fillRef>
+          <a:effectRef idx="0">
+            <a:schemeClr val="dk1"/>
+          </a:effectRef>
+          <a:fontRef idx="minor">
+            <a:schemeClr val="dk1"/>
+          </a:fontRef>
+        </p:style>
+        <p:txBody>
+          <a:bodyPr rtlCol="0" anchor="ctr"/>
+          <a:lstStyle/>
+          <a:p>
+            <a:pPr algn="ctr"/>
+            <a:endParaRPr lang="en-US" dirty="0"/>
+          </a:p>
+        </p:txBody>
+      </p:sp>
+      <p:sp>
+        <p:nvSpPr>
+          <p:cNvPr id="27" name="Rectangle 26">
+            <a:extLst>
+              <a:ext uri="{FF2B5EF4-FFF2-40B4-BE49-F238E27FC236}">
+                <a16:creationId xmlns:a16="http://schemas.microsoft.com/office/drawing/2014/main" id="{FD2F9E3D-8A3E-462E-9622-32C1F37057EA}"/>
+              </a:ext>
+            </a:extLst>
+          </p:cNvPr>
+          <p:cNvSpPr/>
+          <p:nvPr/>
+        </p:nvSpPr>
+        <p:spPr>
+          <a:xfrm>
+            <a:off x="5123305" y="3227295"/>
+            <a:ext cx="5983966" cy="236938"/>
+          </a:xfrm>
+          <a:prstGeom prst="rect">
+            <a:avLst/>
+          </a:prstGeom>
+          <a:ln>
+            <a:noFill/>
+          </a:ln>
+        </p:spPr>
+        <p:style>
+          <a:lnRef idx="2">
+            <a:schemeClr val="dk1"/>
+          </a:lnRef>
+          <a:fillRef idx="1">
+            <a:schemeClr val="lt1"/>
+          </a:fillRef>
+          <a:effectRef idx="0">
+            <a:schemeClr val="dk1"/>
+          </a:effectRef>
+          <a:fontRef idx="minor">
+            <a:schemeClr val="dk1"/>
+          </a:fontRef>
+        </p:style>
+        <p:txBody>
+          <a:bodyPr rtlCol="0" anchor="ctr"/>
+          <a:lstStyle/>
+          <a:p>
+            <a:pPr algn="ctr"/>
+            <a:endParaRPr lang="en-US" dirty="0"/>
+          </a:p>
+        </p:txBody>
+      </p:sp>
+      <p:sp>
+        <p:nvSpPr>
+          <p:cNvPr id="29" name="Rectangle 28">
+            <a:extLst>
+              <a:ext uri="{FF2B5EF4-FFF2-40B4-BE49-F238E27FC236}">
+                <a16:creationId xmlns:a16="http://schemas.microsoft.com/office/drawing/2014/main" id="{3E6C21F1-0482-4EA3-BE45-694704F00EE5}"/>
+              </a:ext>
+            </a:extLst>
+          </p:cNvPr>
+          <p:cNvSpPr/>
+          <p:nvPr/>
+        </p:nvSpPr>
+        <p:spPr>
+          <a:xfrm>
+            <a:off x="5232028" y="3464233"/>
+            <a:ext cx="5983966" cy="236938"/>
+          </a:xfrm>
+          <a:prstGeom prst="rect">
+            <a:avLst/>
+          </a:prstGeom>
+          <a:ln>
+            <a:noFill/>
+          </a:ln>
+        </p:spPr>
+        <p:style>
+          <a:lnRef idx="2">
+            <a:schemeClr val="dk1"/>
+          </a:lnRef>
+          <a:fillRef idx="1">
+            <a:schemeClr val="lt1"/>
+          </a:fillRef>
+          <a:effectRef idx="0">
+            <a:schemeClr val="dk1"/>
+          </a:effectRef>
+          <a:fontRef idx="minor">
+            <a:schemeClr val="dk1"/>
+          </a:fontRef>
+        </p:style>
+        <p:txBody>
+          <a:bodyPr rtlCol="0" anchor="ctr"/>
+          <a:lstStyle/>
+          <a:p>
+            <a:pPr algn="ctr"/>
+            <a:endParaRPr lang="en-US" dirty="0"/>
+          </a:p>
+        </p:txBody>
+      </p:sp>
+      <p:sp>
+        <p:nvSpPr>
+          <p:cNvPr id="30" name="Rectangle 29">
+            <a:extLst>
+              <a:ext uri="{FF2B5EF4-FFF2-40B4-BE49-F238E27FC236}">
+                <a16:creationId xmlns:a16="http://schemas.microsoft.com/office/drawing/2014/main" id="{45A3249A-B6B3-4924-842B-CB88FE4D25A6}"/>
+              </a:ext>
+            </a:extLst>
+          </p:cNvPr>
+          <p:cNvSpPr/>
+          <p:nvPr/>
+        </p:nvSpPr>
+        <p:spPr>
+          <a:xfrm>
+            <a:off x="5232028" y="3754552"/>
+            <a:ext cx="5983966" cy="764196"/>
+          </a:xfrm>
+          <a:prstGeom prst="rect">
+            <a:avLst/>
+          </a:prstGeom>
+          <a:ln>
+            <a:noFill/>
+          </a:ln>
+        </p:spPr>
+        <p:style>
+          <a:lnRef idx="2">
+            <a:schemeClr val="dk1"/>
+          </a:lnRef>
+          <a:fillRef idx="1">
+            <a:schemeClr val="lt1"/>
+          </a:fillRef>
+          <a:effectRef idx="0">
+            <a:schemeClr val="dk1"/>
+          </a:effectRef>
+          <a:fontRef idx="minor">
+            <a:schemeClr val="dk1"/>
+          </a:fontRef>
+        </p:style>
+        <p:txBody>
+          <a:bodyPr rtlCol="0" anchor="ctr"/>
+          <a:lstStyle/>
+          <a:p>
+            <a:pPr algn="ctr"/>
+            <a:endParaRPr lang="en-US" dirty="0"/>
+          </a:p>
+        </p:txBody>
+      </p:sp>
+    </p:spTree>
+    <p:extLst>
+      <p:ext uri="{BB962C8B-B14F-4D97-AF65-F5344CB8AC3E}">
+        <p14:creationId xmlns:p14="http://schemas.microsoft.com/office/powerpoint/2010/main" val="402168994"/>
+      </p:ext>
+    </p:extLst>
+  </p:cSld>
+  <p:clrMapOvr>
+    <a:masterClrMapping/>
+  </p:clrMapOvr>
+  <p:timing>
+    <p:tnLst>
+      <p:par>
+        <p:cTn id="1" dur="indefinite" restart="never" nodeType="tmRoot">
+          <p:childTnLst>
+            <p:seq concurrent="1" nextAc="seek">
+              <p:cTn id="2" dur="indefinite" nodeType="mainSeq">
+                <p:childTnLst>
+                  <p:par>
+                    <p:cTn id="3" fill="hold">
+                      <p:stCondLst>
+                        <p:cond delay="indefinite"/>
+                      </p:stCondLst>
+                      <p:childTnLst>
+                        <p:par>
+                          <p:cTn id="4" fill="hold">
+                            <p:stCondLst>
+                              <p:cond delay="0"/>
+                            </p:stCondLst>
+                            <p:childTnLst>
+                              <p:par>
+                                <p:cTn id="5" presetID="10" presetClass="entr" presetSubtype="0" fill="hold" grpId="0" nodeType="clickEffect">
+                                  <p:stCondLst>
+                                    <p:cond delay="0"/>
+                                  </p:stCondLst>
+                                  <p:childTnLst>
+                                    <p:set>
+                                      <p:cBhvr>
+                                        <p:cTn id="6" dur="1" fill="hold">
+                                          <p:stCondLst>
+                                            <p:cond delay="0"/>
+                                          </p:stCondLst>
+                                        </p:cTn>
+                                        <p:tgtEl>
+                                          <p:spTgt spid="3">
+                                            <p:txEl>
+                                              <p:pRg st="0" end="0"/>
+                                            </p:txEl>
+                                          </p:spTgt>
+                                        </p:tgtEl>
+                                        <p:attrNameLst>
+                                          <p:attrName>style.visibility</p:attrName>
+                                        </p:attrNameLst>
+                                      </p:cBhvr>
+                                      <p:to>
+                                        <p:strVal val="visible"/>
+                                      </p:to>
+                                    </p:set>
+                                    <p:animEffect transition="in" filter="fade">
+                                      <p:cBhvr>
+                                        <p:cTn id="7" dur="500"/>
+                                        <p:tgtEl>
+                                          <p:spTgt spid="3">
+                                            <p:txEl>
+                                              <p:pRg st="0" end="0"/>
+                                            </p:txEl>
+                                          </p:spTgt>
+                                        </p:tgtEl>
+                                      </p:cBhvr>
+                                    </p:animEffect>
+                                  </p:childTnLst>
+                                </p:cTn>
+                              </p:par>
+                              <p:par>
+                                <p:cTn id="8" presetID="1" presetClass="entr" presetSubtype="0" fill="hold" nodeType="withEffect">
+                                  <p:stCondLst>
+                                    <p:cond delay="0"/>
+                                  </p:stCondLst>
+                                  <p:childTnLst>
+                                    <p:set>
+                                      <p:cBhvr>
+                                        <p:cTn id="9" dur="1" fill="hold">
+                                          <p:stCondLst>
+                                            <p:cond delay="0"/>
+                                          </p:stCondLst>
+                                        </p:cTn>
+                                        <p:tgtEl>
+                                          <p:spTgt spid="7"/>
+                                        </p:tgtEl>
+                                        <p:attrNameLst>
+                                          <p:attrName>style.visibility</p:attrName>
+                                        </p:attrNameLst>
+                                      </p:cBhvr>
+                                      <p:to>
+                                        <p:strVal val="visible"/>
+                                      </p:to>
+                                    </p:set>
+                                  </p:childTnLst>
+                                </p:cTn>
+                              </p:par>
+                            </p:childTnLst>
+                          </p:cTn>
+                        </p:par>
+                      </p:childTnLst>
+                    </p:cTn>
+                  </p:par>
+                  <p:par>
+                    <p:cTn id="10" fill="hold">
+                      <p:stCondLst>
+                        <p:cond delay="indefinite"/>
+                      </p:stCondLst>
+                      <p:childTnLst>
+                        <p:par>
+                          <p:cTn id="11" fill="hold">
+                            <p:stCondLst>
+                              <p:cond delay="0"/>
+                            </p:stCondLst>
+                            <p:childTnLst>
+                              <p:par>
+                                <p:cTn id="12" presetID="10" presetClass="entr" presetSubtype="0" fill="hold" grpId="0" nodeType="clickEffect">
+                                  <p:stCondLst>
+                                    <p:cond delay="0"/>
+                                  </p:stCondLst>
+                                  <p:childTnLst>
+                                    <p:set>
+                                      <p:cBhvr>
+                                        <p:cTn id="13" dur="1" fill="hold">
+                                          <p:stCondLst>
+                                            <p:cond delay="0"/>
+                                          </p:stCondLst>
+                                        </p:cTn>
+                                        <p:tgtEl>
+                                          <p:spTgt spid="3">
+                                            <p:txEl>
+                                              <p:pRg st="1" end="1"/>
+                                            </p:txEl>
+                                          </p:spTgt>
+                                        </p:tgtEl>
+                                        <p:attrNameLst>
+                                          <p:attrName>style.visibility</p:attrName>
+                                        </p:attrNameLst>
+                                      </p:cBhvr>
+                                      <p:to>
+                                        <p:strVal val="visible"/>
+                                      </p:to>
+                                    </p:set>
+                                    <p:animEffect transition="in" filter="fade">
+                                      <p:cBhvr>
+                                        <p:cTn id="14" dur="500"/>
+                                        <p:tgtEl>
+                                          <p:spTgt spid="3">
+                                            <p:txEl>
+                                              <p:pRg st="1" end="1"/>
+                                            </p:txEl>
+                                          </p:spTgt>
+                                        </p:tgtEl>
+                                      </p:cBhvr>
+                                    </p:animEffect>
+                                  </p:childTnLst>
+                                </p:cTn>
+                              </p:par>
+                              <p:par>
+                                <p:cTn id="15" presetID="1" presetClass="exit" presetSubtype="0" fill="hold" grpId="0" nodeType="withEffect">
+                                  <p:stCondLst>
+                                    <p:cond delay="0"/>
+                                  </p:stCondLst>
+                                  <p:childTnLst>
+                                    <p:set>
+                                      <p:cBhvr>
+                                        <p:cTn id="16" dur="1" fill="hold">
+                                          <p:stCondLst>
+                                            <p:cond delay="0"/>
+                                          </p:stCondLst>
+                                        </p:cTn>
+                                        <p:tgtEl>
+                                          <p:spTgt spid="25"/>
+                                        </p:tgtEl>
+                                        <p:attrNameLst>
+                                          <p:attrName>style.visibility</p:attrName>
+                                        </p:attrNameLst>
+                                      </p:cBhvr>
+                                      <p:to>
+                                        <p:strVal val="hidden"/>
+                                      </p:to>
+                                    </p:set>
+                                  </p:childTnLst>
+                                </p:cTn>
+                              </p:par>
+                            </p:childTnLst>
+                          </p:cTn>
+                        </p:par>
+                      </p:childTnLst>
+                    </p:cTn>
+                  </p:par>
+                  <p:par>
+                    <p:cTn id="17" fill="hold">
+                      <p:stCondLst>
+                        <p:cond delay="indefinite"/>
+                      </p:stCondLst>
+                      <p:childTnLst>
+                        <p:par>
+                          <p:cTn id="18" fill="hold">
+                            <p:stCondLst>
+                              <p:cond delay="0"/>
+                            </p:stCondLst>
+                            <p:childTnLst>
+                              <p:par>
+                                <p:cTn id="19" presetID="10" presetClass="entr" presetSubtype="0" fill="hold" grpId="0" nodeType="clickEffect">
+                                  <p:stCondLst>
+                                    <p:cond delay="0"/>
+                                  </p:stCondLst>
+                                  <p:childTnLst>
+                                    <p:set>
+                                      <p:cBhvr>
+                                        <p:cTn id="20" dur="1" fill="hold">
+                                          <p:stCondLst>
+                                            <p:cond delay="0"/>
+                                          </p:stCondLst>
+                                        </p:cTn>
+                                        <p:tgtEl>
+                                          <p:spTgt spid="3">
+                                            <p:txEl>
+                                              <p:pRg st="2" end="2"/>
+                                            </p:txEl>
+                                          </p:spTgt>
+                                        </p:tgtEl>
+                                        <p:attrNameLst>
+                                          <p:attrName>style.visibility</p:attrName>
+                                        </p:attrNameLst>
+                                      </p:cBhvr>
+                                      <p:to>
+                                        <p:strVal val="visible"/>
+                                      </p:to>
+                                    </p:set>
+                                    <p:animEffect transition="in" filter="fade">
+                                      <p:cBhvr>
+                                        <p:cTn id="21" dur="500"/>
+                                        <p:tgtEl>
+                                          <p:spTgt spid="3">
+                                            <p:txEl>
+                                              <p:pRg st="2" end="2"/>
+                                            </p:txEl>
+                                          </p:spTgt>
+                                        </p:tgtEl>
+                                      </p:cBhvr>
+                                    </p:animEffect>
+                                  </p:childTnLst>
+                                </p:cTn>
+                              </p:par>
+                              <p:par>
+                                <p:cTn id="22" presetID="1" presetClass="exit" presetSubtype="0" fill="hold" grpId="0" nodeType="withEffect">
+                                  <p:stCondLst>
+                                    <p:cond delay="0"/>
+                                  </p:stCondLst>
+                                  <p:childTnLst>
+                                    <p:set>
+                                      <p:cBhvr>
+                                        <p:cTn id="23" dur="1" fill="hold">
+                                          <p:stCondLst>
+                                            <p:cond delay="0"/>
+                                          </p:stCondLst>
+                                        </p:cTn>
+                                        <p:tgtEl>
+                                          <p:spTgt spid="27"/>
+                                        </p:tgtEl>
+                                        <p:attrNameLst>
+                                          <p:attrName>style.visibility</p:attrName>
+                                        </p:attrNameLst>
+                                      </p:cBhvr>
+                                      <p:to>
+                                        <p:strVal val="hidden"/>
+                                      </p:to>
+                                    </p:set>
+                                  </p:childTnLst>
+                                </p:cTn>
+                              </p:par>
+                            </p:childTnLst>
+                          </p:cTn>
+                        </p:par>
+                      </p:childTnLst>
+                    </p:cTn>
+                  </p:par>
+                  <p:par>
+                    <p:cTn id="24" fill="hold">
+                      <p:stCondLst>
+                        <p:cond delay="indefinite"/>
+                      </p:stCondLst>
+                      <p:childTnLst>
+                        <p:par>
+                          <p:cTn id="25" fill="hold">
+                            <p:stCondLst>
+                              <p:cond delay="0"/>
+                            </p:stCondLst>
+                            <p:childTnLst>
+                              <p:par>
+                                <p:cTn id="26" presetID="10" presetClass="entr" presetSubtype="0" fill="hold" grpId="0" nodeType="clickEffect">
+                                  <p:stCondLst>
+                                    <p:cond delay="0"/>
+                                  </p:stCondLst>
+                                  <p:childTnLst>
+                                    <p:set>
+                                      <p:cBhvr>
+                                        <p:cTn id="27" dur="1" fill="hold">
+                                          <p:stCondLst>
+                                            <p:cond delay="0"/>
+                                          </p:stCondLst>
+                                        </p:cTn>
+                                        <p:tgtEl>
+                                          <p:spTgt spid="3">
+                                            <p:txEl>
+                                              <p:pRg st="3" end="3"/>
+                                            </p:txEl>
+                                          </p:spTgt>
+                                        </p:tgtEl>
+                                        <p:attrNameLst>
+                                          <p:attrName>style.visibility</p:attrName>
+                                        </p:attrNameLst>
+                                      </p:cBhvr>
+                                      <p:to>
+                                        <p:strVal val="visible"/>
+                                      </p:to>
+                                    </p:set>
+                                    <p:animEffect transition="in" filter="fade">
+                                      <p:cBhvr>
+                                        <p:cTn id="28" dur="500"/>
+                                        <p:tgtEl>
+                                          <p:spTgt spid="3">
+                                            <p:txEl>
+                                              <p:pRg st="3" end="3"/>
+                                            </p:txEl>
+                                          </p:spTgt>
+                                        </p:tgtEl>
+                                      </p:cBhvr>
+                                    </p:animEffect>
+                                  </p:childTnLst>
+                                </p:cTn>
+                              </p:par>
+                              <p:par>
+                                <p:cTn id="29" presetID="1" presetClass="exit" presetSubtype="0" fill="hold" grpId="0" nodeType="withEffect">
+                                  <p:stCondLst>
+                                    <p:cond delay="0"/>
+                                  </p:stCondLst>
+                                  <p:childTnLst>
+                                    <p:set>
+                                      <p:cBhvr>
+                                        <p:cTn id="30" dur="1" fill="hold">
+                                          <p:stCondLst>
+                                            <p:cond delay="0"/>
+                                          </p:stCondLst>
+                                        </p:cTn>
+                                        <p:tgtEl>
+                                          <p:spTgt spid="29"/>
+                                        </p:tgtEl>
+                                        <p:attrNameLst>
+                                          <p:attrName>style.visibility</p:attrName>
+                                        </p:attrNameLst>
+                                      </p:cBhvr>
+                                      <p:to>
+                                        <p:strVal val="hidden"/>
+                                      </p:to>
+                                    </p:set>
+                                  </p:childTnLst>
+                                </p:cTn>
+                              </p:par>
+                            </p:childTnLst>
+                          </p:cTn>
+                        </p:par>
+                      </p:childTnLst>
+                    </p:cTn>
+                  </p:par>
+                  <p:par>
+                    <p:cTn id="31" fill="hold">
+                      <p:stCondLst>
+                        <p:cond delay="indefinite"/>
+                      </p:stCondLst>
+                      <p:childTnLst>
+                        <p:par>
+                          <p:cTn id="32" fill="hold">
+                            <p:stCondLst>
+                              <p:cond delay="0"/>
+                            </p:stCondLst>
+                            <p:childTnLst>
+                              <p:par>
+                                <p:cTn id="33" presetID="1" presetClass="exit" presetSubtype="0" fill="hold" grpId="0" nodeType="clickEffect">
+                                  <p:stCondLst>
+                                    <p:cond delay="0"/>
+                                  </p:stCondLst>
+                                  <p:childTnLst>
+                                    <p:set>
+                                      <p:cBhvr>
+                                        <p:cTn id="34" dur="1" fill="hold">
+                                          <p:stCondLst>
+                                            <p:cond delay="0"/>
+                                          </p:stCondLst>
+                                        </p:cTn>
+                                        <p:tgtEl>
+                                          <p:spTgt spid="30"/>
+                                        </p:tgtEl>
+                                        <p:attrNameLst>
+                                          <p:attrName>style.visibility</p:attrName>
+                                        </p:attrNameLst>
+                                      </p:cBhvr>
+                                      <p:to>
+                                        <p:strVal val="hidden"/>
+                                      </p:to>
+                                    </p:set>
+                                  </p:childTnLst>
+                                </p:cTn>
+                              </p:par>
+                            </p:childTnLst>
+                          </p:cTn>
+                        </p:par>
+                      </p:childTnLst>
+                    </p:cTn>
+                  </p:par>
+                </p:childTnLst>
+              </p:cTn>
+              <p:prevCondLst>
+                <p:cond evt="onPrev" delay="0">
+                  <p:tgtEl>
+                    <p:sldTgt/>
+                  </p:tgtEl>
+                </p:cond>
+              </p:prevCondLst>
+              <p:nextCondLst>
+                <p:cond evt="onNext" delay="0">
+                  <p:tgtEl>
+                    <p:sldTgt/>
+                  </p:tgtEl>
+                </p:cond>
+              </p:nextCondLst>
+            </p:seq>
+          </p:childTnLst>
+        </p:cTn>
+      </p:par>
+    </p:tnLst>
+    <p:bldLst>
+      <p:bldP spid="3" grpId="0" uiExpand="1" build="p"/>
+      <p:bldP spid="25" grpId="0" animBg="1"/>
+      <p:bldP spid="27" grpId="0" animBg="1"/>
+      <p:bldP spid="29" grpId="0" animBg="1"/>
+      <p:bldP spid="30" grpId="0" animBg="1"/>
+    </p:bldLst>
+  </p:timing>
+</p:sld>
+</file>
+
+<file path=ppt/slides/slide23.xml><?xml version="1.0" encoding="utf-8"?>
+<p:sld xmlns:a="http://schemas.openxmlformats.org/drawingml/2006/main" xmlns:r="http://schemas.openxmlformats.org/officeDocument/2006/relationships" xmlns:p="http://schemas.openxmlformats.org/presentationml/2006/main">
+  <p:cSld>
+    <p:bg>
+      <p:bgPr>
+        <a:solidFill>
+          <a:schemeClr val="bg1"/>
+        </a:solidFill>
+        <a:effectLst/>
+      </p:bgPr>
+    </p:bg>
+    <p:spTree>
+      <p:nvGrpSpPr>
+        <p:cNvPr id="1" name=""/>
+        <p:cNvGrpSpPr/>
+        <p:nvPr/>
+      </p:nvGrpSpPr>
+      <p:grpSpPr>
+        <a:xfrm>
+          <a:off x="0" y="0"/>
+          <a:ext cx="0" cy="0"/>
+          <a:chOff x="0" y="0"/>
+          <a:chExt cx="0" cy="0"/>
+        </a:xfrm>
+      </p:grpSpPr>
+      <p:sp>
+        <p:nvSpPr>
+          <p:cNvPr id="8" name="Rectangle 7">
+            <a:extLst>
+              <a:ext uri="{FF2B5EF4-FFF2-40B4-BE49-F238E27FC236}">
+                <a16:creationId xmlns:a16="http://schemas.microsoft.com/office/drawing/2014/main" id="{C33976D1-3430-450C-A978-87A9A6E8E71F}"/>
+              </a:ext>
+              <a:ext uri="{C183D7F6-B498-43B3-948B-1728B52AA6E4}">
+                <adec:decorative xmlns:adec="http://schemas.microsoft.com/office/drawing/2017/decorative" val="1"/>
+              </a:ext>
+            </a:extLst>
+          </p:cNvPr>
+          <p:cNvSpPr>
+            <a:spLocks noGrp="1" noRot="1" noChangeAspect="1" noMove="1" noResize="1" noEditPoints="1" noAdjustHandles="1" noChangeArrowheads="1" noChangeShapeType="1" noTextEdit="1"/>
+          </p:cNvSpPr>
+          <p:nvPr>
+            <p:extLst>
+              <p:ext uri="{386F3935-93C4-4BCD-93E2-E3B085C9AB24}">
+                <p16:designElem xmlns:p16="http://schemas.microsoft.com/office/powerpoint/2015/main" val="1"/>
+              </p:ext>
+            </p:extLst>
+          </p:nvPr>
+        </p:nvSpPr>
+        <p:spPr>
+          <a:xfrm>
+            <a:off x="0" y="0"/>
+            <a:ext cx="12192000" cy="6858000"/>
+          </a:xfrm>
+          <a:prstGeom prst="rect">
+            <a:avLst/>
+          </a:prstGeom>
+          <a:solidFill>
+            <a:schemeClr val="accent2"/>
+          </a:solidFill>
+          <a:ln>
+            <a:noFill/>
+          </a:ln>
+        </p:spPr>
+        <p:style>
+          <a:lnRef idx="2">
+            <a:schemeClr val="accent1">
+              <a:shade val="50000"/>
+            </a:schemeClr>
+          </a:lnRef>
+          <a:fillRef idx="1">
+            <a:schemeClr val="accent1"/>
+          </a:fillRef>
+          <a:effectRef idx="0">
+            <a:schemeClr val="accent1"/>
+          </a:effectRef>
+          <a:fontRef idx="minor">
+            <a:schemeClr val="lt1"/>
+          </a:fontRef>
+        </p:style>
+        <p:txBody>
+          <a:bodyPr rtlCol="0" anchor="ctr"/>
+          <a:lstStyle/>
+          <a:p>
+            <a:pPr algn="ctr"/>
+            <a:endParaRPr lang="en-US"/>
+          </a:p>
+        </p:txBody>
+      </p:sp>
+      <p:sp>
+        <p:nvSpPr>
+          <p:cNvPr id="10" name="Rectangle 9">
+            <a:extLst>
+              <a:ext uri="{FF2B5EF4-FFF2-40B4-BE49-F238E27FC236}">
+                <a16:creationId xmlns:a16="http://schemas.microsoft.com/office/drawing/2014/main" id="{7D6AAC78-7D86-415A-ADC1-2B474807960C}"/>
+              </a:ext>
+              <a:ext uri="{C183D7F6-B498-43B3-948B-1728B52AA6E4}">
+                <adec:decorative xmlns:adec="http://schemas.microsoft.com/office/drawing/2017/decorative" val="1"/>
+              </a:ext>
+            </a:extLst>
+          </p:cNvPr>
+          <p:cNvSpPr>
+            <a:spLocks noGrp="1" noRot="1" noChangeAspect="1" noMove="1" noResize="1" noEditPoints="1" noAdjustHandles="1" noChangeArrowheads="1" noChangeShapeType="1" noTextEdit="1"/>
+          </p:cNvSpPr>
+          <p:nvPr>
+            <p:extLst>
+              <p:ext uri="{386F3935-93C4-4BCD-93E2-E3B085C9AB24}">
+                <p16:designElem xmlns:p16="http://schemas.microsoft.com/office/powerpoint/2015/main" val="1"/>
+              </p:ext>
+            </p:extLst>
+          </p:nvPr>
+        </p:nvSpPr>
+        <p:spPr>
+          <a:xfrm>
+            <a:off x="1249680" y="1248156"/>
+            <a:ext cx="9692640" cy="4361688"/>
+          </a:xfrm>
+          <a:prstGeom prst="rect">
+            <a:avLst/>
+          </a:prstGeom>
+          <a:solidFill>
+            <a:srgbClr val="FFFFFF"/>
+          </a:solidFill>
+          <a:ln>
+            <a:noFill/>
+          </a:ln>
+        </p:spPr>
+        <p:style>
+          <a:lnRef idx="2">
+            <a:schemeClr val="accent1">
+              <a:shade val="50000"/>
+            </a:schemeClr>
+          </a:lnRef>
+          <a:fillRef idx="1">
+            <a:schemeClr val="accent1"/>
+          </a:fillRef>
+          <a:effectRef idx="0">
+            <a:schemeClr val="accent1"/>
+          </a:effectRef>
+          <a:fontRef idx="minor">
+            <a:schemeClr val="lt1"/>
+          </a:fontRef>
+        </p:style>
+        <p:txBody>
+          <a:bodyPr rtlCol="0" anchor="ctr"/>
+          <a:lstStyle/>
+          <a:p>
+            <a:pPr algn="ctr"/>
+            <a:endParaRPr lang="en-US"/>
+          </a:p>
+        </p:txBody>
+      </p:sp>
+      <p:sp>
+        <p:nvSpPr>
+          <p:cNvPr id="12" name="Rectangle 11">
+            <a:extLst>
+              <a:ext uri="{FF2B5EF4-FFF2-40B4-BE49-F238E27FC236}">
+                <a16:creationId xmlns:a16="http://schemas.microsoft.com/office/drawing/2014/main" id="{F2A658D9-F185-44F1-BA33-D50320D1D078}"/>
+              </a:ext>
+              <a:ext uri="{C183D7F6-B498-43B3-948B-1728B52AA6E4}">
+                <adec:decorative xmlns:adec="http://schemas.microsoft.com/office/drawing/2017/decorative" val="1"/>
+              </a:ext>
+            </a:extLst>
+          </p:cNvPr>
+          <p:cNvSpPr>
+            <a:spLocks noGrp="1" noRot="1" noChangeAspect="1" noMove="1" noResize="1" noEditPoints="1" noAdjustHandles="1" noChangeArrowheads="1" noChangeShapeType="1" noTextEdit="1"/>
+          </p:cNvSpPr>
+          <p:nvPr>
+            <p:extLst>
+              <p:ext uri="{386F3935-93C4-4BCD-93E2-E3B085C9AB24}">
+                <p16:designElem xmlns:p16="http://schemas.microsoft.com/office/powerpoint/2015/main" val="1"/>
+              </p:ext>
+            </p:extLst>
+          </p:nvPr>
+        </p:nvSpPr>
+        <p:spPr>
+          <a:xfrm>
+            <a:off x="1062228" y="1060704"/>
+            <a:ext cx="10067544" cy="4736592"/>
+          </a:xfrm>
+          <a:prstGeom prst="rect">
+            <a:avLst/>
+          </a:prstGeom>
+          <a:noFill/>
+          <a:ln w="31750" cap="sq">
+            <a:solidFill>
+              <a:srgbClr val="FFFFFF"/>
+            </a:solidFill>
+            <a:miter lim="800000"/>
+          </a:ln>
+        </p:spPr>
+        <p:style>
+          <a:lnRef idx="2">
+            <a:schemeClr val="accent1">
+              <a:shade val="50000"/>
+            </a:schemeClr>
+          </a:lnRef>
+          <a:fillRef idx="1">
+            <a:schemeClr val="accent1"/>
+          </a:fillRef>
+          <a:effectRef idx="0">
+            <a:schemeClr val="accent1"/>
+          </a:effectRef>
+          <a:fontRef idx="minor">
+            <a:schemeClr val="lt1"/>
+          </a:fontRef>
+        </p:style>
+        <p:txBody>
+          <a:bodyPr rtlCol="0" anchor="ctr"/>
+          <a:lstStyle/>
+          <a:p>
+            <a:pPr algn="ctr"/>
+            <a:endParaRPr lang="en-US"/>
+          </a:p>
+        </p:txBody>
+      </p:sp>
+      <p:sp>
+        <p:nvSpPr>
+          <p:cNvPr id="2" name="Title 1">
+            <a:extLst>
+              <a:ext uri="{FF2B5EF4-FFF2-40B4-BE49-F238E27FC236}">
+                <a16:creationId xmlns:a16="http://schemas.microsoft.com/office/drawing/2014/main" id="{43012242-2660-4DCE-A5B8-0E4EF7C0B213}"/>
+              </a:ext>
+            </a:extLst>
+          </p:cNvPr>
+          <p:cNvSpPr>
+            <a:spLocks noGrp="1"/>
+          </p:cNvSpPr>
+          <p:nvPr>
+            <p:ph type="title"/>
+          </p:nvPr>
+        </p:nvSpPr>
+        <p:spPr>
+          <a:xfrm>
+            <a:off x="2231136" y="467418"/>
+            <a:ext cx="7729728" cy="1188720"/>
+          </a:xfrm>
+        </p:spPr>
+        <p:txBody>
+          <a:bodyPr>
+            <a:normAutofit/>
+          </a:bodyPr>
+          <a:lstStyle/>
+          <a:p>
+            <a:r>
+              <a:rPr lang="en-US" dirty="0"/>
+              <a:t>Game  over</a:t>
+            </a:r>
+          </a:p>
+        </p:txBody>
+      </p:sp>
+      <p:sp>
+        <p:nvSpPr>
+          <p:cNvPr id="3" name="Content Placeholder 2">
+            <a:extLst>
+              <a:ext uri="{FF2B5EF4-FFF2-40B4-BE49-F238E27FC236}">
+                <a16:creationId xmlns:a16="http://schemas.microsoft.com/office/drawing/2014/main" id="{C1A07A68-56E4-4155-A0DC-23410ADDC671}"/>
+              </a:ext>
+            </a:extLst>
+          </p:cNvPr>
+          <p:cNvSpPr>
+            <a:spLocks noGrp="1"/>
+          </p:cNvSpPr>
+          <p:nvPr>
+            <p:ph idx="1"/>
+          </p:nvPr>
+        </p:nvSpPr>
+        <p:spPr>
+          <a:xfrm>
+            <a:off x="1706062" y="2291262"/>
+            <a:ext cx="8779512" cy="2879256"/>
+          </a:xfrm>
+        </p:spPr>
+        <p:txBody>
+          <a:bodyPr>
+            <a:normAutofit/>
+          </a:bodyPr>
+          <a:lstStyle/>
+          <a:p>
+            <a:pPr>
+              <a:lnSpc>
+                <a:spcPct val="90000"/>
+              </a:lnSpc>
+            </a:pPr>
+            <a:r>
+              <a:rPr lang="en-US" dirty="0">
+                <a:solidFill>
+                  <a:srgbClr val="404040"/>
+                </a:solidFill>
+              </a:rPr>
+              <a:t>After each move we check if the game is over. Either through a checkmate or a stalemate</a:t>
+            </a:r>
+          </a:p>
+          <a:p>
+            <a:pPr>
+              <a:lnSpc>
+                <a:spcPct val="90000"/>
+              </a:lnSpc>
+            </a:pPr>
+            <a:r>
+              <a:rPr lang="en-US" dirty="0">
+                <a:solidFill>
+                  <a:srgbClr val="404040"/>
+                </a:solidFill>
+              </a:rPr>
+              <a:t>There are three basic stalemates</a:t>
+            </a:r>
+          </a:p>
+          <a:p>
+            <a:pPr marL="571500" lvl="1" indent="-342900">
+              <a:lnSpc>
+                <a:spcPct val="90000"/>
+              </a:lnSpc>
+              <a:buFont typeface="+mj-lt"/>
+              <a:buAutoNum type="arabicPeriod"/>
+            </a:pPr>
+            <a:r>
+              <a:rPr lang="en-US" dirty="0">
+                <a:solidFill>
+                  <a:srgbClr val="404040"/>
+                </a:solidFill>
+              </a:rPr>
+              <a:t>A player cannot make any legal moves</a:t>
+            </a:r>
+          </a:p>
+          <a:p>
+            <a:pPr marL="571500" lvl="1" indent="-342900">
+              <a:lnSpc>
+                <a:spcPct val="90000"/>
+              </a:lnSpc>
+              <a:buFont typeface="+mj-lt"/>
+              <a:buAutoNum type="arabicPeriod"/>
+            </a:pPr>
+            <a:r>
+              <a:rPr lang="en-US" dirty="0">
+                <a:solidFill>
+                  <a:srgbClr val="404040"/>
+                </a:solidFill>
+              </a:rPr>
+              <a:t>Both players only have a kings left</a:t>
+            </a:r>
+          </a:p>
+          <a:p>
+            <a:pPr marL="571500" lvl="1" indent="-342900">
+              <a:lnSpc>
+                <a:spcPct val="90000"/>
+              </a:lnSpc>
+              <a:buFont typeface="+mj-lt"/>
+              <a:buAutoNum type="arabicPeriod"/>
+            </a:pPr>
+            <a:r>
+              <a:rPr lang="en-US" dirty="0">
+                <a:solidFill>
+                  <a:srgbClr val="404040"/>
+                </a:solidFill>
+              </a:rPr>
+              <a:t>One player only has a king and eighteen moves have passed</a:t>
+            </a:r>
+          </a:p>
+          <a:p>
+            <a:pPr>
+              <a:lnSpc>
+                <a:spcPct val="90000"/>
+              </a:lnSpc>
+            </a:pPr>
+            <a:r>
+              <a:rPr lang="en-US" dirty="0">
+                <a:solidFill>
+                  <a:srgbClr val="404040"/>
+                </a:solidFill>
+              </a:rPr>
+              <a:t>Checkmate has two basic parts to it</a:t>
+            </a:r>
+          </a:p>
+          <a:p>
+            <a:pPr marL="571500" lvl="1" indent="-342900">
+              <a:lnSpc>
+                <a:spcPct val="90000"/>
+              </a:lnSpc>
+              <a:buFont typeface="+mj-lt"/>
+              <a:buAutoNum type="arabicPeriod"/>
+            </a:pPr>
+            <a:r>
+              <a:rPr lang="en-US" dirty="0">
+                <a:solidFill>
+                  <a:srgbClr val="404040"/>
+                </a:solidFill>
+              </a:rPr>
+              <a:t>Check if the king is in check (can any opposing piece attack it)</a:t>
+            </a:r>
+          </a:p>
+          <a:p>
+            <a:pPr marL="571500" lvl="1" indent="-342900">
+              <a:lnSpc>
+                <a:spcPct val="90000"/>
+              </a:lnSpc>
+              <a:buFont typeface="+mj-lt"/>
+              <a:buAutoNum type="arabicPeriod"/>
+            </a:pPr>
+            <a:r>
+              <a:rPr lang="en-US" dirty="0">
+                <a:solidFill>
+                  <a:srgbClr val="404040"/>
+                </a:solidFill>
+              </a:rPr>
+              <a:t>If it is, can it make any legal moves to take it out of check (if not, checkmate)</a:t>
+            </a:r>
+          </a:p>
+        </p:txBody>
+      </p:sp>
+    </p:spTree>
+    <p:extLst>
+      <p:ext uri="{BB962C8B-B14F-4D97-AF65-F5344CB8AC3E}">
+        <p14:creationId xmlns:p14="http://schemas.microsoft.com/office/powerpoint/2010/main" val="138187729"/>
+      </p:ext>
+    </p:extLst>
+  </p:cSld>
+  <p:clrMapOvr>
+    <a:masterClrMapping/>
+  </p:clrMapOvr>
+  <p:timing>
+    <p:tnLst>
+      <p:par>
+        <p:cTn id="1" dur="indefinite" restart="never" nodeType="tmRoot">
+          <p:childTnLst>
+            <p:seq concurrent="1" nextAc="seek">
+              <p:cTn id="2" dur="indefinite" nodeType="mainSeq">
+                <p:childTnLst>
+                  <p:par>
+                    <p:cTn id="3" fill="hold">
+                      <p:stCondLst>
+                        <p:cond delay="indefinite"/>
+                      </p:stCondLst>
+                      <p:childTnLst>
+                        <p:par>
+                          <p:cTn id="4" fill="hold">
+                            <p:stCondLst>
+                              <p:cond delay="0"/>
+                            </p:stCondLst>
+                            <p:childTnLst>
+                              <p:par>
+                                <p:cTn id="5" presetID="10" presetClass="entr" presetSubtype="0" fill="hold" grpId="0" nodeType="clickEffect">
+                                  <p:stCondLst>
+                                    <p:cond delay="0"/>
+                                  </p:stCondLst>
+                                  <p:childTnLst>
+                                    <p:set>
+                                      <p:cBhvr>
+                                        <p:cTn id="6" dur="1" fill="hold">
+                                          <p:stCondLst>
+                                            <p:cond delay="0"/>
+                                          </p:stCondLst>
+                                        </p:cTn>
+                                        <p:tgtEl>
+                                          <p:spTgt spid="3">
+                                            <p:txEl>
+                                              <p:pRg st="0" end="0"/>
+                                            </p:txEl>
+                                          </p:spTgt>
+                                        </p:tgtEl>
+                                        <p:attrNameLst>
+                                          <p:attrName>style.visibility</p:attrName>
+                                        </p:attrNameLst>
+                                      </p:cBhvr>
+                                      <p:to>
+                                        <p:strVal val="visible"/>
+                                      </p:to>
+                                    </p:set>
+                                    <p:animEffect transition="in" filter="fade">
+                                      <p:cBhvr>
+                                        <p:cTn id="7" dur="500"/>
+                                        <p:tgtEl>
+                                          <p:spTgt spid="3">
+                                            <p:txEl>
+                                              <p:pRg st="0" end="0"/>
+                                            </p:txEl>
+                                          </p:spTgt>
+                                        </p:tgtEl>
+                                      </p:cBhvr>
+                                    </p:animEffect>
+                                  </p:childTnLst>
+                                </p:cTn>
+                              </p:par>
+                            </p:childTnLst>
+                          </p:cTn>
+                        </p:par>
+                      </p:childTnLst>
+                    </p:cTn>
+                  </p:par>
+                  <p:par>
+                    <p:cTn id="8" fill="hold">
+                      <p:stCondLst>
+                        <p:cond delay="indefinite"/>
+                      </p:stCondLst>
+                      <p:childTnLst>
+                        <p:par>
+                          <p:cTn id="9" fill="hold">
+                            <p:stCondLst>
+                              <p:cond delay="0"/>
+                            </p:stCondLst>
+                            <p:childTnLst>
+                              <p:par>
+                                <p:cTn id="10" presetID="10" presetClass="entr" presetSubtype="0" fill="hold" grpId="0" nodeType="clickEffect">
+                                  <p:stCondLst>
+                                    <p:cond delay="0"/>
+                                  </p:stCondLst>
+                                  <p:childTnLst>
+                                    <p:set>
+                                      <p:cBhvr>
+                                        <p:cTn id="11" dur="1" fill="hold">
+                                          <p:stCondLst>
+                                            <p:cond delay="0"/>
+                                          </p:stCondLst>
+                                        </p:cTn>
+                                        <p:tgtEl>
+                                          <p:spTgt spid="3">
+                                            <p:txEl>
+                                              <p:pRg st="1" end="1"/>
+                                            </p:txEl>
+                                          </p:spTgt>
+                                        </p:tgtEl>
+                                        <p:attrNameLst>
+                                          <p:attrName>style.visibility</p:attrName>
+                                        </p:attrNameLst>
+                                      </p:cBhvr>
+                                      <p:to>
+                                        <p:strVal val="visible"/>
+                                      </p:to>
+                                    </p:set>
+                                    <p:animEffect transition="in" filter="fade">
+                                      <p:cBhvr>
+                                        <p:cTn id="12" dur="500"/>
+                                        <p:tgtEl>
+                                          <p:spTgt spid="3">
+                                            <p:txEl>
+                                              <p:pRg st="1" end="1"/>
+                                            </p:txEl>
+                                          </p:spTgt>
+                                        </p:tgtEl>
+                                      </p:cBhvr>
+                                    </p:animEffect>
+                                  </p:childTnLst>
+                                </p:cTn>
+                              </p:par>
+                            </p:childTnLst>
+                          </p:cTn>
+                        </p:par>
+                      </p:childTnLst>
+                    </p:cTn>
+                  </p:par>
+                  <p:par>
+                    <p:cTn id="13" fill="hold">
+                      <p:stCondLst>
+                        <p:cond delay="indefinite"/>
+                      </p:stCondLst>
+                      <p:childTnLst>
+                        <p:par>
+                          <p:cTn id="14" fill="hold">
+                            <p:stCondLst>
+                              <p:cond delay="0"/>
+                            </p:stCondLst>
+                            <p:childTnLst>
+                              <p:par>
+                                <p:cTn id="15" presetID="10" presetClass="entr" presetSubtype="0" fill="hold" grpId="0" nodeType="clickEffect">
+                                  <p:stCondLst>
+                                    <p:cond delay="0"/>
+                                  </p:stCondLst>
+                                  <p:childTnLst>
+                                    <p:set>
+                                      <p:cBhvr>
+                                        <p:cTn id="16" dur="1" fill="hold">
+                                          <p:stCondLst>
+                                            <p:cond delay="0"/>
+                                          </p:stCondLst>
+                                        </p:cTn>
+                                        <p:tgtEl>
+                                          <p:spTgt spid="3">
+                                            <p:txEl>
+                                              <p:pRg st="2" end="2"/>
+                                            </p:txEl>
+                                          </p:spTgt>
+                                        </p:tgtEl>
+                                        <p:attrNameLst>
+                                          <p:attrName>style.visibility</p:attrName>
+                                        </p:attrNameLst>
+                                      </p:cBhvr>
+                                      <p:to>
+                                        <p:strVal val="visible"/>
+                                      </p:to>
+                                    </p:set>
+                                    <p:animEffect transition="in" filter="fade">
+                                      <p:cBhvr>
+                                        <p:cTn id="17" dur="500"/>
+                                        <p:tgtEl>
+                                          <p:spTgt spid="3">
+                                            <p:txEl>
+                                              <p:pRg st="2" end="2"/>
+                                            </p:txEl>
+                                          </p:spTgt>
+                                        </p:tgtEl>
+                                      </p:cBhvr>
+                                    </p:animEffect>
+                                  </p:childTnLst>
+                                </p:cTn>
+                              </p:par>
+                            </p:childTnLst>
+                          </p:cTn>
+                        </p:par>
+                      </p:childTnLst>
+                    </p:cTn>
+                  </p:par>
+                  <p:par>
+                    <p:cTn id="18" fill="hold">
+                      <p:stCondLst>
+                        <p:cond delay="indefinite"/>
+                      </p:stCondLst>
+                      <p:childTnLst>
+                        <p:par>
+                          <p:cTn id="19" fill="hold">
+                            <p:stCondLst>
+                              <p:cond delay="0"/>
+                            </p:stCondLst>
+                            <p:childTnLst>
+                              <p:par>
+                                <p:cTn id="20" presetID="10" presetClass="entr" presetSubtype="0" fill="hold" grpId="0" nodeType="clickEffect">
+                                  <p:stCondLst>
+                                    <p:cond delay="0"/>
+                                  </p:stCondLst>
+                                  <p:childTnLst>
+                                    <p:set>
+                                      <p:cBhvr>
+                                        <p:cTn id="21" dur="1" fill="hold">
+                                          <p:stCondLst>
+                                            <p:cond delay="0"/>
+                                          </p:stCondLst>
+                                        </p:cTn>
+                                        <p:tgtEl>
+                                          <p:spTgt spid="3">
+                                            <p:txEl>
+                                              <p:pRg st="3" end="3"/>
+                                            </p:txEl>
+                                          </p:spTgt>
+                                        </p:tgtEl>
+                                        <p:attrNameLst>
+                                          <p:attrName>style.visibility</p:attrName>
+                                        </p:attrNameLst>
+                                      </p:cBhvr>
+                                      <p:to>
+                                        <p:strVal val="visible"/>
+                                      </p:to>
+                                    </p:set>
+                                    <p:animEffect transition="in" filter="fade">
+                                      <p:cBhvr>
+                                        <p:cTn id="22" dur="500"/>
+                                        <p:tgtEl>
+                                          <p:spTgt spid="3">
+                                            <p:txEl>
+                                              <p:pRg st="3" end="3"/>
+                                            </p:txEl>
+                                          </p:spTgt>
+                                        </p:tgtEl>
+                                      </p:cBhvr>
+                                    </p:animEffect>
+                                  </p:childTnLst>
+                                </p:cTn>
+                              </p:par>
+                            </p:childTnLst>
+                          </p:cTn>
+                        </p:par>
+                      </p:childTnLst>
+                    </p:cTn>
+                  </p:par>
+                  <p:par>
+                    <p:cTn id="23" fill="hold">
+                      <p:stCondLst>
+                        <p:cond delay="indefinite"/>
+                      </p:stCondLst>
+                      <p:childTnLst>
+                        <p:par>
+                          <p:cTn id="24" fill="hold">
+                            <p:stCondLst>
+                              <p:cond delay="0"/>
+                            </p:stCondLst>
+                            <p:childTnLst>
+                              <p:par>
+                                <p:cTn id="25" presetID="10" presetClass="entr" presetSubtype="0" fill="hold" grpId="0" nodeType="clickEffect">
+                                  <p:stCondLst>
+                                    <p:cond delay="0"/>
+                                  </p:stCondLst>
+                                  <p:childTnLst>
+                                    <p:set>
+                                      <p:cBhvr>
+                                        <p:cTn id="26" dur="1" fill="hold">
+                                          <p:stCondLst>
+                                            <p:cond delay="0"/>
+                                          </p:stCondLst>
+                                        </p:cTn>
+                                        <p:tgtEl>
+                                          <p:spTgt spid="3">
+                                            <p:txEl>
+                                              <p:pRg st="4" end="4"/>
+                                            </p:txEl>
+                                          </p:spTgt>
+                                        </p:tgtEl>
+                                        <p:attrNameLst>
+                                          <p:attrName>style.visibility</p:attrName>
+                                        </p:attrNameLst>
+                                      </p:cBhvr>
+                                      <p:to>
+                                        <p:strVal val="visible"/>
+                                      </p:to>
+                                    </p:set>
+                                    <p:animEffect transition="in" filter="fade">
+                                      <p:cBhvr>
+                                        <p:cTn id="27" dur="500"/>
+                                        <p:tgtEl>
+                                          <p:spTgt spid="3">
+                                            <p:txEl>
+                                              <p:pRg st="4" end="4"/>
+                                            </p:txEl>
+                                          </p:spTgt>
+                                        </p:tgtEl>
+                                      </p:cBhvr>
+                                    </p:animEffect>
+                                  </p:childTnLst>
+                                </p:cTn>
+                              </p:par>
+                            </p:childTnLst>
+                          </p:cTn>
+                        </p:par>
+                      </p:childTnLst>
+                    </p:cTn>
+                  </p:par>
+                  <p:par>
+                    <p:cTn id="28" fill="hold">
+                      <p:stCondLst>
+                        <p:cond delay="indefinite"/>
+                      </p:stCondLst>
+                      <p:childTnLst>
+                        <p:par>
+                          <p:cTn id="29" fill="hold">
+                            <p:stCondLst>
+                              <p:cond delay="0"/>
+                            </p:stCondLst>
+                            <p:childTnLst>
+                              <p:par>
+                                <p:cTn id="30" presetID="10" presetClass="entr" presetSubtype="0" fill="hold" grpId="0" nodeType="clickEffect">
+                                  <p:stCondLst>
+                                    <p:cond delay="0"/>
+                                  </p:stCondLst>
+                                  <p:childTnLst>
+                                    <p:set>
+                                      <p:cBhvr>
+                                        <p:cTn id="31" dur="1" fill="hold">
+                                          <p:stCondLst>
+                                            <p:cond delay="0"/>
+                                          </p:stCondLst>
+                                        </p:cTn>
+                                        <p:tgtEl>
+                                          <p:spTgt spid="3">
+                                            <p:txEl>
+                                              <p:pRg st="5" end="5"/>
+                                            </p:txEl>
+                                          </p:spTgt>
+                                        </p:tgtEl>
+                                        <p:attrNameLst>
+                                          <p:attrName>style.visibility</p:attrName>
+                                        </p:attrNameLst>
+                                      </p:cBhvr>
+                                      <p:to>
+                                        <p:strVal val="visible"/>
+                                      </p:to>
+                                    </p:set>
+                                    <p:animEffect transition="in" filter="fade">
+                                      <p:cBhvr>
+                                        <p:cTn id="32" dur="500"/>
+                                        <p:tgtEl>
+                                          <p:spTgt spid="3">
+                                            <p:txEl>
+                                              <p:pRg st="5" end="5"/>
+                                            </p:txEl>
+                                          </p:spTgt>
+                                        </p:tgtEl>
+                                      </p:cBhvr>
+                                    </p:animEffect>
+                                  </p:childTnLst>
+                                </p:cTn>
+                              </p:par>
+                            </p:childTnLst>
+                          </p:cTn>
+                        </p:par>
+                      </p:childTnLst>
+                    </p:cTn>
+                  </p:par>
+                  <p:par>
+                    <p:cTn id="33" fill="hold">
+                      <p:stCondLst>
+                        <p:cond delay="indefinite"/>
+                      </p:stCondLst>
+                      <p:childTnLst>
+                        <p:par>
+                          <p:cTn id="34" fill="hold">
+                            <p:stCondLst>
+                              <p:cond delay="0"/>
+                            </p:stCondLst>
+                            <p:childTnLst>
+                              <p:par>
+                                <p:cTn id="35" presetID="10" presetClass="entr" presetSubtype="0" fill="hold" grpId="0" nodeType="clickEffect">
+                                  <p:stCondLst>
+                                    <p:cond delay="0"/>
+                                  </p:stCondLst>
+                                  <p:childTnLst>
+                                    <p:set>
+                                      <p:cBhvr>
+                                        <p:cTn id="36" dur="1" fill="hold">
+                                          <p:stCondLst>
+                                            <p:cond delay="0"/>
+                                          </p:stCondLst>
+                                        </p:cTn>
+                                        <p:tgtEl>
+                                          <p:spTgt spid="3">
+                                            <p:txEl>
+                                              <p:pRg st="6" end="6"/>
+                                            </p:txEl>
+                                          </p:spTgt>
+                                        </p:tgtEl>
+                                        <p:attrNameLst>
+                                          <p:attrName>style.visibility</p:attrName>
+                                        </p:attrNameLst>
+                                      </p:cBhvr>
+                                      <p:to>
+                                        <p:strVal val="visible"/>
+                                      </p:to>
+                                    </p:set>
+                                    <p:animEffect transition="in" filter="fade">
+                                      <p:cBhvr>
+                                        <p:cTn id="37" dur="500"/>
+                                        <p:tgtEl>
+                                          <p:spTgt spid="3">
+                                            <p:txEl>
+                                              <p:pRg st="6" end="6"/>
+                                            </p:txEl>
+                                          </p:spTgt>
+                                        </p:tgtEl>
+                                      </p:cBhvr>
+                                    </p:animEffect>
+                                  </p:childTnLst>
+                                </p:cTn>
+                              </p:par>
+                            </p:childTnLst>
+                          </p:cTn>
+                        </p:par>
+                      </p:childTnLst>
+                    </p:cTn>
+                  </p:par>
+                  <p:par>
+                    <p:cTn id="38" fill="hold">
+                      <p:stCondLst>
+                        <p:cond delay="indefinite"/>
+                      </p:stCondLst>
+                      <p:childTnLst>
+                        <p:par>
+                          <p:cTn id="39" fill="hold">
+                            <p:stCondLst>
+                              <p:cond delay="0"/>
+                            </p:stCondLst>
+                            <p:childTnLst>
+                              <p:par>
+                                <p:cTn id="40" presetID="10" presetClass="entr" presetSubtype="0" fill="hold" grpId="0" nodeType="clickEffect">
+                                  <p:stCondLst>
+                                    <p:cond delay="0"/>
+                                  </p:stCondLst>
+                                  <p:childTnLst>
+                                    <p:set>
+                                      <p:cBhvr>
+                                        <p:cTn id="41" dur="1" fill="hold">
+                                          <p:stCondLst>
+                                            <p:cond delay="0"/>
+                                          </p:stCondLst>
+                                        </p:cTn>
+                                        <p:tgtEl>
+                                          <p:spTgt spid="3">
+                                            <p:txEl>
+                                              <p:pRg st="7" end="7"/>
+                                            </p:txEl>
+                                          </p:spTgt>
+                                        </p:tgtEl>
+                                        <p:attrNameLst>
+                                          <p:attrName>style.visibility</p:attrName>
+                                        </p:attrNameLst>
+                                      </p:cBhvr>
+                                      <p:to>
+                                        <p:strVal val="visible"/>
+                                      </p:to>
+                                    </p:set>
+                                    <p:animEffect transition="in" filter="fade">
+                                      <p:cBhvr>
+                                        <p:cTn id="42" dur="500"/>
+                                        <p:tgtEl>
+                                          <p:spTgt spid="3">
+                                            <p:txEl>
+                                              <p:pRg st="7" end="7"/>
+                                            </p:txEl>
+                                          </p:spTgt>
+                                        </p:tgtEl>
+                                      </p:cBhvr>
+                                    </p:animEffect>
+                                  </p:childTnLst>
+                                </p:cTn>
+                              </p:par>
+                            </p:childTnLst>
+                          </p:cTn>
+                        </p:par>
+                      </p:childTnLst>
+                    </p:cTn>
+                  </p:par>
+                </p:childTnLst>
+              </p:cTn>
+              <p:prevCondLst>
+                <p:cond evt="onPrev" delay="0">
+                  <p:tgtEl>
+                    <p:sldTgt/>
+                  </p:tgtEl>
+                </p:cond>
+              </p:prevCondLst>
+              <p:nextCondLst>
+                <p:cond evt="onNext" delay="0">
+                  <p:tgtEl>
+                    <p:sldTgt/>
+                  </p:tgtEl>
+                </p:cond>
+              </p:nextCondLst>
+            </p:seq>
+          </p:childTnLst>
+        </p:cTn>
+      </p:par>
+    </p:tnLst>
+    <p:bldLst>
+      <p:bldP spid="3" grpId="0" build="p"/>
+    </p:bldLst>
+  </p:timing>
+</p:sld>
+</file>
+
+<file path=ppt/slides/slide24.xml><?xml version="1.0" encoding="utf-8"?>
+<p:sld xmlns:a="http://schemas.openxmlformats.org/drawingml/2006/main" xmlns:r="http://schemas.openxmlformats.org/officeDocument/2006/relationships" xmlns:p="http://schemas.openxmlformats.org/presentationml/2006/main">
+  <p:cSld>
+    <p:bg>
+      <p:bgPr>
+        <a:solidFill>
+          <a:schemeClr val="bg1">
+            <a:lumMod val="95000"/>
+          </a:schemeClr>
+        </a:solidFill>
+        <a:effectLst/>
+      </p:bgPr>
+    </p:bg>
+    <p:spTree>
+      <p:nvGrpSpPr>
+        <p:cNvPr id="1" name=""/>
+        <p:cNvGrpSpPr/>
+        <p:nvPr/>
+      </p:nvGrpSpPr>
+      <p:grpSpPr>
+        <a:xfrm>
+          <a:off x="0" y="0"/>
+          <a:ext cx="0" cy="0"/>
+          <a:chOff x="0" y="0"/>
+          <a:chExt cx="0" cy="0"/>
+        </a:xfrm>
+      </p:grpSpPr>
+      <p:sp>
+        <p:nvSpPr>
+          <p:cNvPr id="2" name="Title 1">
+            <a:extLst>
+              <a:ext uri="{FF2B5EF4-FFF2-40B4-BE49-F238E27FC236}">
+                <a16:creationId xmlns:a16="http://schemas.microsoft.com/office/drawing/2014/main" id="{C331870C-40A2-496A-A4E3-22FC8810B18C}"/>
+              </a:ext>
+            </a:extLst>
+          </p:cNvPr>
+          <p:cNvSpPr>
+            <a:spLocks noGrp="1"/>
+          </p:cNvSpPr>
+          <p:nvPr>
+            <p:ph type="title"/>
+          </p:nvPr>
+        </p:nvSpPr>
+        <p:spPr>
+          <a:xfrm>
+            <a:off x="804672" y="964692"/>
+            <a:ext cx="3066937" cy="1188720"/>
+          </a:xfrm>
+        </p:spPr>
+        <p:txBody>
+          <a:bodyPr>
+            <a:normAutofit/>
+          </a:bodyPr>
+          <a:lstStyle/>
+          <a:p>
+            <a:r>
+              <a:rPr lang="en-US" dirty="0"/>
+              <a:t>Check  for  check</a:t>
+            </a:r>
+          </a:p>
+        </p:txBody>
+      </p:sp>
+      <p:sp>
+        <p:nvSpPr>
+          <p:cNvPr id="3" name="Content Placeholder 2">
+            <a:extLst>
+              <a:ext uri="{FF2B5EF4-FFF2-40B4-BE49-F238E27FC236}">
+                <a16:creationId xmlns:a16="http://schemas.microsoft.com/office/drawing/2014/main" id="{35348BD2-FD68-4902-BEC0-C955BFFD3C8D}"/>
+              </a:ext>
+            </a:extLst>
+          </p:cNvPr>
+          <p:cNvSpPr>
+            <a:spLocks noGrp="1"/>
+          </p:cNvSpPr>
+          <p:nvPr>
+            <p:ph idx="1"/>
+          </p:nvPr>
+        </p:nvSpPr>
+        <p:spPr>
+          <a:xfrm>
+            <a:off x="803244" y="2638044"/>
+            <a:ext cx="3063765" cy="3263206"/>
+          </a:xfrm>
+        </p:spPr>
+        <p:txBody>
+          <a:bodyPr>
+            <a:normAutofit/>
+          </a:bodyPr>
+          <a:lstStyle/>
+          <a:p>
+            <a:pPr>
+              <a:lnSpc>
+                <a:spcPct val="90000"/>
+              </a:lnSpc>
+            </a:pPr>
+            <a:r>
+              <a:rPr lang="en-US" sz="1700" dirty="0"/>
+              <a:t>Because of our three-way approach to storing the pieces, checking for a check is incredibly easy</a:t>
+            </a:r>
+          </a:p>
+          <a:p>
+            <a:pPr>
+              <a:lnSpc>
+                <a:spcPct val="90000"/>
+              </a:lnSpc>
+            </a:pPr>
+            <a:r>
+              <a:rPr lang="en-US" sz="1700" dirty="0"/>
+              <a:t>Loop over the opposing pieces</a:t>
+            </a:r>
+          </a:p>
+          <a:p>
+            <a:pPr>
+              <a:lnSpc>
+                <a:spcPct val="90000"/>
+              </a:lnSpc>
+            </a:pPr>
+            <a:r>
+              <a:rPr lang="en-US" sz="1700" dirty="0"/>
+              <a:t>Each one tries to kill the king</a:t>
+            </a:r>
+          </a:p>
+          <a:p>
+            <a:pPr>
+              <a:lnSpc>
+                <a:spcPct val="90000"/>
+              </a:lnSpc>
+            </a:pPr>
+            <a:r>
+              <a:rPr lang="en-US" sz="1700" dirty="0"/>
+              <a:t>If it’s able to, check</a:t>
+            </a:r>
+          </a:p>
+          <a:p>
+            <a:pPr>
+              <a:lnSpc>
+                <a:spcPct val="90000"/>
+              </a:lnSpc>
+            </a:pPr>
+            <a:r>
+              <a:rPr lang="en-US" sz="1700" dirty="0"/>
+              <a:t>If not, try the next piece</a:t>
+            </a:r>
+          </a:p>
+          <a:p>
+            <a:pPr>
+              <a:lnSpc>
+                <a:spcPct val="90000"/>
+              </a:lnSpc>
+            </a:pPr>
+            <a:r>
+              <a:rPr lang="en-US" sz="1700" dirty="0"/>
+              <a:t>If all pieces fail, no check</a:t>
+            </a:r>
+          </a:p>
+        </p:txBody>
+      </p:sp>
+      <p:sp>
+        <p:nvSpPr>
+          <p:cNvPr id="10" name="Rectangle 9">
+            <a:extLst>
+              <a:ext uri="{FF2B5EF4-FFF2-40B4-BE49-F238E27FC236}">
+                <a16:creationId xmlns:a16="http://schemas.microsoft.com/office/drawing/2014/main" id="{6515FC82-3453-4CBE-8895-4CCFF339529E}"/>
+              </a:ext>
+              <a:ext uri="{C183D7F6-B498-43B3-948B-1728B52AA6E4}">
+                <adec:decorative xmlns:adec="http://schemas.microsoft.com/office/drawing/2017/decorative" val="1"/>
+              </a:ext>
+            </a:extLst>
+          </p:cNvPr>
+          <p:cNvSpPr>
+            <a:spLocks noGrp="1" noRot="1" noChangeAspect="1" noMove="1" noResize="1" noEditPoints="1" noAdjustHandles="1" noChangeArrowheads="1" noChangeShapeType="1" noTextEdit="1"/>
+          </p:cNvSpPr>
+          <p:nvPr>
+            <p:extLst>
+              <p:ext uri="{386F3935-93C4-4BCD-93E2-E3B085C9AB24}">
+                <p16:designElem xmlns:p16="http://schemas.microsoft.com/office/powerpoint/2015/main" val="1"/>
+              </p:ext>
+            </p:extLst>
+          </p:nvPr>
+        </p:nvSpPr>
+        <p:spPr>
+          <a:xfrm>
+            <a:off x="4494182" y="964692"/>
+            <a:ext cx="6885432" cy="4936558"/>
+          </a:xfrm>
+          <a:prstGeom prst="rect">
+            <a:avLst/>
+          </a:prstGeom>
+          <a:noFill/>
+          <a:ln w="31750" cap="sq">
+            <a:solidFill>
+              <a:srgbClr val="FFFFFF"/>
+            </a:solidFill>
+            <a:miter lim="800000"/>
+          </a:ln>
+        </p:spPr>
+        <p:style>
+          <a:lnRef idx="2">
+            <a:schemeClr val="accent1">
+              <a:shade val="50000"/>
+            </a:schemeClr>
+          </a:lnRef>
+          <a:fillRef idx="1">
+            <a:schemeClr val="accent1"/>
+          </a:fillRef>
+          <a:effectRef idx="0">
+            <a:schemeClr val="accent1"/>
+          </a:effectRef>
+          <a:fontRef idx="minor">
+            <a:schemeClr val="lt1"/>
+          </a:fontRef>
+        </p:style>
+        <p:txBody>
+          <a:bodyPr rtlCol="0" anchor="ctr"/>
+          <a:lstStyle/>
+          <a:p>
+            <a:pPr algn="ctr"/>
+            <a:endParaRPr lang="en-US" dirty="0"/>
+          </a:p>
+        </p:txBody>
+      </p:sp>
+      <p:sp>
+        <p:nvSpPr>
+          <p:cNvPr id="12" name="Rectangle 11">
+            <a:extLst>
+              <a:ext uri="{FF2B5EF4-FFF2-40B4-BE49-F238E27FC236}">
+                <a16:creationId xmlns:a16="http://schemas.microsoft.com/office/drawing/2014/main" id="{C5FD847B-65C0-4027-8DFC-70CB424514F8}"/>
+              </a:ext>
+              <a:ext uri="{C183D7F6-B498-43B3-948B-1728B52AA6E4}">
+                <adec:decorative xmlns:adec="http://schemas.microsoft.com/office/drawing/2017/decorative" val="1"/>
+              </a:ext>
+            </a:extLst>
+          </p:cNvPr>
+          <p:cNvSpPr>
+            <a:spLocks noGrp="1" noRot="1" noChangeAspect="1" noMove="1" noResize="1" noEditPoints="1" noAdjustHandles="1" noChangeArrowheads="1" noChangeShapeType="1" noTextEdit="1"/>
+          </p:cNvSpPr>
+          <p:nvPr>
+            <p:extLst>
+              <p:ext uri="{386F3935-93C4-4BCD-93E2-E3B085C9AB24}">
+                <p16:designElem xmlns:p16="http://schemas.microsoft.com/office/powerpoint/2015/main" val="1"/>
+              </p:ext>
+            </p:extLst>
+          </p:nvPr>
+        </p:nvSpPr>
+        <p:spPr>
+          <a:xfrm>
+            <a:off x="4657802" y="1128683"/>
+            <a:ext cx="6558192" cy="4608576"/>
+          </a:xfrm>
+          <a:prstGeom prst="rect">
+            <a:avLst/>
+          </a:prstGeom>
+          <a:solidFill>
+            <a:schemeClr val="bg1"/>
+          </a:solidFill>
+          <a:ln>
+            <a:noFill/>
+          </a:ln>
+        </p:spPr>
+        <p:style>
+          <a:lnRef idx="2">
+            <a:schemeClr val="accent1">
+              <a:shade val="50000"/>
+            </a:schemeClr>
+          </a:lnRef>
+          <a:fillRef idx="1">
+            <a:schemeClr val="accent1"/>
+          </a:fillRef>
+          <a:effectRef idx="0">
+            <a:schemeClr val="accent1"/>
+          </a:effectRef>
+          <a:fontRef idx="minor">
+            <a:schemeClr val="lt1"/>
+          </a:fontRef>
+        </p:style>
+        <p:txBody>
+          <a:bodyPr rtlCol="0" anchor="ctr"/>
+          <a:lstStyle/>
+          <a:p>
+            <a:pPr algn="ctr"/>
+            <a:endParaRPr lang="en-US"/>
+          </a:p>
+        </p:txBody>
+      </p:sp>
+      <p:pic>
+        <p:nvPicPr>
+          <p:cNvPr id="5" name="Picture 4" descr="A screenshot of a cell phone&#10;&#10;Description automatically generated">
+            <a:extLst>
+              <a:ext uri="{FF2B5EF4-FFF2-40B4-BE49-F238E27FC236}">
+                <a16:creationId xmlns:a16="http://schemas.microsoft.com/office/drawing/2014/main" id="{0642B154-0CEC-4B96-BD10-E155A8A9517D}"/>
+              </a:ext>
+            </a:extLst>
+          </p:cNvPr>
+          <p:cNvPicPr>
+            <a:picLocks noChangeAspect="1"/>
+          </p:cNvPicPr>
+          <p:nvPr/>
+        </p:nvPicPr>
+        <p:blipFill>
+          <a:blip r:embed="rId2">
+            <a:extLst>
+              <a:ext uri="{28A0092B-C50C-407E-A947-70E740481C1C}">
+                <a14:useLocalDpi xmlns:a14="http://schemas.microsoft.com/office/drawing/2010/main" val="0"/>
+              </a:ext>
+            </a:extLst>
+          </a:blip>
+          <a:stretch>
+            <a:fillRect/>
+          </a:stretch>
+        </p:blipFill>
+        <p:spPr>
+          <a:xfrm>
+            <a:off x="4823366" y="2358802"/>
+            <a:ext cx="6227064" cy="2148338"/>
+          </a:xfrm>
+          <a:prstGeom prst="rect">
+            <a:avLst/>
+          </a:prstGeom>
+        </p:spPr>
+      </p:pic>
+      <p:sp>
+        <p:nvSpPr>
+          <p:cNvPr id="8" name="Rectangle 7">
+            <a:extLst>
+              <a:ext uri="{FF2B5EF4-FFF2-40B4-BE49-F238E27FC236}">
+                <a16:creationId xmlns:a16="http://schemas.microsoft.com/office/drawing/2014/main" id="{1B796FAB-6E26-4BD2-9CEF-8F005EF3B5CB}"/>
+              </a:ext>
+            </a:extLst>
+          </p:cNvPr>
+          <p:cNvSpPr/>
+          <p:nvPr/>
+        </p:nvSpPr>
+        <p:spPr>
+          <a:xfrm>
+            <a:off x="5148274" y="3052483"/>
+            <a:ext cx="5983966" cy="242046"/>
+          </a:xfrm>
+          <a:prstGeom prst="rect">
+            <a:avLst/>
+          </a:prstGeom>
+          <a:ln>
+            <a:noFill/>
+          </a:ln>
+        </p:spPr>
+        <p:style>
+          <a:lnRef idx="2">
+            <a:schemeClr val="dk1"/>
+          </a:lnRef>
+          <a:fillRef idx="1">
+            <a:schemeClr val="lt1"/>
+          </a:fillRef>
+          <a:effectRef idx="0">
+            <a:schemeClr val="dk1"/>
+          </a:effectRef>
+          <a:fontRef idx="minor">
+            <a:schemeClr val="dk1"/>
+          </a:fontRef>
+        </p:style>
+        <p:txBody>
+          <a:bodyPr rtlCol="0" anchor="ctr"/>
+          <a:lstStyle/>
+          <a:p>
+            <a:pPr algn="ctr"/>
+            <a:endParaRPr lang="en-US" dirty="0"/>
+          </a:p>
+        </p:txBody>
+      </p:sp>
+      <p:sp>
+        <p:nvSpPr>
+          <p:cNvPr id="9" name="Rectangle 8">
+            <a:extLst>
+              <a:ext uri="{FF2B5EF4-FFF2-40B4-BE49-F238E27FC236}">
+                <a16:creationId xmlns:a16="http://schemas.microsoft.com/office/drawing/2014/main" id="{CD885FEA-DC9B-46EF-BC10-AA46FADCCFC7}"/>
+              </a:ext>
+            </a:extLst>
+          </p:cNvPr>
+          <p:cNvSpPr/>
+          <p:nvPr/>
+        </p:nvSpPr>
+        <p:spPr>
+          <a:xfrm>
+            <a:off x="5148274" y="3294528"/>
+            <a:ext cx="5983966" cy="454511"/>
+          </a:xfrm>
+          <a:prstGeom prst="rect">
+            <a:avLst/>
+          </a:prstGeom>
+          <a:ln>
+            <a:noFill/>
+          </a:ln>
+        </p:spPr>
+        <p:style>
+          <a:lnRef idx="2">
+            <a:schemeClr val="dk1"/>
+          </a:lnRef>
+          <a:fillRef idx="1">
+            <a:schemeClr val="lt1"/>
+          </a:fillRef>
+          <a:effectRef idx="0">
+            <a:schemeClr val="dk1"/>
+          </a:effectRef>
+          <a:fontRef idx="minor">
+            <a:schemeClr val="dk1"/>
+          </a:fontRef>
+        </p:style>
+        <p:txBody>
+          <a:bodyPr rtlCol="0" anchor="ctr"/>
+          <a:lstStyle/>
+          <a:p>
+            <a:pPr algn="ctr"/>
+            <a:endParaRPr lang="en-US" dirty="0"/>
+          </a:p>
+        </p:txBody>
+      </p:sp>
+      <p:sp>
+        <p:nvSpPr>
+          <p:cNvPr id="11" name="Rectangle 10">
+            <a:extLst>
+              <a:ext uri="{FF2B5EF4-FFF2-40B4-BE49-F238E27FC236}">
+                <a16:creationId xmlns:a16="http://schemas.microsoft.com/office/drawing/2014/main" id="{37A72FFB-CF80-40E7-AD4D-936C9EFED2D5}"/>
+              </a:ext>
+            </a:extLst>
+          </p:cNvPr>
+          <p:cNvSpPr/>
+          <p:nvPr/>
+        </p:nvSpPr>
+        <p:spPr>
+          <a:xfrm>
+            <a:off x="5313838" y="3749039"/>
+            <a:ext cx="5983966" cy="188645"/>
+          </a:xfrm>
+          <a:prstGeom prst="rect">
+            <a:avLst/>
+          </a:prstGeom>
+          <a:ln>
+            <a:noFill/>
+          </a:ln>
+        </p:spPr>
+        <p:style>
+          <a:lnRef idx="2">
+            <a:schemeClr val="dk1"/>
+          </a:lnRef>
+          <a:fillRef idx="1">
+            <a:schemeClr val="lt1"/>
+          </a:fillRef>
+          <a:effectRef idx="0">
+            <a:schemeClr val="dk1"/>
+          </a:effectRef>
+          <a:fontRef idx="minor">
+            <a:schemeClr val="dk1"/>
+          </a:fontRef>
+        </p:style>
+        <p:txBody>
+          <a:bodyPr rtlCol="0" anchor="ctr"/>
+          <a:lstStyle/>
+          <a:p>
+            <a:pPr algn="ctr"/>
+            <a:endParaRPr lang="en-US" dirty="0"/>
+          </a:p>
+        </p:txBody>
+      </p:sp>
+      <p:sp>
+        <p:nvSpPr>
+          <p:cNvPr id="13" name="Rectangle 12">
+            <a:extLst>
+              <a:ext uri="{FF2B5EF4-FFF2-40B4-BE49-F238E27FC236}">
+                <a16:creationId xmlns:a16="http://schemas.microsoft.com/office/drawing/2014/main" id="{71FA4459-A1F2-4EE9-A982-8CDAE513B393}"/>
+              </a:ext>
+            </a:extLst>
+          </p:cNvPr>
+          <p:cNvSpPr/>
+          <p:nvPr/>
+        </p:nvSpPr>
+        <p:spPr>
+          <a:xfrm>
+            <a:off x="5184298" y="3988210"/>
+            <a:ext cx="5983966" cy="188645"/>
+          </a:xfrm>
+          <a:prstGeom prst="rect">
+            <a:avLst/>
+          </a:prstGeom>
+          <a:ln>
+            <a:noFill/>
+          </a:ln>
+        </p:spPr>
+        <p:style>
+          <a:lnRef idx="2">
+            <a:schemeClr val="dk1"/>
+          </a:lnRef>
+          <a:fillRef idx="1">
+            <a:schemeClr val="lt1"/>
+          </a:fillRef>
+          <a:effectRef idx="0">
+            <a:schemeClr val="dk1"/>
+          </a:effectRef>
+          <a:fontRef idx="minor">
+            <a:schemeClr val="dk1"/>
+          </a:fontRef>
+        </p:style>
+        <p:txBody>
+          <a:bodyPr rtlCol="0" anchor="ctr"/>
+          <a:lstStyle/>
+          <a:p>
+            <a:pPr algn="ctr"/>
+            <a:endParaRPr lang="en-US" dirty="0"/>
+          </a:p>
+        </p:txBody>
+      </p:sp>
+    </p:spTree>
+    <p:extLst>
+      <p:ext uri="{BB962C8B-B14F-4D97-AF65-F5344CB8AC3E}">
+        <p14:creationId xmlns:p14="http://schemas.microsoft.com/office/powerpoint/2010/main" val="1846410963"/>
+      </p:ext>
+    </p:extLst>
+  </p:cSld>
+  <p:clrMapOvr>
+    <a:masterClrMapping/>
+  </p:clrMapOvr>
+  <p:timing>
+    <p:tnLst>
+      <p:par>
+        <p:cTn id="1" dur="indefinite" restart="never" nodeType="tmRoot">
+          <p:childTnLst>
+            <p:seq concurrent="1" nextAc="seek">
+              <p:cTn id="2" dur="indefinite" nodeType="mainSeq">
+                <p:childTnLst>
+                  <p:par>
+                    <p:cTn id="3" fill="hold">
+                      <p:stCondLst>
+                        <p:cond delay="indefinite"/>
+                      </p:stCondLst>
+                      <p:childTnLst>
+                        <p:par>
+                          <p:cTn id="4" fill="hold">
+                            <p:stCondLst>
+                              <p:cond delay="0"/>
+                            </p:stCondLst>
+                            <p:childTnLst>
+                              <p:par>
+                                <p:cTn id="5" presetID="10" presetClass="entr" presetSubtype="0" fill="hold" grpId="0" nodeType="clickEffect">
+                                  <p:stCondLst>
+                                    <p:cond delay="0"/>
+                                  </p:stCondLst>
+                                  <p:childTnLst>
+                                    <p:set>
+                                      <p:cBhvr>
+                                        <p:cTn id="6" dur="1" fill="hold">
+                                          <p:stCondLst>
+                                            <p:cond delay="0"/>
+                                          </p:stCondLst>
+                                        </p:cTn>
+                                        <p:tgtEl>
+                                          <p:spTgt spid="3">
+                                            <p:txEl>
+                                              <p:pRg st="0" end="0"/>
+                                            </p:txEl>
+                                          </p:spTgt>
+                                        </p:tgtEl>
+                                        <p:attrNameLst>
+                                          <p:attrName>style.visibility</p:attrName>
+                                        </p:attrNameLst>
+                                      </p:cBhvr>
+                                      <p:to>
+                                        <p:strVal val="visible"/>
+                                      </p:to>
+                                    </p:set>
+                                    <p:animEffect transition="in" filter="fade">
+                                      <p:cBhvr>
+                                        <p:cTn id="7" dur="500"/>
+                                        <p:tgtEl>
+                                          <p:spTgt spid="3">
+                                            <p:txEl>
+                                              <p:pRg st="0" end="0"/>
+                                            </p:txEl>
+                                          </p:spTgt>
+                                        </p:tgtEl>
+                                      </p:cBhvr>
+                                    </p:animEffect>
+                                  </p:childTnLst>
+                                </p:cTn>
+                              </p:par>
+                              <p:par>
+                                <p:cTn id="8" presetID="1" presetClass="entr" presetSubtype="0" fill="hold" nodeType="withEffect">
+                                  <p:stCondLst>
+                                    <p:cond delay="0"/>
+                                  </p:stCondLst>
+                                  <p:childTnLst>
+                                    <p:set>
+                                      <p:cBhvr>
+                                        <p:cTn id="9" dur="1" fill="hold">
+                                          <p:stCondLst>
+                                            <p:cond delay="0"/>
+                                          </p:stCondLst>
+                                        </p:cTn>
+                                        <p:tgtEl>
+                                          <p:spTgt spid="5"/>
+                                        </p:tgtEl>
+                                        <p:attrNameLst>
+                                          <p:attrName>style.visibility</p:attrName>
+                                        </p:attrNameLst>
+                                      </p:cBhvr>
+                                      <p:to>
+                                        <p:strVal val="visible"/>
+                                      </p:to>
+                                    </p:set>
+                                  </p:childTnLst>
+                                </p:cTn>
+                              </p:par>
+                            </p:childTnLst>
+                          </p:cTn>
+                        </p:par>
+                      </p:childTnLst>
+                    </p:cTn>
+                  </p:par>
+                  <p:par>
+                    <p:cTn id="10" fill="hold">
+                      <p:stCondLst>
+                        <p:cond delay="indefinite"/>
+                      </p:stCondLst>
+                      <p:childTnLst>
+                        <p:par>
+                          <p:cTn id="11" fill="hold">
+                            <p:stCondLst>
+                              <p:cond delay="0"/>
+                            </p:stCondLst>
+                            <p:childTnLst>
+                              <p:par>
+                                <p:cTn id="12" presetID="10" presetClass="entr" presetSubtype="0" fill="hold" grpId="0" nodeType="clickEffect">
+                                  <p:stCondLst>
+                                    <p:cond delay="0"/>
+                                  </p:stCondLst>
+                                  <p:childTnLst>
+                                    <p:set>
+                                      <p:cBhvr>
+                                        <p:cTn id="13" dur="1" fill="hold">
+                                          <p:stCondLst>
+                                            <p:cond delay="0"/>
+                                          </p:stCondLst>
+                                        </p:cTn>
+                                        <p:tgtEl>
+                                          <p:spTgt spid="3">
+                                            <p:txEl>
+                                              <p:pRg st="1" end="1"/>
+                                            </p:txEl>
+                                          </p:spTgt>
+                                        </p:tgtEl>
+                                        <p:attrNameLst>
+                                          <p:attrName>style.visibility</p:attrName>
+                                        </p:attrNameLst>
+                                      </p:cBhvr>
+                                      <p:to>
+                                        <p:strVal val="visible"/>
+                                      </p:to>
+                                    </p:set>
+                                    <p:animEffect transition="in" filter="fade">
+                                      <p:cBhvr>
+                                        <p:cTn id="14" dur="500"/>
+                                        <p:tgtEl>
+                                          <p:spTgt spid="3">
+                                            <p:txEl>
+                                              <p:pRg st="1" end="1"/>
+                                            </p:txEl>
+                                          </p:spTgt>
+                                        </p:tgtEl>
+                                      </p:cBhvr>
+                                    </p:animEffect>
+                                  </p:childTnLst>
+                                </p:cTn>
+                              </p:par>
+                              <p:par>
+                                <p:cTn id="15" presetID="1" presetClass="exit" presetSubtype="0" fill="hold" grpId="0" nodeType="withEffect">
+                                  <p:stCondLst>
+                                    <p:cond delay="0"/>
+                                  </p:stCondLst>
+                                  <p:childTnLst>
+                                    <p:set>
+                                      <p:cBhvr>
+                                        <p:cTn id="16" dur="1" fill="hold">
+                                          <p:stCondLst>
+                                            <p:cond delay="0"/>
+                                          </p:stCondLst>
+                                        </p:cTn>
+                                        <p:tgtEl>
+                                          <p:spTgt spid="8"/>
+                                        </p:tgtEl>
+                                        <p:attrNameLst>
+                                          <p:attrName>style.visibility</p:attrName>
+                                        </p:attrNameLst>
+                                      </p:cBhvr>
+                                      <p:to>
+                                        <p:strVal val="hidden"/>
+                                      </p:to>
+                                    </p:set>
+                                  </p:childTnLst>
+                                </p:cTn>
+                              </p:par>
+                            </p:childTnLst>
+                          </p:cTn>
+                        </p:par>
+                      </p:childTnLst>
+                    </p:cTn>
+                  </p:par>
+                  <p:par>
+                    <p:cTn id="17" fill="hold">
+                      <p:stCondLst>
+                        <p:cond delay="indefinite"/>
+                      </p:stCondLst>
+                      <p:childTnLst>
+                        <p:par>
+                          <p:cTn id="18" fill="hold">
+                            <p:stCondLst>
+                              <p:cond delay="0"/>
+                            </p:stCondLst>
+                            <p:childTnLst>
+                              <p:par>
+                                <p:cTn id="19" presetID="10" presetClass="entr" presetSubtype="0" fill="hold" grpId="0" nodeType="clickEffect">
+                                  <p:stCondLst>
+                                    <p:cond delay="0"/>
+                                  </p:stCondLst>
+                                  <p:childTnLst>
+                                    <p:set>
+                                      <p:cBhvr>
+                                        <p:cTn id="20" dur="1" fill="hold">
+                                          <p:stCondLst>
+                                            <p:cond delay="0"/>
+                                          </p:stCondLst>
+                                        </p:cTn>
+                                        <p:tgtEl>
+                                          <p:spTgt spid="3">
+                                            <p:txEl>
+                                              <p:pRg st="2" end="2"/>
+                                            </p:txEl>
+                                          </p:spTgt>
+                                        </p:tgtEl>
+                                        <p:attrNameLst>
+                                          <p:attrName>style.visibility</p:attrName>
+                                        </p:attrNameLst>
+                                      </p:cBhvr>
+                                      <p:to>
+                                        <p:strVal val="visible"/>
+                                      </p:to>
+                                    </p:set>
+                                    <p:animEffect transition="in" filter="fade">
+                                      <p:cBhvr>
+                                        <p:cTn id="21" dur="500"/>
+                                        <p:tgtEl>
+                                          <p:spTgt spid="3">
+                                            <p:txEl>
+                                              <p:pRg st="2" end="2"/>
+                                            </p:txEl>
+                                          </p:spTgt>
+                                        </p:tgtEl>
+                                      </p:cBhvr>
+                                    </p:animEffect>
+                                  </p:childTnLst>
+                                </p:cTn>
+                              </p:par>
+                              <p:par>
+                                <p:cTn id="22" presetID="1" presetClass="exit" presetSubtype="0" fill="hold" grpId="0" nodeType="withEffect">
+                                  <p:stCondLst>
+                                    <p:cond delay="0"/>
+                                  </p:stCondLst>
+                                  <p:childTnLst>
+                                    <p:set>
+                                      <p:cBhvr>
+                                        <p:cTn id="23" dur="1" fill="hold">
+                                          <p:stCondLst>
+                                            <p:cond delay="0"/>
+                                          </p:stCondLst>
+                                        </p:cTn>
+                                        <p:tgtEl>
+                                          <p:spTgt spid="9"/>
+                                        </p:tgtEl>
+                                        <p:attrNameLst>
+                                          <p:attrName>style.visibility</p:attrName>
+                                        </p:attrNameLst>
+                                      </p:cBhvr>
+                                      <p:to>
+                                        <p:strVal val="hidden"/>
+                                      </p:to>
+                                    </p:set>
+                                  </p:childTnLst>
+                                </p:cTn>
+                              </p:par>
+                            </p:childTnLst>
+                          </p:cTn>
+                        </p:par>
+                      </p:childTnLst>
+                    </p:cTn>
+                  </p:par>
+                  <p:par>
+                    <p:cTn id="24" fill="hold">
+                      <p:stCondLst>
+                        <p:cond delay="indefinite"/>
+                      </p:stCondLst>
+                      <p:childTnLst>
+                        <p:par>
+                          <p:cTn id="25" fill="hold">
+                            <p:stCondLst>
+                              <p:cond delay="0"/>
+                            </p:stCondLst>
+                            <p:childTnLst>
+                              <p:par>
+                                <p:cTn id="26" presetID="10" presetClass="entr" presetSubtype="0" fill="hold" grpId="0" nodeType="clickEffect">
+                                  <p:stCondLst>
+                                    <p:cond delay="0"/>
+                                  </p:stCondLst>
+                                  <p:childTnLst>
+                                    <p:set>
+                                      <p:cBhvr>
+                                        <p:cTn id="27" dur="1" fill="hold">
+                                          <p:stCondLst>
+                                            <p:cond delay="0"/>
+                                          </p:stCondLst>
+                                        </p:cTn>
+                                        <p:tgtEl>
+                                          <p:spTgt spid="3">
+                                            <p:txEl>
+                                              <p:pRg st="3" end="3"/>
+                                            </p:txEl>
+                                          </p:spTgt>
+                                        </p:tgtEl>
+                                        <p:attrNameLst>
+                                          <p:attrName>style.visibility</p:attrName>
+                                        </p:attrNameLst>
+                                      </p:cBhvr>
+                                      <p:to>
+                                        <p:strVal val="visible"/>
+                                      </p:to>
+                                    </p:set>
+                                    <p:animEffect transition="in" filter="fade">
+                                      <p:cBhvr>
+                                        <p:cTn id="28" dur="500"/>
+                                        <p:tgtEl>
+                                          <p:spTgt spid="3">
+                                            <p:txEl>
+                                              <p:pRg st="3" end="3"/>
+                                            </p:txEl>
+                                          </p:spTgt>
+                                        </p:tgtEl>
+                                      </p:cBhvr>
+                                    </p:animEffect>
+                                  </p:childTnLst>
+                                </p:cTn>
+                              </p:par>
+                              <p:par>
+                                <p:cTn id="29" presetID="1" presetClass="exit" presetSubtype="0" fill="hold" grpId="0" nodeType="withEffect">
+                                  <p:stCondLst>
+                                    <p:cond delay="0"/>
+                                  </p:stCondLst>
+                                  <p:childTnLst>
+                                    <p:set>
+                                      <p:cBhvr>
+                                        <p:cTn id="30" dur="1" fill="hold">
+                                          <p:stCondLst>
+                                            <p:cond delay="0"/>
+                                          </p:stCondLst>
+                                        </p:cTn>
+                                        <p:tgtEl>
+                                          <p:spTgt spid="11"/>
+                                        </p:tgtEl>
+                                        <p:attrNameLst>
+                                          <p:attrName>style.visibility</p:attrName>
+                                        </p:attrNameLst>
+                                      </p:cBhvr>
+                                      <p:to>
+                                        <p:strVal val="hidden"/>
+                                      </p:to>
+                                    </p:set>
+                                  </p:childTnLst>
+                                </p:cTn>
+                              </p:par>
+                            </p:childTnLst>
+                          </p:cTn>
+                        </p:par>
+                      </p:childTnLst>
+                    </p:cTn>
+                  </p:par>
+                  <p:par>
+                    <p:cTn id="31" fill="hold">
+                      <p:stCondLst>
+                        <p:cond delay="indefinite"/>
+                      </p:stCondLst>
+                      <p:childTnLst>
+                        <p:par>
+                          <p:cTn id="32" fill="hold">
+                            <p:stCondLst>
+                              <p:cond delay="0"/>
+                            </p:stCondLst>
+                            <p:childTnLst>
+                              <p:par>
+                                <p:cTn id="33" presetID="10" presetClass="entr" presetSubtype="0" fill="hold" grpId="0" nodeType="clickEffect">
+                                  <p:stCondLst>
+                                    <p:cond delay="0"/>
+                                  </p:stCondLst>
+                                  <p:childTnLst>
+                                    <p:set>
+                                      <p:cBhvr>
+                                        <p:cTn id="34" dur="1" fill="hold">
+                                          <p:stCondLst>
+                                            <p:cond delay="0"/>
+                                          </p:stCondLst>
+                                        </p:cTn>
+                                        <p:tgtEl>
+                                          <p:spTgt spid="3">
+                                            <p:txEl>
+                                              <p:pRg st="4" end="4"/>
+                                            </p:txEl>
+                                          </p:spTgt>
+                                        </p:tgtEl>
+                                        <p:attrNameLst>
+                                          <p:attrName>style.visibility</p:attrName>
+                                        </p:attrNameLst>
+                                      </p:cBhvr>
+                                      <p:to>
+                                        <p:strVal val="visible"/>
+                                      </p:to>
+                                    </p:set>
+                                    <p:animEffect transition="in" filter="fade">
+                                      <p:cBhvr>
+                                        <p:cTn id="35" dur="500"/>
+                                        <p:tgtEl>
+                                          <p:spTgt spid="3">
+                                            <p:txEl>
+                                              <p:pRg st="4" end="4"/>
+                                            </p:txEl>
+                                          </p:spTgt>
+                                        </p:tgtEl>
+                                      </p:cBhvr>
+                                    </p:animEffect>
+                                  </p:childTnLst>
+                                </p:cTn>
+                              </p:par>
+                            </p:childTnLst>
+                          </p:cTn>
+                        </p:par>
+                      </p:childTnLst>
+                    </p:cTn>
+                  </p:par>
+                  <p:par>
+                    <p:cTn id="36" fill="hold">
+                      <p:stCondLst>
+                        <p:cond delay="indefinite"/>
+                      </p:stCondLst>
+                      <p:childTnLst>
+                        <p:par>
+                          <p:cTn id="37" fill="hold">
+                            <p:stCondLst>
+                              <p:cond delay="0"/>
+                            </p:stCondLst>
+                            <p:childTnLst>
+                              <p:par>
+                                <p:cTn id="38" presetID="10" presetClass="entr" presetSubtype="0" fill="hold" grpId="0" nodeType="clickEffect">
+                                  <p:stCondLst>
+                                    <p:cond delay="0"/>
+                                  </p:stCondLst>
+                                  <p:childTnLst>
+                                    <p:set>
+                                      <p:cBhvr>
+                                        <p:cTn id="39" dur="1" fill="hold">
+                                          <p:stCondLst>
+                                            <p:cond delay="0"/>
+                                          </p:stCondLst>
+                                        </p:cTn>
+                                        <p:tgtEl>
+                                          <p:spTgt spid="3">
+                                            <p:txEl>
+                                              <p:pRg st="5" end="5"/>
+                                            </p:txEl>
+                                          </p:spTgt>
+                                        </p:tgtEl>
+                                        <p:attrNameLst>
+                                          <p:attrName>style.visibility</p:attrName>
+                                        </p:attrNameLst>
+                                      </p:cBhvr>
+                                      <p:to>
+                                        <p:strVal val="visible"/>
+                                      </p:to>
+                                    </p:set>
+                                    <p:animEffect transition="in" filter="fade">
+                                      <p:cBhvr>
+                                        <p:cTn id="40" dur="500"/>
+                                        <p:tgtEl>
+                                          <p:spTgt spid="3">
+                                            <p:txEl>
+                                              <p:pRg st="5" end="5"/>
+                                            </p:txEl>
+                                          </p:spTgt>
+                                        </p:tgtEl>
+                                      </p:cBhvr>
+                                    </p:animEffect>
+                                  </p:childTnLst>
+                                </p:cTn>
+                              </p:par>
+                              <p:par>
+                                <p:cTn id="41" presetID="1" presetClass="exit" presetSubtype="0" fill="hold" grpId="0" nodeType="withEffect">
+                                  <p:stCondLst>
+                                    <p:cond delay="0"/>
+                                  </p:stCondLst>
+                                  <p:childTnLst>
+                                    <p:set>
+                                      <p:cBhvr>
+                                        <p:cTn id="42" dur="1" fill="hold">
+                                          <p:stCondLst>
+                                            <p:cond delay="0"/>
+                                          </p:stCondLst>
+                                        </p:cTn>
+                                        <p:tgtEl>
+                                          <p:spTgt spid="13"/>
+                                        </p:tgtEl>
+                                        <p:attrNameLst>
+                                          <p:attrName>style.visibility</p:attrName>
+                                        </p:attrNameLst>
+                                      </p:cBhvr>
+                                      <p:to>
+                                        <p:strVal val="hidden"/>
+                                      </p:to>
+                                    </p:set>
+                                  </p:childTnLst>
+                                </p:cTn>
+                              </p:par>
+                            </p:childTnLst>
+                          </p:cTn>
+                        </p:par>
+                      </p:childTnLst>
+                    </p:cTn>
+                  </p:par>
+                </p:childTnLst>
+              </p:cTn>
+              <p:prevCondLst>
+                <p:cond evt="onPrev" delay="0">
+                  <p:tgtEl>
+                    <p:sldTgt/>
+                  </p:tgtEl>
+                </p:cond>
+              </p:prevCondLst>
+              <p:nextCondLst>
+                <p:cond evt="onNext" delay="0">
+                  <p:tgtEl>
+                    <p:sldTgt/>
+                  </p:tgtEl>
+                </p:cond>
+              </p:nextCondLst>
+            </p:seq>
+          </p:childTnLst>
+        </p:cTn>
+      </p:par>
+    </p:tnLst>
+    <p:bldLst>
+      <p:bldP spid="3" grpId="0" uiExpand="1" build="p"/>
+      <p:bldP spid="8" grpId="0" animBg="1"/>
+      <p:bldP spid="9" grpId="0" animBg="1"/>
+      <p:bldP spid="11" grpId="0" animBg="1"/>
+      <p:bldP spid="13" grpId="0" animBg="1"/>
+    </p:bldLst>
+  </p:timing>
+</p:sld>
+</file>
+
+<file path=ppt/slides/slide25.xml><?xml version="1.0" encoding="utf-8"?>
+<p:sld xmlns:a="http://schemas.openxmlformats.org/drawingml/2006/main" xmlns:r="http://schemas.openxmlformats.org/officeDocument/2006/relationships" xmlns:p="http://schemas.openxmlformats.org/presentationml/2006/main">
+  <p:cSld>
+    <p:bg>
+      <p:bgPr>
+        <a:solidFill>
+          <a:schemeClr val="bg1">
+            <a:lumMod val="95000"/>
+          </a:schemeClr>
+        </a:solidFill>
+        <a:effectLst/>
+      </p:bgPr>
+    </p:bg>
+    <p:spTree>
+      <p:nvGrpSpPr>
+        <p:cNvPr id="1" name=""/>
+        <p:cNvGrpSpPr/>
+        <p:nvPr/>
+      </p:nvGrpSpPr>
+      <p:grpSpPr>
+        <a:xfrm>
+          <a:off x="0" y="0"/>
+          <a:ext cx="0" cy="0"/>
+          <a:chOff x="0" y="0"/>
+          <a:chExt cx="0" cy="0"/>
+        </a:xfrm>
+      </p:grpSpPr>
+      <p:sp>
+        <p:nvSpPr>
+          <p:cNvPr id="2" name="Title 1">
+            <a:extLst>
+              <a:ext uri="{FF2B5EF4-FFF2-40B4-BE49-F238E27FC236}">
+                <a16:creationId xmlns:a16="http://schemas.microsoft.com/office/drawing/2014/main" id="{98423DA9-B524-404B-B4F2-86676FCACC61}"/>
+              </a:ext>
+            </a:extLst>
+          </p:cNvPr>
+          <p:cNvSpPr>
+            <a:spLocks noGrp="1"/>
+          </p:cNvSpPr>
+          <p:nvPr>
+            <p:ph type="title"/>
+          </p:nvPr>
+        </p:nvSpPr>
+        <p:spPr>
+          <a:xfrm>
+            <a:off x="804672" y="964692"/>
+            <a:ext cx="3066937" cy="1188720"/>
+          </a:xfrm>
+        </p:spPr>
+        <p:txBody>
+          <a:bodyPr>
+            <a:normAutofit/>
+          </a:bodyPr>
+          <a:lstStyle/>
+          <a:p>
+            <a:r>
+              <a:rPr lang="en-US" dirty="0"/>
+              <a:t>Check  for  checkmate</a:t>
+            </a:r>
+          </a:p>
+        </p:txBody>
+      </p:sp>
+      <p:sp>
+        <p:nvSpPr>
+          <p:cNvPr id="6" name="Content Placeholder 5">
+            <a:extLst>
+              <a:ext uri="{FF2B5EF4-FFF2-40B4-BE49-F238E27FC236}">
+                <a16:creationId xmlns:a16="http://schemas.microsoft.com/office/drawing/2014/main" id="{B092070C-91AB-4863-BB98-EA5F0049F9D6}"/>
+              </a:ext>
+            </a:extLst>
+          </p:cNvPr>
+          <p:cNvSpPr>
+            <a:spLocks noGrp="1"/>
+          </p:cNvSpPr>
+          <p:nvPr>
+            <p:ph idx="1"/>
+          </p:nvPr>
+        </p:nvSpPr>
+        <p:spPr>
+          <a:xfrm>
+            <a:off x="803244" y="2638044"/>
+            <a:ext cx="3063765" cy="3263206"/>
+          </a:xfrm>
+        </p:spPr>
+        <p:txBody>
+          <a:bodyPr>
+            <a:normAutofit lnSpcReduction="10000"/>
+          </a:bodyPr>
+          <a:lstStyle/>
+          <a:p>
+            <a:r>
+              <a:rPr lang="en-US" dirty="0"/>
+              <a:t>Once we’re in check, are we also in checkmate?</a:t>
+            </a:r>
+          </a:p>
+          <a:p>
+            <a:r>
+              <a:rPr lang="en-US" dirty="0"/>
+              <a:t>No short way to do this</a:t>
+            </a:r>
+          </a:p>
+          <a:p>
+            <a:r>
+              <a:rPr lang="en-US" dirty="0"/>
+              <a:t>Loop over every piece and attempt to move it all over</a:t>
+            </a:r>
+          </a:p>
+          <a:p>
+            <a:r>
+              <a:rPr lang="en-US" dirty="0"/>
+              <a:t>Are we still in check? </a:t>
+            </a:r>
+          </a:p>
+          <a:p>
+            <a:r>
+              <a:rPr lang="en-US" dirty="0"/>
+              <a:t>If not, no checkmate</a:t>
+            </a:r>
+          </a:p>
+          <a:p>
+            <a:r>
+              <a:rPr lang="en-US" dirty="0"/>
+              <a:t>If yes, try the next piece</a:t>
+            </a:r>
+          </a:p>
+          <a:p>
+            <a:r>
+              <a:rPr lang="en-US" dirty="0"/>
+              <a:t>Finally, if still yes, checkmate</a:t>
+            </a:r>
+          </a:p>
+        </p:txBody>
+      </p:sp>
+      <p:sp>
+        <p:nvSpPr>
+          <p:cNvPr id="19" name="Rectangle 18">
+            <a:extLst>
+              <a:ext uri="{FF2B5EF4-FFF2-40B4-BE49-F238E27FC236}">
+                <a16:creationId xmlns:a16="http://schemas.microsoft.com/office/drawing/2014/main" id="{6515FC82-3453-4CBE-8895-4CCFF339529E}"/>
+              </a:ext>
+              <a:ext uri="{C183D7F6-B498-43B3-948B-1728B52AA6E4}">
+                <adec:decorative xmlns:adec="http://schemas.microsoft.com/office/drawing/2017/decorative" val="1"/>
+              </a:ext>
+            </a:extLst>
+          </p:cNvPr>
+          <p:cNvSpPr>
+            <a:spLocks noGrp="1" noRot="1" noChangeAspect="1" noMove="1" noResize="1" noEditPoints="1" noAdjustHandles="1" noChangeArrowheads="1" noChangeShapeType="1" noTextEdit="1"/>
+          </p:cNvSpPr>
+          <p:nvPr>
+            <p:extLst>
+              <p:ext uri="{386F3935-93C4-4BCD-93E2-E3B085C9AB24}">
+                <p16:designElem xmlns:p16="http://schemas.microsoft.com/office/powerpoint/2015/main" val="1"/>
+              </p:ext>
+            </p:extLst>
+          </p:nvPr>
+        </p:nvSpPr>
+        <p:spPr>
+          <a:xfrm>
+            <a:off x="4494182" y="964692"/>
+            <a:ext cx="6885432" cy="4936558"/>
+          </a:xfrm>
+          <a:prstGeom prst="rect">
+            <a:avLst/>
+          </a:prstGeom>
+          <a:noFill/>
+          <a:ln w="31750" cap="sq">
+            <a:solidFill>
+              <a:srgbClr val="FFFFFF"/>
+            </a:solidFill>
+            <a:miter lim="800000"/>
+          </a:ln>
+        </p:spPr>
+        <p:style>
+          <a:lnRef idx="2">
+            <a:schemeClr val="accent1">
+              <a:shade val="50000"/>
+            </a:schemeClr>
+          </a:lnRef>
+          <a:fillRef idx="1">
+            <a:schemeClr val="accent1"/>
+          </a:fillRef>
+          <a:effectRef idx="0">
+            <a:schemeClr val="accent1"/>
+          </a:effectRef>
+          <a:fontRef idx="minor">
+            <a:schemeClr val="lt1"/>
+          </a:fontRef>
+        </p:style>
+        <p:txBody>
+          <a:bodyPr rtlCol="0" anchor="ctr"/>
+          <a:lstStyle/>
+          <a:p>
+            <a:pPr algn="ctr"/>
+            <a:endParaRPr lang="en-US" dirty="0"/>
+          </a:p>
+        </p:txBody>
+      </p:sp>
+      <p:sp>
+        <p:nvSpPr>
+          <p:cNvPr id="21" name="Rectangle 20">
+            <a:extLst>
+              <a:ext uri="{FF2B5EF4-FFF2-40B4-BE49-F238E27FC236}">
+                <a16:creationId xmlns:a16="http://schemas.microsoft.com/office/drawing/2014/main" id="{C5FD847B-65C0-4027-8DFC-70CB424514F8}"/>
+              </a:ext>
+              <a:ext uri="{C183D7F6-B498-43B3-948B-1728B52AA6E4}">
+                <adec:decorative xmlns:adec="http://schemas.microsoft.com/office/drawing/2017/decorative" val="1"/>
+              </a:ext>
+            </a:extLst>
+          </p:cNvPr>
+          <p:cNvSpPr>
+            <a:spLocks noGrp="1" noRot="1" noChangeAspect="1" noMove="1" noResize="1" noEditPoints="1" noAdjustHandles="1" noChangeArrowheads="1" noChangeShapeType="1" noTextEdit="1"/>
+          </p:cNvSpPr>
+          <p:nvPr>
+            <p:extLst>
+              <p:ext uri="{386F3935-93C4-4BCD-93E2-E3B085C9AB24}">
+                <p16:designElem xmlns:p16="http://schemas.microsoft.com/office/powerpoint/2015/main" val="1"/>
+              </p:ext>
+            </p:extLst>
+          </p:nvPr>
+        </p:nvSpPr>
+        <p:spPr>
+          <a:xfrm>
+            <a:off x="4657802" y="1128683"/>
+            <a:ext cx="6558192" cy="4608576"/>
+          </a:xfrm>
+          <a:prstGeom prst="rect">
+            <a:avLst/>
+          </a:prstGeom>
+          <a:solidFill>
+            <a:schemeClr val="bg1"/>
+          </a:solidFill>
+          <a:ln>
+            <a:noFill/>
+          </a:ln>
+        </p:spPr>
+        <p:style>
+          <a:lnRef idx="2">
+            <a:schemeClr val="accent1">
+              <a:shade val="50000"/>
+            </a:schemeClr>
+          </a:lnRef>
+          <a:fillRef idx="1">
+            <a:schemeClr val="accent1"/>
+          </a:fillRef>
+          <a:effectRef idx="0">
+            <a:schemeClr val="accent1"/>
+          </a:effectRef>
+          <a:fontRef idx="minor">
+            <a:schemeClr val="lt1"/>
+          </a:fontRef>
+        </p:style>
+        <p:txBody>
+          <a:bodyPr rtlCol="0" anchor="ctr"/>
+          <a:lstStyle/>
+          <a:p>
+            <a:pPr algn="ctr"/>
+            <a:endParaRPr lang="en-US"/>
+          </a:p>
+        </p:txBody>
+      </p:sp>
+      <p:pic>
+        <p:nvPicPr>
+          <p:cNvPr id="9" name="Picture 8" descr="A screenshot of a cell phone&#10;&#10;Description automatically generated">
+            <a:extLst>
+              <a:ext uri="{FF2B5EF4-FFF2-40B4-BE49-F238E27FC236}">
+                <a16:creationId xmlns:a16="http://schemas.microsoft.com/office/drawing/2014/main" id="{FACD3332-37FC-42D5-BABA-F5D78C5836FD}"/>
+              </a:ext>
+            </a:extLst>
+          </p:cNvPr>
+          <p:cNvPicPr>
+            <a:picLocks noChangeAspect="1"/>
+          </p:cNvPicPr>
+          <p:nvPr/>
+        </p:nvPicPr>
+        <p:blipFill>
+          <a:blip r:embed="rId2">
+            <a:extLst>
+              <a:ext uri="{28A0092B-C50C-407E-A947-70E740481C1C}">
+                <a14:useLocalDpi xmlns:a14="http://schemas.microsoft.com/office/drawing/2010/main" val="0"/>
+              </a:ext>
+            </a:extLst>
+          </a:blip>
+          <a:stretch>
+            <a:fillRect/>
+          </a:stretch>
+        </p:blipFill>
+        <p:spPr>
+          <a:xfrm>
+            <a:off x="4823366" y="2055234"/>
+            <a:ext cx="6227064" cy="2755474"/>
+          </a:xfrm>
+          <a:prstGeom prst="rect">
+            <a:avLst/>
+          </a:prstGeom>
+        </p:spPr>
+      </p:pic>
+      <p:sp>
+        <p:nvSpPr>
+          <p:cNvPr id="15" name="Rectangle 14">
+            <a:extLst>
+              <a:ext uri="{FF2B5EF4-FFF2-40B4-BE49-F238E27FC236}">
+                <a16:creationId xmlns:a16="http://schemas.microsoft.com/office/drawing/2014/main" id="{C94504BD-3050-45CD-805A-9D3CF06DE049}"/>
+              </a:ext>
+            </a:extLst>
+          </p:cNvPr>
+          <p:cNvSpPr/>
+          <p:nvPr/>
+        </p:nvSpPr>
+        <p:spPr>
+          <a:xfrm>
+            <a:off x="5148274" y="2704821"/>
+            <a:ext cx="5983966" cy="686080"/>
+          </a:xfrm>
+          <a:prstGeom prst="rect">
+            <a:avLst/>
+          </a:prstGeom>
+          <a:ln>
+            <a:noFill/>
+          </a:ln>
+        </p:spPr>
+        <p:style>
+          <a:lnRef idx="2">
+            <a:schemeClr val="dk1"/>
+          </a:lnRef>
+          <a:fillRef idx="1">
+            <a:schemeClr val="lt1"/>
+          </a:fillRef>
+          <a:effectRef idx="0">
+            <a:schemeClr val="dk1"/>
+          </a:effectRef>
+          <a:fontRef idx="minor">
+            <a:schemeClr val="dk1"/>
+          </a:fontRef>
+        </p:style>
+        <p:txBody>
+          <a:bodyPr rtlCol="0" anchor="ctr"/>
+          <a:lstStyle/>
+          <a:p>
+            <a:pPr algn="ctr"/>
+            <a:endParaRPr lang="en-US" dirty="0"/>
+          </a:p>
+        </p:txBody>
+      </p:sp>
+      <p:sp>
+        <p:nvSpPr>
+          <p:cNvPr id="16" name="Rectangle 15">
+            <a:extLst>
+              <a:ext uri="{FF2B5EF4-FFF2-40B4-BE49-F238E27FC236}">
+                <a16:creationId xmlns:a16="http://schemas.microsoft.com/office/drawing/2014/main" id="{7C46DF3A-380A-44B5-887C-AACBE760ACC0}"/>
+              </a:ext>
+            </a:extLst>
+          </p:cNvPr>
+          <p:cNvSpPr/>
+          <p:nvPr/>
+        </p:nvSpPr>
+        <p:spPr>
+          <a:xfrm>
+            <a:off x="5230084" y="3429000"/>
+            <a:ext cx="5983966" cy="423863"/>
+          </a:xfrm>
+          <a:prstGeom prst="rect">
+            <a:avLst/>
+          </a:prstGeom>
+          <a:ln>
+            <a:noFill/>
+          </a:ln>
+        </p:spPr>
+        <p:style>
+          <a:lnRef idx="2">
+            <a:schemeClr val="dk1"/>
+          </a:lnRef>
+          <a:fillRef idx="1">
+            <a:schemeClr val="lt1"/>
+          </a:fillRef>
+          <a:effectRef idx="0">
+            <a:schemeClr val="dk1"/>
+          </a:effectRef>
+          <a:fontRef idx="minor">
+            <a:schemeClr val="dk1"/>
+          </a:fontRef>
+        </p:style>
+        <p:txBody>
+          <a:bodyPr rtlCol="0" anchor="ctr"/>
+          <a:lstStyle/>
+          <a:p>
+            <a:pPr algn="ctr"/>
+            <a:endParaRPr lang="en-US" dirty="0"/>
+          </a:p>
+        </p:txBody>
+      </p:sp>
+      <p:sp>
+        <p:nvSpPr>
+          <p:cNvPr id="17" name="Rectangle 16">
+            <a:extLst>
+              <a:ext uri="{FF2B5EF4-FFF2-40B4-BE49-F238E27FC236}">
+                <a16:creationId xmlns:a16="http://schemas.microsoft.com/office/drawing/2014/main" id="{6974B363-5EF5-4852-9958-54DE6B85D919}"/>
+              </a:ext>
+            </a:extLst>
+          </p:cNvPr>
+          <p:cNvSpPr/>
+          <p:nvPr/>
+        </p:nvSpPr>
+        <p:spPr>
+          <a:xfrm>
+            <a:off x="5230084" y="4317452"/>
+            <a:ext cx="1394554" cy="194966"/>
+          </a:xfrm>
+          <a:prstGeom prst="rect">
+            <a:avLst/>
+          </a:prstGeom>
+          <a:ln>
+            <a:noFill/>
+          </a:ln>
+        </p:spPr>
+        <p:style>
+          <a:lnRef idx="2">
+            <a:schemeClr val="dk1"/>
+          </a:lnRef>
+          <a:fillRef idx="1">
+            <a:schemeClr val="lt1"/>
+          </a:fillRef>
+          <a:effectRef idx="0">
+            <a:schemeClr val="dk1"/>
+          </a:effectRef>
+          <a:fontRef idx="minor">
+            <a:schemeClr val="dk1"/>
+          </a:fontRef>
+        </p:style>
+        <p:txBody>
+          <a:bodyPr rtlCol="0" anchor="ctr"/>
+          <a:lstStyle/>
+          <a:p>
+            <a:pPr algn="ctr"/>
+            <a:endParaRPr lang="en-US" dirty="0"/>
+          </a:p>
+        </p:txBody>
+      </p:sp>
+      <p:sp>
+        <p:nvSpPr>
+          <p:cNvPr id="18" name="Rectangle 17">
+            <a:extLst>
+              <a:ext uri="{FF2B5EF4-FFF2-40B4-BE49-F238E27FC236}">
+                <a16:creationId xmlns:a16="http://schemas.microsoft.com/office/drawing/2014/main" id="{47345A1A-3E2D-4ABF-9939-9534D2121512}"/>
+              </a:ext>
+            </a:extLst>
+          </p:cNvPr>
+          <p:cNvSpPr/>
+          <p:nvPr/>
+        </p:nvSpPr>
+        <p:spPr>
+          <a:xfrm>
+            <a:off x="5272933" y="3852863"/>
+            <a:ext cx="5983966" cy="232294"/>
+          </a:xfrm>
+          <a:prstGeom prst="rect">
+            <a:avLst/>
+          </a:prstGeom>
+          <a:ln>
+            <a:noFill/>
+          </a:ln>
+        </p:spPr>
+        <p:style>
+          <a:lnRef idx="2">
+            <a:schemeClr val="dk1"/>
+          </a:lnRef>
+          <a:fillRef idx="1">
+            <a:schemeClr val="lt1"/>
+          </a:fillRef>
+          <a:effectRef idx="0">
+            <a:schemeClr val="dk1"/>
+          </a:effectRef>
+          <a:fontRef idx="minor">
+            <a:schemeClr val="dk1"/>
+          </a:fontRef>
+        </p:style>
+        <p:txBody>
+          <a:bodyPr rtlCol="0" anchor="ctr"/>
+          <a:lstStyle/>
+          <a:p>
+            <a:pPr algn="ctr"/>
+            <a:endParaRPr lang="en-US" dirty="0"/>
+          </a:p>
+        </p:txBody>
+      </p:sp>
+    </p:spTree>
+    <p:extLst>
+      <p:ext uri="{BB962C8B-B14F-4D97-AF65-F5344CB8AC3E}">
+        <p14:creationId xmlns:p14="http://schemas.microsoft.com/office/powerpoint/2010/main" val="1985348368"/>
+      </p:ext>
+    </p:extLst>
+  </p:cSld>
+  <p:clrMapOvr>
+    <a:masterClrMapping/>
+  </p:clrMapOvr>
+  <p:timing>
+    <p:tnLst>
+      <p:par>
+        <p:cTn id="1" dur="indefinite" restart="never" nodeType="tmRoot">
+          <p:childTnLst>
+            <p:seq concurrent="1" nextAc="seek">
+              <p:cTn id="2" dur="indefinite" nodeType="mainSeq">
+                <p:childTnLst>
+                  <p:par>
+                    <p:cTn id="3" fill="hold">
+                      <p:stCondLst>
+                        <p:cond delay="indefinite"/>
+                      </p:stCondLst>
+                      <p:childTnLst>
+                        <p:par>
+                          <p:cTn id="4" fill="hold">
+                            <p:stCondLst>
+                              <p:cond delay="0"/>
+                            </p:stCondLst>
+                            <p:childTnLst>
+                              <p:par>
+                                <p:cTn id="5" presetID="10" presetClass="entr" presetSubtype="0" fill="hold" grpId="0" nodeType="clickEffect">
+                                  <p:stCondLst>
+                                    <p:cond delay="0"/>
+                                  </p:stCondLst>
+                                  <p:childTnLst>
+                                    <p:set>
+                                      <p:cBhvr>
+                                        <p:cTn id="6" dur="1" fill="hold">
+                                          <p:stCondLst>
+                                            <p:cond delay="0"/>
+                                          </p:stCondLst>
+                                        </p:cTn>
+                                        <p:tgtEl>
+                                          <p:spTgt spid="6">
+                                            <p:txEl>
+                                              <p:pRg st="0" end="0"/>
+                                            </p:txEl>
+                                          </p:spTgt>
+                                        </p:tgtEl>
+                                        <p:attrNameLst>
+                                          <p:attrName>style.visibility</p:attrName>
+                                        </p:attrNameLst>
+                                      </p:cBhvr>
+                                      <p:to>
+                                        <p:strVal val="visible"/>
+                                      </p:to>
+                                    </p:set>
+                                    <p:animEffect transition="in" filter="fade">
+                                      <p:cBhvr>
+                                        <p:cTn id="7" dur="500"/>
+                                        <p:tgtEl>
+                                          <p:spTgt spid="6">
+                                            <p:txEl>
+                                              <p:pRg st="0" end="0"/>
+                                            </p:txEl>
+                                          </p:spTgt>
+                                        </p:tgtEl>
+                                      </p:cBhvr>
+                                    </p:animEffect>
+                                  </p:childTnLst>
+                                </p:cTn>
+                              </p:par>
+                              <p:par>
+                                <p:cTn id="8" presetID="1" presetClass="entr" presetSubtype="0" fill="hold" nodeType="withEffect">
+                                  <p:stCondLst>
+                                    <p:cond delay="0"/>
+                                  </p:stCondLst>
+                                  <p:childTnLst>
+                                    <p:set>
+                                      <p:cBhvr>
+                                        <p:cTn id="9" dur="1" fill="hold">
+                                          <p:stCondLst>
+                                            <p:cond delay="0"/>
+                                          </p:stCondLst>
+                                        </p:cTn>
+                                        <p:tgtEl>
+                                          <p:spTgt spid="9"/>
+                                        </p:tgtEl>
+                                        <p:attrNameLst>
+                                          <p:attrName>style.visibility</p:attrName>
+                                        </p:attrNameLst>
+                                      </p:cBhvr>
+                                      <p:to>
+                                        <p:strVal val="visible"/>
+                                      </p:to>
+                                    </p:set>
+                                  </p:childTnLst>
+                                </p:cTn>
+                              </p:par>
+                            </p:childTnLst>
+                          </p:cTn>
+                        </p:par>
+                      </p:childTnLst>
+                    </p:cTn>
+                  </p:par>
+                  <p:par>
+                    <p:cTn id="10" fill="hold">
+                      <p:stCondLst>
+                        <p:cond delay="indefinite"/>
+                      </p:stCondLst>
+                      <p:childTnLst>
+                        <p:par>
+                          <p:cTn id="11" fill="hold">
+                            <p:stCondLst>
+                              <p:cond delay="0"/>
+                            </p:stCondLst>
+                            <p:childTnLst>
+                              <p:par>
+                                <p:cTn id="12" presetID="10" presetClass="entr" presetSubtype="0" fill="hold" grpId="0" nodeType="clickEffect">
+                                  <p:stCondLst>
+                                    <p:cond delay="0"/>
+                                  </p:stCondLst>
+                                  <p:childTnLst>
+                                    <p:set>
+                                      <p:cBhvr>
+                                        <p:cTn id="13" dur="1" fill="hold">
+                                          <p:stCondLst>
+                                            <p:cond delay="0"/>
+                                          </p:stCondLst>
+                                        </p:cTn>
+                                        <p:tgtEl>
+                                          <p:spTgt spid="6">
+                                            <p:txEl>
+                                              <p:pRg st="1" end="1"/>
+                                            </p:txEl>
+                                          </p:spTgt>
+                                        </p:tgtEl>
+                                        <p:attrNameLst>
+                                          <p:attrName>style.visibility</p:attrName>
+                                        </p:attrNameLst>
+                                      </p:cBhvr>
+                                      <p:to>
+                                        <p:strVal val="visible"/>
+                                      </p:to>
+                                    </p:set>
+                                    <p:animEffect transition="in" filter="fade">
+                                      <p:cBhvr>
+                                        <p:cTn id="14" dur="500"/>
+                                        <p:tgtEl>
+                                          <p:spTgt spid="6">
+                                            <p:txEl>
+                                              <p:pRg st="1" end="1"/>
+                                            </p:txEl>
+                                          </p:spTgt>
+                                        </p:tgtEl>
+                                      </p:cBhvr>
+                                    </p:animEffect>
+                                  </p:childTnLst>
+                                </p:cTn>
+                              </p:par>
+                            </p:childTnLst>
+                          </p:cTn>
+                        </p:par>
+                      </p:childTnLst>
+                    </p:cTn>
+                  </p:par>
+                  <p:par>
+                    <p:cTn id="15" fill="hold">
+                      <p:stCondLst>
+                        <p:cond delay="indefinite"/>
+                      </p:stCondLst>
+                      <p:childTnLst>
+                        <p:par>
+                          <p:cTn id="16" fill="hold">
+                            <p:stCondLst>
+                              <p:cond delay="0"/>
+                            </p:stCondLst>
+                            <p:childTnLst>
+                              <p:par>
+                                <p:cTn id="17" presetID="10" presetClass="entr" presetSubtype="0" fill="hold" grpId="0" nodeType="clickEffect">
+                                  <p:stCondLst>
+                                    <p:cond delay="0"/>
+                                  </p:stCondLst>
+                                  <p:childTnLst>
+                                    <p:set>
+                                      <p:cBhvr>
+                                        <p:cTn id="18" dur="1" fill="hold">
+                                          <p:stCondLst>
+                                            <p:cond delay="0"/>
+                                          </p:stCondLst>
+                                        </p:cTn>
+                                        <p:tgtEl>
+                                          <p:spTgt spid="6">
+                                            <p:txEl>
+                                              <p:pRg st="2" end="2"/>
+                                            </p:txEl>
+                                          </p:spTgt>
+                                        </p:tgtEl>
+                                        <p:attrNameLst>
+                                          <p:attrName>style.visibility</p:attrName>
+                                        </p:attrNameLst>
+                                      </p:cBhvr>
+                                      <p:to>
+                                        <p:strVal val="visible"/>
+                                      </p:to>
+                                    </p:set>
+                                    <p:animEffect transition="in" filter="fade">
+                                      <p:cBhvr>
+                                        <p:cTn id="19" dur="500"/>
+                                        <p:tgtEl>
+                                          <p:spTgt spid="6">
+                                            <p:txEl>
+                                              <p:pRg st="2" end="2"/>
+                                            </p:txEl>
+                                          </p:spTgt>
+                                        </p:tgtEl>
+                                      </p:cBhvr>
+                                    </p:animEffect>
+                                  </p:childTnLst>
+                                </p:cTn>
+                              </p:par>
+                              <p:par>
+                                <p:cTn id="20" presetID="1" presetClass="exit" presetSubtype="0" fill="hold" grpId="0" nodeType="withEffect">
+                                  <p:stCondLst>
+                                    <p:cond delay="0"/>
+                                  </p:stCondLst>
+                                  <p:childTnLst>
+                                    <p:set>
+                                      <p:cBhvr>
+                                        <p:cTn id="21" dur="1" fill="hold">
+                                          <p:stCondLst>
+                                            <p:cond delay="0"/>
+                                          </p:stCondLst>
+                                        </p:cTn>
+                                        <p:tgtEl>
+                                          <p:spTgt spid="15"/>
+                                        </p:tgtEl>
+                                        <p:attrNameLst>
+                                          <p:attrName>style.visibility</p:attrName>
+                                        </p:attrNameLst>
+                                      </p:cBhvr>
+                                      <p:to>
+                                        <p:strVal val="hidden"/>
+                                      </p:to>
+                                    </p:set>
+                                  </p:childTnLst>
+                                </p:cTn>
+                              </p:par>
+                            </p:childTnLst>
+                          </p:cTn>
+                        </p:par>
+                      </p:childTnLst>
+                    </p:cTn>
+                  </p:par>
+                  <p:par>
+                    <p:cTn id="22" fill="hold">
+                      <p:stCondLst>
+                        <p:cond delay="indefinite"/>
+                      </p:stCondLst>
+                      <p:childTnLst>
+                        <p:par>
+                          <p:cTn id="23" fill="hold">
+                            <p:stCondLst>
+                              <p:cond delay="0"/>
+                            </p:stCondLst>
+                            <p:childTnLst>
+                              <p:par>
+                                <p:cTn id="24" presetID="10" presetClass="entr" presetSubtype="0" fill="hold" grpId="0" nodeType="clickEffect">
+                                  <p:stCondLst>
+                                    <p:cond delay="0"/>
+                                  </p:stCondLst>
+                                  <p:childTnLst>
+                                    <p:set>
+                                      <p:cBhvr>
+                                        <p:cTn id="25" dur="1" fill="hold">
+                                          <p:stCondLst>
+                                            <p:cond delay="0"/>
+                                          </p:stCondLst>
+                                        </p:cTn>
+                                        <p:tgtEl>
+                                          <p:spTgt spid="6">
+                                            <p:txEl>
+                                              <p:pRg st="3" end="3"/>
+                                            </p:txEl>
+                                          </p:spTgt>
+                                        </p:tgtEl>
+                                        <p:attrNameLst>
+                                          <p:attrName>style.visibility</p:attrName>
+                                        </p:attrNameLst>
+                                      </p:cBhvr>
+                                      <p:to>
+                                        <p:strVal val="visible"/>
+                                      </p:to>
+                                    </p:set>
+                                    <p:animEffect transition="in" filter="fade">
+                                      <p:cBhvr>
+                                        <p:cTn id="26" dur="500"/>
+                                        <p:tgtEl>
+                                          <p:spTgt spid="6">
+                                            <p:txEl>
+                                              <p:pRg st="3" end="3"/>
+                                            </p:txEl>
+                                          </p:spTgt>
+                                        </p:tgtEl>
+                                      </p:cBhvr>
+                                    </p:animEffect>
+                                  </p:childTnLst>
+                                </p:cTn>
+                              </p:par>
+                              <p:par>
+                                <p:cTn id="27" presetID="1" presetClass="exit" presetSubtype="0" fill="hold" grpId="0" nodeType="withEffect">
+                                  <p:stCondLst>
+                                    <p:cond delay="0"/>
+                                  </p:stCondLst>
+                                  <p:childTnLst>
+                                    <p:set>
+                                      <p:cBhvr>
+                                        <p:cTn id="28" dur="1" fill="hold">
+                                          <p:stCondLst>
+                                            <p:cond delay="0"/>
+                                          </p:stCondLst>
+                                        </p:cTn>
+                                        <p:tgtEl>
+                                          <p:spTgt spid="16"/>
+                                        </p:tgtEl>
+                                        <p:attrNameLst>
+                                          <p:attrName>style.visibility</p:attrName>
+                                        </p:attrNameLst>
+                                      </p:cBhvr>
+                                      <p:to>
+                                        <p:strVal val="hidden"/>
+                                      </p:to>
+                                    </p:set>
+                                  </p:childTnLst>
+                                </p:cTn>
+                              </p:par>
+                            </p:childTnLst>
+                          </p:cTn>
+                        </p:par>
+                      </p:childTnLst>
+                    </p:cTn>
+                  </p:par>
+                  <p:par>
+                    <p:cTn id="29" fill="hold">
+                      <p:stCondLst>
+                        <p:cond delay="indefinite"/>
+                      </p:stCondLst>
+                      <p:childTnLst>
+                        <p:par>
+                          <p:cTn id="30" fill="hold">
+                            <p:stCondLst>
+                              <p:cond delay="0"/>
+                            </p:stCondLst>
+                            <p:childTnLst>
+                              <p:par>
+                                <p:cTn id="31" presetID="10" presetClass="entr" presetSubtype="0" fill="hold" grpId="0" nodeType="clickEffect">
+                                  <p:stCondLst>
+                                    <p:cond delay="0"/>
+                                  </p:stCondLst>
+                                  <p:childTnLst>
+                                    <p:set>
+                                      <p:cBhvr>
+                                        <p:cTn id="32" dur="1" fill="hold">
+                                          <p:stCondLst>
+                                            <p:cond delay="0"/>
+                                          </p:stCondLst>
+                                        </p:cTn>
+                                        <p:tgtEl>
+                                          <p:spTgt spid="6">
+                                            <p:txEl>
+                                              <p:pRg st="4" end="4"/>
+                                            </p:txEl>
+                                          </p:spTgt>
+                                        </p:tgtEl>
+                                        <p:attrNameLst>
+                                          <p:attrName>style.visibility</p:attrName>
+                                        </p:attrNameLst>
+                                      </p:cBhvr>
+                                      <p:to>
+                                        <p:strVal val="visible"/>
+                                      </p:to>
+                                    </p:set>
+                                    <p:animEffect transition="in" filter="fade">
+                                      <p:cBhvr>
+                                        <p:cTn id="33" dur="500"/>
+                                        <p:tgtEl>
+                                          <p:spTgt spid="6">
+                                            <p:txEl>
+                                              <p:pRg st="4" end="4"/>
+                                            </p:txEl>
+                                          </p:spTgt>
+                                        </p:tgtEl>
+                                      </p:cBhvr>
+                                    </p:animEffect>
+                                  </p:childTnLst>
+                                </p:cTn>
+                              </p:par>
+                              <p:par>
+                                <p:cTn id="34" presetID="1" presetClass="exit" presetSubtype="0" fill="hold" grpId="0" nodeType="withEffect">
+                                  <p:stCondLst>
+                                    <p:cond delay="0"/>
+                                  </p:stCondLst>
+                                  <p:childTnLst>
+                                    <p:set>
+                                      <p:cBhvr>
+                                        <p:cTn id="35" dur="1" fill="hold">
+                                          <p:stCondLst>
+                                            <p:cond delay="0"/>
+                                          </p:stCondLst>
+                                        </p:cTn>
+                                        <p:tgtEl>
+                                          <p:spTgt spid="18"/>
+                                        </p:tgtEl>
+                                        <p:attrNameLst>
+                                          <p:attrName>style.visibility</p:attrName>
+                                        </p:attrNameLst>
+                                      </p:cBhvr>
+                                      <p:to>
+                                        <p:strVal val="hidden"/>
+                                      </p:to>
+                                    </p:set>
+                                  </p:childTnLst>
+                                </p:cTn>
+                              </p:par>
+                            </p:childTnLst>
+                          </p:cTn>
+                        </p:par>
+                      </p:childTnLst>
+                    </p:cTn>
+                  </p:par>
+                  <p:par>
+                    <p:cTn id="36" fill="hold">
+                      <p:stCondLst>
+                        <p:cond delay="indefinite"/>
+                      </p:stCondLst>
+                      <p:childTnLst>
+                        <p:par>
+                          <p:cTn id="37" fill="hold">
+                            <p:stCondLst>
+                              <p:cond delay="0"/>
+                            </p:stCondLst>
+                            <p:childTnLst>
+                              <p:par>
+                                <p:cTn id="38" presetID="10" presetClass="entr" presetSubtype="0" fill="hold" grpId="0" nodeType="clickEffect">
+                                  <p:stCondLst>
+                                    <p:cond delay="0"/>
+                                  </p:stCondLst>
+                                  <p:childTnLst>
+                                    <p:set>
+                                      <p:cBhvr>
+                                        <p:cTn id="39" dur="1" fill="hold">
+                                          <p:stCondLst>
+                                            <p:cond delay="0"/>
+                                          </p:stCondLst>
+                                        </p:cTn>
+                                        <p:tgtEl>
+                                          <p:spTgt spid="6">
+                                            <p:txEl>
+                                              <p:pRg st="5" end="5"/>
+                                            </p:txEl>
+                                          </p:spTgt>
+                                        </p:tgtEl>
+                                        <p:attrNameLst>
+                                          <p:attrName>style.visibility</p:attrName>
+                                        </p:attrNameLst>
+                                      </p:cBhvr>
+                                      <p:to>
+                                        <p:strVal val="visible"/>
+                                      </p:to>
+                                    </p:set>
+                                    <p:animEffect transition="in" filter="fade">
+                                      <p:cBhvr>
+                                        <p:cTn id="40" dur="500"/>
+                                        <p:tgtEl>
+                                          <p:spTgt spid="6">
+                                            <p:txEl>
+                                              <p:pRg st="5" end="5"/>
+                                            </p:txEl>
+                                          </p:spTgt>
+                                        </p:tgtEl>
+                                      </p:cBhvr>
+                                    </p:animEffect>
+                                  </p:childTnLst>
+                                </p:cTn>
+                              </p:par>
+                            </p:childTnLst>
+                          </p:cTn>
+                        </p:par>
+                      </p:childTnLst>
+                    </p:cTn>
+                  </p:par>
+                  <p:par>
+                    <p:cTn id="41" fill="hold">
+                      <p:stCondLst>
+                        <p:cond delay="indefinite"/>
+                      </p:stCondLst>
+                      <p:childTnLst>
+                        <p:par>
+                          <p:cTn id="42" fill="hold">
+                            <p:stCondLst>
+                              <p:cond delay="0"/>
+                            </p:stCondLst>
+                            <p:childTnLst>
+                              <p:par>
+                                <p:cTn id="43" presetID="10" presetClass="entr" presetSubtype="0" fill="hold" grpId="0" nodeType="clickEffect">
+                                  <p:stCondLst>
+                                    <p:cond delay="0"/>
+                                  </p:stCondLst>
+                                  <p:childTnLst>
+                                    <p:set>
+                                      <p:cBhvr>
+                                        <p:cTn id="44" dur="1" fill="hold">
+                                          <p:stCondLst>
+                                            <p:cond delay="0"/>
+                                          </p:stCondLst>
+                                        </p:cTn>
+                                        <p:tgtEl>
+                                          <p:spTgt spid="6">
+                                            <p:txEl>
+                                              <p:pRg st="6" end="6"/>
+                                            </p:txEl>
+                                          </p:spTgt>
+                                        </p:tgtEl>
+                                        <p:attrNameLst>
+                                          <p:attrName>style.visibility</p:attrName>
+                                        </p:attrNameLst>
+                                      </p:cBhvr>
+                                      <p:to>
+                                        <p:strVal val="visible"/>
+                                      </p:to>
+                                    </p:set>
+                                    <p:animEffect transition="in" filter="fade">
+                                      <p:cBhvr>
+                                        <p:cTn id="45" dur="500"/>
+                                        <p:tgtEl>
+                                          <p:spTgt spid="6">
+                                            <p:txEl>
+                                              <p:pRg st="6" end="6"/>
+                                            </p:txEl>
+                                          </p:spTgt>
+                                        </p:tgtEl>
+                                      </p:cBhvr>
+                                    </p:animEffect>
+                                  </p:childTnLst>
+                                </p:cTn>
+                              </p:par>
+                              <p:par>
+                                <p:cTn id="46" presetID="1" presetClass="exit" presetSubtype="0" fill="hold" grpId="0" nodeType="withEffect">
+                                  <p:stCondLst>
+                                    <p:cond delay="0"/>
+                                  </p:stCondLst>
+                                  <p:childTnLst>
+                                    <p:set>
+                                      <p:cBhvr>
+                                        <p:cTn id="47" dur="1" fill="hold">
+                                          <p:stCondLst>
+                                            <p:cond delay="0"/>
+                                          </p:stCondLst>
+                                        </p:cTn>
+                                        <p:tgtEl>
+                                          <p:spTgt spid="17"/>
+                                        </p:tgtEl>
+                                        <p:attrNameLst>
+                                          <p:attrName>style.visibility</p:attrName>
+                                        </p:attrNameLst>
+                                      </p:cBhvr>
+                                      <p:to>
+                                        <p:strVal val="hidden"/>
+                                      </p:to>
+                                    </p:set>
+                                  </p:childTnLst>
+                                </p:cTn>
+                              </p:par>
+                            </p:childTnLst>
+                          </p:cTn>
+                        </p:par>
+                      </p:childTnLst>
+                    </p:cTn>
+                  </p:par>
+                </p:childTnLst>
+              </p:cTn>
+              <p:prevCondLst>
+                <p:cond evt="onPrev" delay="0">
+                  <p:tgtEl>
+                    <p:sldTgt/>
+                  </p:tgtEl>
+                </p:cond>
+              </p:prevCondLst>
+              <p:nextCondLst>
+                <p:cond evt="onNext" delay="0">
+                  <p:tgtEl>
+                    <p:sldTgt/>
+                  </p:tgtEl>
+                </p:cond>
+              </p:nextCondLst>
+            </p:seq>
+          </p:childTnLst>
+        </p:cTn>
+      </p:par>
+    </p:tnLst>
+    <p:bldLst>
+      <p:bldP spid="6" grpId="0" uiExpand="1" build="p"/>
+      <p:bldP spid="15" grpId="0" animBg="1"/>
+      <p:bldP spid="16" grpId="0" animBg="1"/>
+      <p:bldP spid="17" grpId="0" animBg="1"/>
+      <p:bldP spid="18" grpId="0" animBg="1"/>
+    </p:bldLst>
+  </p:timing>
+</p:sld>
+</file>
+
+<file path=ppt/slides/slide26.xml><?xml version="1.0" encoding="utf-8"?>
 <p:sld xmlns:a="http://schemas.openxmlformats.org/drawingml/2006/main" xmlns:r="http://schemas.openxmlformats.org/officeDocument/2006/relationships" xmlns:p="http://schemas.openxmlformats.org/presentationml/2006/main">
   <p:cSld>
     <p:spTree>
@@ -31767,7 +37669,7 @@
           <p:cNvPr id="2" name="Title 1">
             <a:extLst>
               <a:ext uri="{FF2B5EF4-FFF2-40B4-BE49-F238E27FC236}">
-                <a16:creationId xmlns:a16="http://schemas.microsoft.com/office/drawing/2014/main" id="{43012242-2660-4DCE-A5B8-0E4EF7C0B213}"/>
+                <a16:creationId xmlns:a16="http://schemas.microsoft.com/office/drawing/2014/main" id="{D8CDB19F-1E07-4642-A4AA-9FBA07077EA2}"/>
               </a:ext>
             </a:extLst>
           </p:cNvPr>
@@ -31785,7 +37687,7 @@
           <a:p>
             <a:r>
               <a:rPr lang="en-US" dirty="0"/>
-              <a:t>Game over</a:t>
+              <a:t>!!!!!!!!!!!!!!!!!!!!</a:t>
             </a:r>
           </a:p>
         </p:txBody>
@@ -31795,7 +37697,7 @@
           <p:cNvPr id="3" name="Content Placeholder 2">
             <a:extLst>
               <a:ext uri="{FF2B5EF4-FFF2-40B4-BE49-F238E27FC236}">
-                <a16:creationId xmlns:a16="http://schemas.microsoft.com/office/drawing/2014/main" id="{C1A07A68-56E4-4155-A0DC-23410ADDC671}"/>
+                <a16:creationId xmlns:a16="http://schemas.microsoft.com/office/drawing/2014/main" id="{05D5944F-9A9E-4933-B9C7-DB597F601CFF}"/>
               </a:ext>
             </a:extLst>
           </p:cNvPr>
@@ -31811,14 +37713,488 @@
           <a:bodyPr/>
           <a:lstStyle/>
           <a:p>
-            <a:endParaRPr lang="en-US" dirty="0"/>
+            <a:r>
+              <a:rPr lang="en-US" dirty="0"/>
+              <a:t>THE NEXT SLIDES ARE NOT YET DONE</a:t>
+            </a:r>
+          </a:p>
+          <a:p>
+            <a:r>
+              <a:rPr lang="en-US" dirty="0"/>
+              <a:t>DON’T WORRY</a:t>
+            </a:r>
+          </a:p>
+          <a:p>
+            <a:r>
+              <a:rPr lang="en-US" dirty="0"/>
+              <a:t>I’LL GET THERE</a:t>
+            </a:r>
           </a:p>
         </p:txBody>
       </p:sp>
     </p:spTree>
     <p:extLst>
       <p:ext uri="{BB962C8B-B14F-4D97-AF65-F5344CB8AC3E}">
-        <p14:creationId xmlns:p14="http://schemas.microsoft.com/office/powerpoint/2010/main" val="138187729"/>
+        <p14:creationId xmlns:p14="http://schemas.microsoft.com/office/powerpoint/2010/main" val="1969952714"/>
+      </p:ext>
+    </p:extLst>
+  </p:cSld>
+  <p:clrMapOvr>
+    <a:masterClrMapping/>
+  </p:clrMapOvr>
+</p:sld>
+</file>
+
+<file path=ppt/slides/slide27.xml><?xml version="1.0" encoding="utf-8"?>
+<p:sld xmlns:a="http://schemas.openxmlformats.org/drawingml/2006/main" xmlns:r="http://schemas.openxmlformats.org/officeDocument/2006/relationships" xmlns:p="http://schemas.openxmlformats.org/presentationml/2006/main">
+  <p:cSld>
+    <p:bg>
+      <p:bgPr>
+        <a:solidFill>
+          <a:schemeClr val="bg1">
+            <a:lumMod val="95000"/>
+          </a:schemeClr>
+        </a:solidFill>
+        <a:effectLst/>
+      </p:bgPr>
+    </p:bg>
+    <p:spTree>
+      <p:nvGrpSpPr>
+        <p:cNvPr id="1" name=""/>
+        <p:cNvGrpSpPr/>
+        <p:nvPr/>
+      </p:nvGrpSpPr>
+      <p:grpSpPr>
+        <a:xfrm>
+          <a:off x="0" y="0"/>
+          <a:ext cx="0" cy="0"/>
+          <a:chOff x="0" y="0"/>
+          <a:chExt cx="0" cy="0"/>
+        </a:xfrm>
+      </p:grpSpPr>
+      <p:sp>
+        <p:nvSpPr>
+          <p:cNvPr id="10" name="Rectangle 9">
+            <a:extLst>
+              <a:ext uri="{FF2B5EF4-FFF2-40B4-BE49-F238E27FC236}">
+                <a16:creationId xmlns:a16="http://schemas.microsoft.com/office/drawing/2014/main" id="{C02C7B47-DF2D-46D9-9584-5C83FCA86FCA}"/>
+              </a:ext>
+              <a:ext uri="{C183D7F6-B498-43B3-948B-1728B52AA6E4}">
+                <adec:decorative xmlns:adec="http://schemas.microsoft.com/office/drawing/2017/decorative" val="1"/>
+              </a:ext>
+            </a:extLst>
+          </p:cNvPr>
+          <p:cNvSpPr>
+            <a:spLocks noGrp="1" noRot="1" noChangeAspect="1" noMove="1" noResize="1" noEditPoints="1" noAdjustHandles="1" noChangeArrowheads="1" noChangeShapeType="1" noTextEdit="1"/>
+          </p:cNvSpPr>
+          <p:nvPr>
+            <p:extLst>
+              <p:ext uri="{386F3935-93C4-4BCD-93E2-E3B085C9AB24}">
+                <p16:designElem xmlns:p16="http://schemas.microsoft.com/office/powerpoint/2015/main" val="1"/>
+              </p:ext>
+            </p:extLst>
+          </p:nvPr>
+        </p:nvSpPr>
+        <p:spPr>
+          <a:xfrm>
+            <a:off x="0" y="0"/>
+            <a:ext cx="12192000" cy="6858000"/>
+          </a:xfrm>
+          <a:prstGeom prst="rect">
+            <a:avLst/>
+          </a:prstGeom>
+          <a:solidFill>
+            <a:srgbClr val="FB7C05"/>
+          </a:solidFill>
+          <a:ln>
+            <a:noFill/>
+          </a:ln>
+        </p:spPr>
+        <p:style>
+          <a:lnRef idx="2">
+            <a:schemeClr val="accent1">
+              <a:shade val="50000"/>
+            </a:schemeClr>
+          </a:lnRef>
+          <a:fillRef idx="1">
+            <a:schemeClr val="accent1"/>
+          </a:fillRef>
+          <a:effectRef idx="0">
+            <a:schemeClr val="accent1"/>
+          </a:effectRef>
+          <a:fontRef idx="minor">
+            <a:schemeClr val="lt1"/>
+          </a:fontRef>
+        </p:style>
+        <p:txBody>
+          <a:bodyPr rtlCol="0" anchor="ctr"/>
+          <a:lstStyle/>
+          <a:p>
+            <a:pPr algn="ctr"/>
+            <a:endParaRPr lang="en-US"/>
+          </a:p>
+        </p:txBody>
+      </p:sp>
+      <p:sp>
+        <p:nvSpPr>
+          <p:cNvPr id="12" name="Rectangle 11">
+            <a:extLst>
+              <a:ext uri="{FF2B5EF4-FFF2-40B4-BE49-F238E27FC236}">
+                <a16:creationId xmlns:a16="http://schemas.microsoft.com/office/drawing/2014/main" id="{348541E3-A59C-41D3-85D2-70F0E0E9B641}"/>
+              </a:ext>
+              <a:ext uri="{C183D7F6-B498-43B3-948B-1728B52AA6E4}">
+                <adec:decorative xmlns:adec="http://schemas.microsoft.com/office/drawing/2017/decorative" val="1"/>
+              </a:ext>
+            </a:extLst>
+          </p:cNvPr>
+          <p:cNvSpPr>
+            <a:spLocks noGrp="1" noRot="1" noChangeAspect="1" noMove="1" noResize="1" noEditPoints="1" noAdjustHandles="1" noChangeArrowheads="1" noChangeShapeType="1" noTextEdit="1"/>
+          </p:cNvSpPr>
+          <p:nvPr>
+            <p:extLst>
+              <p:ext uri="{386F3935-93C4-4BCD-93E2-E3B085C9AB24}">
+                <p16:designElem xmlns:p16="http://schemas.microsoft.com/office/powerpoint/2015/main" val="1"/>
+              </p:ext>
+            </p:extLst>
+          </p:nvPr>
+        </p:nvSpPr>
+        <p:spPr>
+          <a:xfrm>
+            <a:off x="806196" y="804672"/>
+            <a:ext cx="10579608" cy="5248656"/>
+          </a:xfrm>
+          <a:prstGeom prst="rect">
+            <a:avLst/>
+          </a:prstGeom>
+          <a:solidFill>
+            <a:srgbClr val="FFFFFF"/>
+          </a:solidFill>
+          <a:ln w="25400" cap="sq">
+            <a:solidFill>
+              <a:srgbClr val="FFFFFF"/>
+            </a:solidFill>
+            <a:miter lim="800000"/>
+          </a:ln>
+        </p:spPr>
+        <p:style>
+          <a:lnRef idx="2">
+            <a:schemeClr val="accent1">
+              <a:shade val="50000"/>
+            </a:schemeClr>
+          </a:lnRef>
+          <a:fillRef idx="1">
+            <a:schemeClr val="accent1"/>
+          </a:fillRef>
+          <a:effectRef idx="0">
+            <a:schemeClr val="accent1"/>
+          </a:effectRef>
+          <a:fontRef idx="minor">
+            <a:schemeClr val="lt1"/>
+          </a:fontRef>
+        </p:style>
+        <p:txBody>
+          <a:bodyPr rtlCol="0" anchor="ctr"/>
+          <a:lstStyle/>
+          <a:p>
+            <a:pPr algn="ctr"/>
+            <a:endParaRPr lang="en-US"/>
+          </a:p>
+        </p:txBody>
+      </p:sp>
+      <p:pic>
+        <p:nvPicPr>
+          <p:cNvPr id="5" name="Content Placeholder 4" descr="A close up of a logo&#10;&#10;Description automatically generated">
+            <a:extLst>
+              <a:ext uri="{FF2B5EF4-FFF2-40B4-BE49-F238E27FC236}">
+                <a16:creationId xmlns:a16="http://schemas.microsoft.com/office/drawing/2014/main" id="{A8931094-1609-4DDF-82C4-12DA21A9574A}"/>
+              </a:ext>
+            </a:extLst>
+          </p:cNvPr>
+          <p:cNvPicPr>
+            <a:picLocks noGrp="1" noChangeAspect="1"/>
+          </p:cNvPicPr>
+          <p:nvPr>
+            <p:ph idx="1"/>
+          </p:nvPr>
+        </p:nvPicPr>
+        <p:blipFill>
+          <a:blip r:embed="rId2">
+            <a:extLst>
+              <a:ext uri="{28A0092B-C50C-407E-A947-70E740481C1C}">
+                <a14:useLocalDpi xmlns:a14="http://schemas.microsoft.com/office/drawing/2010/main" val="0"/>
+              </a:ext>
+            </a:extLst>
+          </a:blip>
+          <a:stretch>
+            <a:fillRect/>
+          </a:stretch>
+        </p:blipFill>
+        <p:spPr>
+          <a:xfrm>
+            <a:off x="1127929" y="1479032"/>
+            <a:ext cx="9936142" cy="3899936"/>
+          </a:xfrm>
+          <a:prstGeom prst="rect">
+            <a:avLst/>
+          </a:prstGeom>
+        </p:spPr>
+      </p:pic>
+    </p:spTree>
+    <p:extLst>
+      <p:ext uri="{BB962C8B-B14F-4D97-AF65-F5344CB8AC3E}">
+        <p14:creationId xmlns:p14="http://schemas.microsoft.com/office/powerpoint/2010/main" val="2551247132"/>
+      </p:ext>
+    </p:extLst>
+  </p:cSld>
+  <p:clrMapOvr>
+    <a:masterClrMapping/>
+  </p:clrMapOvr>
+  <p:timing>
+    <p:tnLst>
+      <p:par>
+        <p:cTn id="1" dur="indefinite" restart="never" nodeType="tmRoot">
+          <p:childTnLst>
+            <p:seq concurrent="1" nextAc="seek">
+              <p:cTn id="2" dur="indefinite" nodeType="mainSeq">
+                <p:childTnLst>
+                  <p:par>
+                    <p:cTn id="3" fill="hold">
+                      <p:stCondLst>
+                        <p:cond delay="indefinite"/>
+                      </p:stCondLst>
+                      <p:childTnLst>
+                        <p:par>
+                          <p:cTn id="4" fill="hold">
+                            <p:stCondLst>
+                              <p:cond delay="0"/>
+                            </p:stCondLst>
+                            <p:childTnLst>
+                              <p:par>
+                                <p:cTn id="5" presetID="22" presetClass="entr" presetSubtype="1" fill="hold" nodeType="clickEffect">
+                                  <p:stCondLst>
+                                    <p:cond delay="0"/>
+                                  </p:stCondLst>
+                                  <p:childTnLst>
+                                    <p:set>
+                                      <p:cBhvr>
+                                        <p:cTn id="6" dur="1" fill="hold">
+                                          <p:stCondLst>
+                                            <p:cond delay="0"/>
+                                          </p:stCondLst>
+                                        </p:cTn>
+                                        <p:tgtEl>
+                                          <p:spTgt spid="5"/>
+                                        </p:tgtEl>
+                                        <p:attrNameLst>
+                                          <p:attrName>style.visibility</p:attrName>
+                                        </p:attrNameLst>
+                                      </p:cBhvr>
+                                      <p:to>
+                                        <p:strVal val="visible"/>
+                                      </p:to>
+                                    </p:set>
+                                    <p:animEffect transition="in" filter="wipe(up)">
+                                      <p:cBhvr>
+                                        <p:cTn id="7" dur="500"/>
+                                        <p:tgtEl>
+                                          <p:spTgt spid="5"/>
+                                        </p:tgtEl>
+                                      </p:cBhvr>
+                                    </p:animEffect>
+                                  </p:childTnLst>
+                                </p:cTn>
+                              </p:par>
+                            </p:childTnLst>
+                          </p:cTn>
+                        </p:par>
+                      </p:childTnLst>
+                    </p:cTn>
+                  </p:par>
+                </p:childTnLst>
+              </p:cTn>
+              <p:prevCondLst>
+                <p:cond evt="onPrev" delay="0">
+                  <p:tgtEl>
+                    <p:sldTgt/>
+                  </p:tgtEl>
+                </p:cond>
+              </p:prevCondLst>
+              <p:nextCondLst>
+                <p:cond evt="onNext" delay="0">
+                  <p:tgtEl>
+                    <p:sldTgt/>
+                  </p:tgtEl>
+                </p:cond>
+              </p:nextCondLst>
+            </p:seq>
+          </p:childTnLst>
+        </p:cTn>
+      </p:par>
+    </p:tnLst>
+  </p:timing>
+</p:sld>
+</file>
+
+<file path=ppt/slides/slide28.xml><?xml version="1.0" encoding="utf-8"?>
+<p:sld xmlns:a="http://schemas.openxmlformats.org/drawingml/2006/main" xmlns:r="http://schemas.openxmlformats.org/officeDocument/2006/relationships" xmlns:p="http://schemas.openxmlformats.org/presentationml/2006/main">
+  <p:cSld>
+    <p:spTree>
+      <p:nvGrpSpPr>
+        <p:cNvPr id="1" name=""/>
+        <p:cNvGrpSpPr/>
+        <p:nvPr/>
+      </p:nvGrpSpPr>
+      <p:grpSpPr>
+        <a:xfrm>
+          <a:off x="0" y="0"/>
+          <a:ext cx="0" cy="0"/>
+          <a:chOff x="0" y="0"/>
+          <a:chExt cx="0" cy="0"/>
+        </a:xfrm>
+      </p:grpSpPr>
+      <p:sp>
+        <p:nvSpPr>
+          <p:cNvPr id="2" name="Title 1">
+            <a:extLst>
+              <a:ext uri="{FF2B5EF4-FFF2-40B4-BE49-F238E27FC236}">
+                <a16:creationId xmlns:a16="http://schemas.microsoft.com/office/drawing/2014/main" id="{FBB3C3E4-31C0-40E1-8564-708007A74AEE}"/>
+              </a:ext>
+            </a:extLst>
+          </p:cNvPr>
+          <p:cNvSpPr>
+            <a:spLocks noGrp="1"/>
+          </p:cNvSpPr>
+          <p:nvPr>
+            <p:ph type="title"/>
+          </p:nvPr>
+        </p:nvSpPr>
+        <p:spPr/>
+        <p:txBody>
+          <a:bodyPr/>
+          <a:lstStyle/>
+          <a:p>
+            <a:r>
+              <a:rPr lang="en-US" dirty="0"/>
+              <a:t>Stack  overflow</a:t>
+            </a:r>
+          </a:p>
+        </p:txBody>
+      </p:sp>
+      <p:sp>
+        <p:nvSpPr>
+          <p:cNvPr id="3" name="Content Placeholder 2">
+            <a:extLst>
+              <a:ext uri="{FF2B5EF4-FFF2-40B4-BE49-F238E27FC236}">
+                <a16:creationId xmlns:a16="http://schemas.microsoft.com/office/drawing/2014/main" id="{E6BD56D0-560B-45C2-BC7B-38139D5E6525}"/>
+              </a:ext>
+            </a:extLst>
+          </p:cNvPr>
+          <p:cNvSpPr>
+            <a:spLocks noGrp="1"/>
+          </p:cNvSpPr>
+          <p:nvPr>
+            <p:ph idx="1"/>
+          </p:nvPr>
+        </p:nvSpPr>
+        <p:spPr/>
+        <p:txBody>
+          <a:bodyPr/>
+          <a:lstStyle/>
+          <a:p>
+            <a:endParaRPr lang="en-US"/>
+          </a:p>
+        </p:txBody>
+      </p:sp>
+    </p:spTree>
+    <p:extLst>
+      <p:ext uri="{BB962C8B-B14F-4D97-AF65-F5344CB8AC3E}">
+        <p14:creationId xmlns:p14="http://schemas.microsoft.com/office/powerpoint/2010/main" val="42126884"/>
+      </p:ext>
+    </p:extLst>
+  </p:cSld>
+  <p:clrMapOvr>
+    <a:masterClrMapping/>
+  </p:clrMapOvr>
+</p:sld>
+</file>
+
+<file path=ppt/slides/slide29.xml><?xml version="1.0" encoding="utf-8"?>
+<p:sld xmlns:a="http://schemas.openxmlformats.org/drawingml/2006/main" xmlns:r="http://schemas.openxmlformats.org/officeDocument/2006/relationships" xmlns:p="http://schemas.openxmlformats.org/presentationml/2006/main">
+  <p:cSld>
+    <p:spTree>
+      <p:nvGrpSpPr>
+        <p:cNvPr id="1" name=""/>
+        <p:cNvGrpSpPr/>
+        <p:nvPr/>
+      </p:nvGrpSpPr>
+      <p:grpSpPr>
+        <a:xfrm>
+          <a:off x="0" y="0"/>
+          <a:ext cx="0" cy="0"/>
+          <a:chOff x="0" y="0"/>
+          <a:chExt cx="0" cy="0"/>
+        </a:xfrm>
+      </p:grpSpPr>
+      <p:sp>
+        <p:nvSpPr>
+          <p:cNvPr id="2" name="Title 1">
+            <a:extLst>
+              <a:ext uri="{FF2B5EF4-FFF2-40B4-BE49-F238E27FC236}">
+                <a16:creationId xmlns:a16="http://schemas.microsoft.com/office/drawing/2014/main" id="{BA2FC986-1856-400D-A2A5-0AD19188EC71}"/>
+              </a:ext>
+            </a:extLst>
+          </p:cNvPr>
+          <p:cNvSpPr>
+            <a:spLocks noGrp="1"/>
+          </p:cNvSpPr>
+          <p:nvPr>
+            <p:ph type="title"/>
+          </p:nvPr>
+        </p:nvSpPr>
+        <p:spPr/>
+        <p:txBody>
+          <a:bodyPr/>
+          <a:lstStyle/>
+          <a:p>
+            <a:r>
+              <a:rPr lang="en-US" dirty="0"/>
+              <a:t>Artificial  intelligence </a:t>
+            </a:r>
+          </a:p>
+        </p:txBody>
+      </p:sp>
+      <p:sp>
+        <p:nvSpPr>
+          <p:cNvPr id="3" name="Content Placeholder 2">
+            <a:extLst>
+              <a:ext uri="{FF2B5EF4-FFF2-40B4-BE49-F238E27FC236}">
+                <a16:creationId xmlns:a16="http://schemas.microsoft.com/office/drawing/2014/main" id="{F729AEF7-D423-41DD-A56D-E6BB4F07B441}"/>
+              </a:ext>
+            </a:extLst>
+          </p:cNvPr>
+          <p:cNvSpPr>
+            <a:spLocks noGrp="1"/>
+          </p:cNvSpPr>
+          <p:nvPr>
+            <p:ph idx="1"/>
+          </p:nvPr>
+        </p:nvSpPr>
+        <p:spPr/>
+        <p:txBody>
+          <a:bodyPr/>
+          <a:lstStyle/>
+          <a:p>
+            <a:r>
+              <a:rPr lang="en-US" dirty="0"/>
+              <a:t>True chess AI is impossible</a:t>
+            </a:r>
+          </a:p>
+        </p:txBody>
+      </p:sp>
+    </p:spTree>
+    <p:extLst>
+      <p:ext uri="{BB962C8B-B14F-4D97-AF65-F5344CB8AC3E}">
+        <p14:creationId xmlns:p14="http://schemas.microsoft.com/office/powerpoint/2010/main" val="3699406967"/>
       </p:ext>
     </p:extLst>
   </p:cSld>
@@ -32563,6 +38939,322 @@
       <p:bldP spid="17" grpId="0" animBg="1"/>
     </p:bldLst>
   </p:timing>
+</p:sld>
+</file>
+
+<file path=ppt/slides/slide30.xml><?xml version="1.0" encoding="utf-8"?>
+<p:sld xmlns:a="http://schemas.openxmlformats.org/drawingml/2006/main" xmlns:r="http://schemas.openxmlformats.org/officeDocument/2006/relationships" xmlns:p="http://schemas.openxmlformats.org/presentationml/2006/main">
+  <p:cSld>
+    <p:spTree>
+      <p:nvGrpSpPr>
+        <p:cNvPr id="1" name=""/>
+        <p:cNvGrpSpPr/>
+        <p:nvPr/>
+      </p:nvGrpSpPr>
+      <p:grpSpPr>
+        <a:xfrm>
+          <a:off x="0" y="0"/>
+          <a:ext cx="0" cy="0"/>
+          <a:chOff x="0" y="0"/>
+          <a:chExt cx="0" cy="0"/>
+        </a:xfrm>
+      </p:grpSpPr>
+      <p:sp>
+        <p:nvSpPr>
+          <p:cNvPr id="2" name="Title 1">
+            <a:extLst>
+              <a:ext uri="{FF2B5EF4-FFF2-40B4-BE49-F238E27FC236}">
+                <a16:creationId xmlns:a16="http://schemas.microsoft.com/office/drawing/2014/main" id="{09D5BEC4-47B9-4792-9D7F-2B3DF1CD44E4}"/>
+              </a:ext>
+            </a:extLst>
+          </p:cNvPr>
+          <p:cNvSpPr>
+            <a:spLocks noGrp="1"/>
+          </p:cNvSpPr>
+          <p:nvPr>
+            <p:ph type="title"/>
+          </p:nvPr>
+        </p:nvSpPr>
+        <p:spPr/>
+        <p:txBody>
+          <a:bodyPr/>
+          <a:lstStyle/>
+          <a:p>
+            <a:r>
+              <a:rPr lang="en-US" dirty="0"/>
+              <a:t>Save  game</a:t>
+            </a:r>
+          </a:p>
+        </p:txBody>
+      </p:sp>
+      <p:sp>
+        <p:nvSpPr>
+          <p:cNvPr id="3" name="Content Placeholder 2">
+            <a:extLst>
+              <a:ext uri="{FF2B5EF4-FFF2-40B4-BE49-F238E27FC236}">
+                <a16:creationId xmlns:a16="http://schemas.microsoft.com/office/drawing/2014/main" id="{3F23F606-4B6C-4C50-A8B8-A241287263BF}"/>
+              </a:ext>
+            </a:extLst>
+          </p:cNvPr>
+          <p:cNvSpPr>
+            <a:spLocks noGrp="1"/>
+          </p:cNvSpPr>
+          <p:nvPr>
+            <p:ph idx="1"/>
+          </p:nvPr>
+        </p:nvSpPr>
+        <p:spPr/>
+        <p:txBody>
+          <a:bodyPr/>
+          <a:lstStyle/>
+          <a:p>
+            <a:r>
+              <a:rPr lang="en-US" dirty="0"/>
+              <a:t>The </a:t>
+            </a:r>
+            <a:r>
+              <a:rPr lang="en-US" dirty="0" err="1"/>
+              <a:t>ChessBoard</a:t>
+            </a:r>
+            <a:r>
+              <a:rPr lang="en-US" dirty="0"/>
+              <a:t> implements serializable</a:t>
+            </a:r>
+          </a:p>
+          <a:p>
+            <a:r>
+              <a:rPr lang="en-US" dirty="0"/>
+              <a:t>Append issue</a:t>
+            </a:r>
+          </a:p>
+        </p:txBody>
+      </p:sp>
+    </p:spTree>
+    <p:extLst>
+      <p:ext uri="{BB962C8B-B14F-4D97-AF65-F5344CB8AC3E}">
+        <p14:creationId xmlns:p14="http://schemas.microsoft.com/office/powerpoint/2010/main" val="518823160"/>
+      </p:ext>
+    </p:extLst>
+  </p:cSld>
+  <p:clrMapOvr>
+    <a:masterClrMapping/>
+  </p:clrMapOvr>
+</p:sld>
+</file>
+
+<file path=ppt/slides/slide31.xml><?xml version="1.0" encoding="utf-8"?>
+<p:sld xmlns:a="http://schemas.openxmlformats.org/drawingml/2006/main" xmlns:r="http://schemas.openxmlformats.org/officeDocument/2006/relationships" xmlns:p="http://schemas.openxmlformats.org/presentationml/2006/main">
+  <p:cSld>
+    <p:spTree>
+      <p:nvGrpSpPr>
+        <p:cNvPr id="1" name=""/>
+        <p:cNvGrpSpPr/>
+        <p:nvPr/>
+      </p:nvGrpSpPr>
+      <p:grpSpPr>
+        <a:xfrm>
+          <a:off x="0" y="0"/>
+          <a:ext cx="0" cy="0"/>
+          <a:chOff x="0" y="0"/>
+          <a:chExt cx="0" cy="0"/>
+        </a:xfrm>
+      </p:grpSpPr>
+      <p:sp>
+        <p:nvSpPr>
+          <p:cNvPr id="2" name="Title 1">
+            <a:extLst>
+              <a:ext uri="{FF2B5EF4-FFF2-40B4-BE49-F238E27FC236}">
+                <a16:creationId xmlns:a16="http://schemas.microsoft.com/office/drawing/2014/main" id="{E5695B05-7486-46E2-ABD9-8517ACF7FA69}"/>
+              </a:ext>
+            </a:extLst>
+          </p:cNvPr>
+          <p:cNvSpPr>
+            <a:spLocks noGrp="1"/>
+          </p:cNvSpPr>
+          <p:nvPr>
+            <p:ph type="title"/>
+          </p:nvPr>
+        </p:nvSpPr>
+        <p:spPr/>
+        <p:txBody>
+          <a:bodyPr/>
+          <a:lstStyle/>
+          <a:p>
+            <a:r>
+              <a:rPr lang="en-US" dirty="0"/>
+              <a:t>DISPLAY</a:t>
+            </a:r>
+          </a:p>
+        </p:txBody>
+      </p:sp>
+      <p:sp>
+        <p:nvSpPr>
+          <p:cNvPr id="3" name="Content Placeholder 2">
+            <a:extLst>
+              <a:ext uri="{FF2B5EF4-FFF2-40B4-BE49-F238E27FC236}">
+                <a16:creationId xmlns:a16="http://schemas.microsoft.com/office/drawing/2014/main" id="{1193D176-91E0-4105-8DD4-253D7446D113}"/>
+              </a:ext>
+            </a:extLst>
+          </p:cNvPr>
+          <p:cNvSpPr>
+            <a:spLocks noGrp="1"/>
+          </p:cNvSpPr>
+          <p:nvPr>
+            <p:ph idx="1"/>
+          </p:nvPr>
+        </p:nvSpPr>
+        <p:spPr/>
+        <p:txBody>
+          <a:bodyPr/>
+          <a:lstStyle/>
+          <a:p>
+            <a:r>
+              <a:rPr lang="en-US" dirty="0"/>
+              <a:t>ANSI</a:t>
+            </a:r>
+          </a:p>
+          <a:p>
+            <a:r>
+              <a:rPr lang="en-US" dirty="0"/>
+              <a:t>JANSI</a:t>
+            </a:r>
+          </a:p>
+          <a:p>
+            <a:r>
+              <a:rPr lang="en-US" dirty="0"/>
+              <a:t>CONTROL CHARS</a:t>
+            </a:r>
+          </a:p>
+          <a:p>
+            <a:r>
+              <a:rPr lang="en-US" dirty="0"/>
+              <a:t>WINDOWS CMD VS OTHER TERMINALS</a:t>
+            </a:r>
+          </a:p>
+        </p:txBody>
+      </p:sp>
+    </p:spTree>
+    <p:extLst>
+      <p:ext uri="{BB962C8B-B14F-4D97-AF65-F5344CB8AC3E}">
+        <p14:creationId xmlns:p14="http://schemas.microsoft.com/office/powerpoint/2010/main" val="2966340738"/>
+      </p:ext>
+    </p:extLst>
+  </p:cSld>
+  <p:clrMapOvr>
+    <a:masterClrMapping/>
+  </p:clrMapOvr>
+</p:sld>
+</file>
+
+<file path=ppt/slides/slide32.xml><?xml version="1.0" encoding="utf-8"?>
+<p:sld xmlns:a="http://schemas.openxmlformats.org/drawingml/2006/main" xmlns:r="http://schemas.openxmlformats.org/officeDocument/2006/relationships" xmlns:p="http://schemas.openxmlformats.org/presentationml/2006/main">
+  <p:cSld>
+    <p:spTree>
+      <p:nvGrpSpPr>
+        <p:cNvPr id="1" name=""/>
+        <p:cNvGrpSpPr/>
+        <p:nvPr/>
+      </p:nvGrpSpPr>
+      <p:grpSpPr>
+        <a:xfrm>
+          <a:off x="0" y="0"/>
+          <a:ext cx="0" cy="0"/>
+          <a:chOff x="0" y="0"/>
+          <a:chExt cx="0" cy="0"/>
+        </a:xfrm>
+      </p:grpSpPr>
+      <p:sp>
+        <p:nvSpPr>
+          <p:cNvPr id="2" name="Title 1">
+            <a:extLst>
+              <a:ext uri="{FF2B5EF4-FFF2-40B4-BE49-F238E27FC236}">
+                <a16:creationId xmlns:a16="http://schemas.microsoft.com/office/drawing/2014/main" id="{3DD67D52-B9D9-47E8-8035-E7A189652B3B}"/>
+              </a:ext>
+            </a:extLst>
+          </p:cNvPr>
+          <p:cNvSpPr>
+            <a:spLocks noGrp="1"/>
+          </p:cNvSpPr>
+          <p:nvPr>
+            <p:ph type="title"/>
+          </p:nvPr>
+        </p:nvSpPr>
+        <p:spPr/>
+        <p:txBody>
+          <a:bodyPr/>
+          <a:lstStyle/>
+          <a:p>
+            <a:r>
+              <a:rPr lang="en-US" dirty="0"/>
+              <a:t>TAKEAWAYS</a:t>
+            </a:r>
+          </a:p>
+        </p:txBody>
+      </p:sp>
+      <p:sp>
+        <p:nvSpPr>
+          <p:cNvPr id="3" name="Content Placeholder 2">
+            <a:extLst>
+              <a:ext uri="{FF2B5EF4-FFF2-40B4-BE49-F238E27FC236}">
+                <a16:creationId xmlns:a16="http://schemas.microsoft.com/office/drawing/2014/main" id="{7E928255-356B-4C6B-B2CA-983D28B59D96}"/>
+              </a:ext>
+            </a:extLst>
+          </p:cNvPr>
+          <p:cNvSpPr>
+            <a:spLocks noGrp="1"/>
+          </p:cNvSpPr>
+          <p:nvPr>
+            <p:ph idx="1"/>
+          </p:nvPr>
+        </p:nvSpPr>
+        <p:spPr/>
+        <p:txBody>
+          <a:bodyPr/>
+          <a:lstStyle/>
+          <a:p>
+            <a:r>
+              <a:rPr lang="en-US" dirty="0"/>
+              <a:t>PLANNING</a:t>
+            </a:r>
+          </a:p>
+          <a:p>
+            <a:pPr lvl="1"/>
+            <a:r>
+              <a:rPr lang="en-US" dirty="0"/>
+              <a:t>AVOID A LOT OF ERROS IF WE PLANNED</a:t>
+            </a:r>
+          </a:p>
+          <a:p>
+            <a:r>
+              <a:rPr lang="en-US" dirty="0"/>
+              <a:t>TESTING</a:t>
+            </a:r>
+          </a:p>
+          <a:p>
+            <a:pPr lvl="1"/>
+            <a:r>
+              <a:rPr lang="en-US" dirty="0"/>
+              <a:t>TEST MORE</a:t>
+            </a:r>
+          </a:p>
+          <a:p>
+            <a:r>
+              <a:rPr lang="en-US" dirty="0"/>
+              <a:t>OBJECTIFY!</a:t>
+            </a:r>
+          </a:p>
+        </p:txBody>
+      </p:sp>
+    </p:spTree>
+    <p:extLst>
+      <p:ext uri="{BB962C8B-B14F-4D97-AF65-F5344CB8AC3E}">
+        <p14:creationId xmlns:p14="http://schemas.microsoft.com/office/powerpoint/2010/main" val="703207013"/>
+      </p:ext>
+    </p:extLst>
+  </p:cSld>
+  <p:clrMapOvr>
+    <a:masterClrMapping/>
+  </p:clrMapOvr>
 </p:sld>
 </file>
 
